--- a/source/tests/test_resources/input_files/ppt_templates/PlanVisual-01.pptx
+++ b/source/tests/test_resources/input_files/ppt_templates/PlanVisual-01.pptx
@@ -2814,7 +2814,13 @@
             <p:ph type="title"/>
           </p:nvPr>
         </p:nvSpPr>
-        <p:spPr/>
+        <p:spPr>
+          <a:solidFill>
+            <a:schemeClr val="bg1">
+              <a:lumMod val="85000"/>
+            </a:schemeClr>
+          </a:solidFill>
+        </p:spPr>
         <p:txBody>
           <a:bodyPr/>
           <a:lstStyle/>
@@ -2847,9 +2853,8 @@
             <a:avLst/>
           </a:prstGeom>
           <a:solidFill>
-            <a:schemeClr val="accent1">
-              <a:lumMod val="60000"/>
-              <a:lumOff val="40000"/>
+            <a:schemeClr val="bg1">
+              <a:lumMod val="85000"/>
             </a:schemeClr>
           </a:solidFill>
           <a:ln>
@@ -2902,9 +2907,8 @@
             <a:avLst/>
           </a:prstGeom>
           <a:solidFill>
-            <a:schemeClr val="accent5">
-              <a:lumMod val="20000"/>
-              <a:lumOff val="80000"/>
+            <a:schemeClr val="bg1">
+              <a:lumMod val="85000"/>
             </a:schemeClr>
           </a:solidFill>
         </p:spPr>
@@ -2948,9 +2952,8 @@
             <a:avLst/>
           </a:prstGeom>
           <a:solidFill>
-            <a:schemeClr val="accent5">
-              <a:lumMod val="20000"/>
-              <a:lumOff val="80000"/>
+            <a:schemeClr val="bg1">
+              <a:lumMod val="85000"/>
             </a:schemeClr>
           </a:solidFill>
         </p:spPr>

--- a/source/tests/test_resources/input_files/ppt_templates/PlanVisual-01.pptx
+++ b/source/tests/test_resources/input_files/ppt_templates/PlanVisual-01.pptx
@@ -223,7 +223,7 @@
           <a:p>
             <a:fld id="{6E5C1574-D2BA-46DD-88AC-268E1990F686}" type="datetimeFigureOut">
               <a:rPr lang="en-GB" smtClean="0"/>
-              <a:t>03/04/2021</a:t>
+              <a:t>04/04/2021</a:t>
             </a:fld>
             <a:endParaRPr lang="en-GB"/>
           </a:p>
@@ -2434,7 +2434,7 @@
           <a:p>
             <a:fld id="{56DCF2C3-9394-5A41-ACB4-0801C7D13155}" type="datetimeFigureOut">
               <a:rPr lang="en-US" smtClean="0"/>
-              <a:t>4/3/21</a:t>
+              <a:t>4/4/21</a:t>
             </a:fld>
             <a:endParaRPr lang="en-US"/>
           </a:p>
@@ -2798,100 +2798,4672 @@
           <a:chExt cx="0" cy="0"/>
         </a:xfrm>
       </p:grpSpPr>
-      <p:sp>
-        <p:nvSpPr>
-          <p:cNvPr id="2" name="Title 1">
+      <p:graphicFrame>
+        <p:nvGraphicFramePr>
+          <p:cNvPr id="6" name="Table 4">
             <a:extLst>
               <a:ext uri="{FF2B5EF4-FFF2-40B4-BE49-F238E27FC236}">
-                <a16:creationId xmlns:a16="http://schemas.microsoft.com/office/drawing/2014/main" id="{73EE609B-AE24-A84F-9A76-C0E5F8C73F18}"/>
+                <a16:creationId xmlns:a16="http://schemas.microsoft.com/office/drawing/2014/main" id="{B9B8ED3C-FBAC-3648-B231-B9A8EBE81143}"/>
               </a:ext>
             </a:extLst>
           </p:cNvPr>
-          <p:cNvSpPr>
-            <a:spLocks noGrp="1"/>
-          </p:cNvSpPr>
+          <p:cNvGraphicFramePr>
+            <a:graphicFrameLocks noGrp="1"/>
+          </p:cNvGraphicFramePr>
           <p:nvPr>
-            <p:ph type="title"/>
+            <p:extLst>
+              <p:ext uri="{D42A27DB-BD31-4B8C-83A1-F6EECF244321}">
+                <p14:modId xmlns:p14="http://schemas.microsoft.com/office/powerpoint/2010/main" val="190029765"/>
+              </p:ext>
+            </p:extLst>
           </p:nvPr>
-        </p:nvSpPr>
-        <p:spPr>
-          <a:solidFill>
-            <a:schemeClr val="bg1">
-              <a:lumMod val="85000"/>
-            </a:schemeClr>
-          </a:solidFill>
-        </p:spPr>
-        <p:txBody>
-          <a:bodyPr/>
-          <a:lstStyle/>
-          <a:p>
-            <a:r>
-              <a:rPr lang="en-US" dirty="0"/>
-              <a:t>Excel to Plan Visual Test File</a:t>
-            </a:r>
-          </a:p>
-        </p:txBody>
-      </p:sp>
+        </p:nvGraphicFramePr>
+        <p:xfrm>
+          <a:off x="163286" y="841048"/>
+          <a:ext cx="11897640" cy="5735450"/>
+        </p:xfrm>
+        <a:graphic>
+          <a:graphicData uri="http://schemas.openxmlformats.org/drawingml/2006/table">
+            <a:tbl>
+              <a:tblPr firstRow="1" bandRow="1">
+                <a:tableStyleId>{5C22544A-7EE6-4342-B048-85BDC9FD1C3A}</a:tableStyleId>
+              </a:tblPr>
+              <a:tblGrid>
+                <a:gridCol w="793176">
+                  <a:extLst>
+                    <a:ext uri="{9D8B030D-6E8A-4147-A177-3AD203B41FA5}">
+                      <a16:colId xmlns:a16="http://schemas.microsoft.com/office/drawing/2014/main" val="1104177317"/>
+                    </a:ext>
+                  </a:extLst>
+                </a:gridCol>
+                <a:gridCol w="793176">
+                  <a:extLst>
+                    <a:ext uri="{9D8B030D-6E8A-4147-A177-3AD203B41FA5}">
+                      <a16:colId xmlns:a16="http://schemas.microsoft.com/office/drawing/2014/main" val="3533348155"/>
+                    </a:ext>
+                  </a:extLst>
+                </a:gridCol>
+                <a:gridCol w="793176">
+                  <a:extLst>
+                    <a:ext uri="{9D8B030D-6E8A-4147-A177-3AD203B41FA5}">
+                      <a16:colId xmlns:a16="http://schemas.microsoft.com/office/drawing/2014/main" val="3228251336"/>
+                    </a:ext>
+                  </a:extLst>
+                </a:gridCol>
+                <a:gridCol w="793176">
+                  <a:extLst>
+                    <a:ext uri="{9D8B030D-6E8A-4147-A177-3AD203B41FA5}">
+                      <a16:colId xmlns:a16="http://schemas.microsoft.com/office/drawing/2014/main" val="2514622550"/>
+                    </a:ext>
+                  </a:extLst>
+                </a:gridCol>
+                <a:gridCol w="793176">
+                  <a:extLst>
+                    <a:ext uri="{9D8B030D-6E8A-4147-A177-3AD203B41FA5}">
+                      <a16:colId xmlns:a16="http://schemas.microsoft.com/office/drawing/2014/main" val="2508096684"/>
+                    </a:ext>
+                  </a:extLst>
+                </a:gridCol>
+                <a:gridCol w="793176">
+                  <a:extLst>
+                    <a:ext uri="{9D8B030D-6E8A-4147-A177-3AD203B41FA5}">
+                      <a16:colId xmlns:a16="http://schemas.microsoft.com/office/drawing/2014/main" val="238650118"/>
+                    </a:ext>
+                  </a:extLst>
+                </a:gridCol>
+                <a:gridCol w="793176">
+                  <a:extLst>
+                    <a:ext uri="{9D8B030D-6E8A-4147-A177-3AD203B41FA5}">
+                      <a16:colId xmlns:a16="http://schemas.microsoft.com/office/drawing/2014/main" val="1516975366"/>
+                    </a:ext>
+                  </a:extLst>
+                </a:gridCol>
+                <a:gridCol w="793176">
+                  <a:extLst>
+                    <a:ext uri="{9D8B030D-6E8A-4147-A177-3AD203B41FA5}">
+                      <a16:colId xmlns:a16="http://schemas.microsoft.com/office/drawing/2014/main" val="52197992"/>
+                    </a:ext>
+                  </a:extLst>
+                </a:gridCol>
+                <a:gridCol w="793176">
+                  <a:extLst>
+                    <a:ext uri="{9D8B030D-6E8A-4147-A177-3AD203B41FA5}">
+                      <a16:colId xmlns:a16="http://schemas.microsoft.com/office/drawing/2014/main" val="2113671988"/>
+                    </a:ext>
+                  </a:extLst>
+                </a:gridCol>
+                <a:gridCol w="793176">
+                  <a:extLst>
+                    <a:ext uri="{9D8B030D-6E8A-4147-A177-3AD203B41FA5}">
+                      <a16:colId xmlns:a16="http://schemas.microsoft.com/office/drawing/2014/main" val="3617413587"/>
+                    </a:ext>
+                  </a:extLst>
+                </a:gridCol>
+                <a:gridCol w="793176">
+                  <a:extLst>
+                    <a:ext uri="{9D8B030D-6E8A-4147-A177-3AD203B41FA5}">
+                      <a16:colId xmlns:a16="http://schemas.microsoft.com/office/drawing/2014/main" val="1890041353"/>
+                    </a:ext>
+                  </a:extLst>
+                </a:gridCol>
+                <a:gridCol w="793176">
+                  <a:extLst>
+                    <a:ext uri="{9D8B030D-6E8A-4147-A177-3AD203B41FA5}">
+                      <a16:colId xmlns:a16="http://schemas.microsoft.com/office/drawing/2014/main" val="2215027084"/>
+                    </a:ext>
+                  </a:extLst>
+                </a:gridCol>
+                <a:gridCol w="793176">
+                  <a:extLst>
+                    <a:ext uri="{9D8B030D-6E8A-4147-A177-3AD203B41FA5}">
+                      <a16:colId xmlns:a16="http://schemas.microsoft.com/office/drawing/2014/main" val="4043533077"/>
+                    </a:ext>
+                  </a:extLst>
+                </a:gridCol>
+                <a:gridCol w="793176">
+                  <a:extLst>
+                    <a:ext uri="{9D8B030D-6E8A-4147-A177-3AD203B41FA5}">
+                      <a16:colId xmlns:a16="http://schemas.microsoft.com/office/drawing/2014/main" val="3300019350"/>
+                    </a:ext>
+                  </a:extLst>
+                </a:gridCol>
+                <a:gridCol w="793176">
+                  <a:extLst>
+                    <a:ext uri="{9D8B030D-6E8A-4147-A177-3AD203B41FA5}">
+                      <a16:colId xmlns:a16="http://schemas.microsoft.com/office/drawing/2014/main" val="396232325"/>
+                    </a:ext>
+                  </a:extLst>
+                </a:gridCol>
+              </a:tblGrid>
+              <a:tr h="246185">
+                <a:tc>
+                  <a:txBody>
+                    <a:bodyPr/>
+                    <a:lstStyle/>
+                    <a:p>
+                      <a:pPr algn="ctr"/>
+                      <a:r>
+                        <a:rPr lang="en-US" sz="1100" b="0" dirty="0">
+                          <a:solidFill>
+                            <a:schemeClr val="tx1"/>
+                          </a:solidFill>
+                        </a:rPr>
+                        <a:t>Jan</a:t>
+                      </a:r>
+                    </a:p>
+                  </a:txBody>
+                  <a:tcPr>
+                    <a:lnL w="9525" cap="flat" cmpd="sng" algn="ctr">
+                      <a:solidFill>
+                        <a:schemeClr val="tx1">
+                          <a:lumMod val="50000"/>
+                          <a:lumOff val="50000"/>
+                        </a:schemeClr>
+                      </a:solidFill>
+                      <a:prstDash val="solid"/>
+                      <a:round/>
+                      <a:headEnd type="none" w="med" len="med"/>
+                      <a:tailEnd type="none" w="med" len="med"/>
+                    </a:lnL>
+                    <a:lnR w="9525" cap="flat" cmpd="sng" algn="ctr">
+                      <a:solidFill>
+                        <a:schemeClr val="tx1">
+                          <a:lumMod val="50000"/>
+                          <a:lumOff val="50000"/>
+                        </a:schemeClr>
+                      </a:solidFill>
+                      <a:prstDash val="solid"/>
+                      <a:round/>
+                      <a:headEnd type="none" w="med" len="med"/>
+                      <a:tailEnd type="none" w="med" len="med"/>
+                    </a:lnR>
+                    <a:lnT w="9525" cap="flat" cmpd="sng" algn="ctr">
+                      <a:solidFill>
+                        <a:schemeClr val="tx1">
+                          <a:lumMod val="50000"/>
+                          <a:lumOff val="50000"/>
+                        </a:schemeClr>
+                      </a:solidFill>
+                      <a:prstDash val="solid"/>
+                      <a:round/>
+                      <a:headEnd type="none" w="med" len="med"/>
+                      <a:tailEnd type="none" w="med" len="med"/>
+                    </a:lnT>
+                    <a:lnB w="9525" cap="flat" cmpd="sng" algn="ctr">
+                      <a:solidFill>
+                        <a:schemeClr val="tx1">
+                          <a:lumMod val="50000"/>
+                          <a:lumOff val="50000"/>
+                        </a:schemeClr>
+                      </a:solidFill>
+                      <a:prstDash val="solid"/>
+                      <a:round/>
+                      <a:headEnd type="none" w="med" len="med"/>
+                      <a:tailEnd type="none" w="med" len="med"/>
+                    </a:lnB>
+                    <a:lnTlToBr w="12700" cmpd="sng">
+                      <a:noFill/>
+                      <a:prstDash val="solid"/>
+                    </a:lnTlToBr>
+                    <a:lnBlToTr w="12700" cmpd="sng">
+                      <a:noFill/>
+                      <a:prstDash val="solid"/>
+                    </a:lnBlToTr>
+                    <a:solidFill>
+                      <a:schemeClr val="tx2">
+                        <a:lumMod val="20000"/>
+                        <a:lumOff val="80000"/>
+                      </a:schemeClr>
+                    </a:solidFill>
+                  </a:tcPr>
+                </a:tc>
+                <a:tc>
+                  <a:txBody>
+                    <a:bodyPr/>
+                    <a:lstStyle/>
+                    <a:p>
+                      <a:pPr algn="ctr"/>
+                      <a:r>
+                        <a:rPr lang="en-US" sz="1100" b="0">
+                          <a:solidFill>
+                            <a:schemeClr val="tx1"/>
+                          </a:solidFill>
+                        </a:rPr>
+                        <a:t>Feb</a:t>
+                      </a:r>
+                    </a:p>
+                  </a:txBody>
+                  <a:tcPr>
+                    <a:lnL w="9525" cap="flat" cmpd="sng" algn="ctr">
+                      <a:solidFill>
+                        <a:schemeClr val="tx1">
+                          <a:lumMod val="50000"/>
+                          <a:lumOff val="50000"/>
+                        </a:schemeClr>
+                      </a:solidFill>
+                      <a:prstDash val="solid"/>
+                      <a:round/>
+                      <a:headEnd type="none" w="med" len="med"/>
+                      <a:tailEnd type="none" w="med" len="med"/>
+                    </a:lnL>
+                    <a:lnR w="9525" cap="flat" cmpd="sng" algn="ctr">
+                      <a:solidFill>
+                        <a:schemeClr val="tx1">
+                          <a:lumMod val="50000"/>
+                          <a:lumOff val="50000"/>
+                        </a:schemeClr>
+                      </a:solidFill>
+                      <a:prstDash val="solid"/>
+                      <a:round/>
+                      <a:headEnd type="none" w="med" len="med"/>
+                      <a:tailEnd type="none" w="med" len="med"/>
+                    </a:lnR>
+                    <a:lnT w="9525" cap="flat" cmpd="sng" algn="ctr">
+                      <a:solidFill>
+                        <a:schemeClr val="tx1">
+                          <a:lumMod val="50000"/>
+                          <a:lumOff val="50000"/>
+                        </a:schemeClr>
+                      </a:solidFill>
+                      <a:prstDash val="solid"/>
+                      <a:round/>
+                      <a:headEnd type="none" w="med" len="med"/>
+                      <a:tailEnd type="none" w="med" len="med"/>
+                    </a:lnT>
+                    <a:lnB w="9525" cap="flat" cmpd="sng" algn="ctr">
+                      <a:solidFill>
+                        <a:schemeClr val="tx1">
+                          <a:lumMod val="50000"/>
+                          <a:lumOff val="50000"/>
+                        </a:schemeClr>
+                      </a:solidFill>
+                      <a:prstDash val="solid"/>
+                      <a:round/>
+                      <a:headEnd type="none" w="med" len="med"/>
+                      <a:tailEnd type="none" w="med" len="med"/>
+                    </a:lnB>
+                    <a:lnTlToBr w="12700" cmpd="sng">
+                      <a:noFill/>
+                      <a:prstDash val="solid"/>
+                    </a:lnTlToBr>
+                    <a:lnBlToTr w="12700" cmpd="sng">
+                      <a:noFill/>
+                      <a:prstDash val="solid"/>
+                    </a:lnBlToTr>
+                    <a:solidFill>
+                      <a:schemeClr val="tx2">
+                        <a:lumMod val="20000"/>
+                        <a:lumOff val="80000"/>
+                      </a:schemeClr>
+                    </a:solidFill>
+                  </a:tcPr>
+                </a:tc>
+                <a:tc>
+                  <a:txBody>
+                    <a:bodyPr/>
+                    <a:lstStyle/>
+                    <a:p>
+                      <a:pPr algn="ctr"/>
+                      <a:r>
+                        <a:rPr lang="en-US" sz="1100" b="0">
+                          <a:solidFill>
+                            <a:schemeClr val="tx1"/>
+                          </a:solidFill>
+                        </a:rPr>
+                        <a:t>Mar</a:t>
+                      </a:r>
+                    </a:p>
+                  </a:txBody>
+                  <a:tcPr>
+                    <a:lnL w="9525" cap="flat" cmpd="sng" algn="ctr">
+                      <a:solidFill>
+                        <a:schemeClr val="tx1">
+                          <a:lumMod val="50000"/>
+                          <a:lumOff val="50000"/>
+                        </a:schemeClr>
+                      </a:solidFill>
+                      <a:prstDash val="solid"/>
+                      <a:round/>
+                      <a:headEnd type="none" w="med" len="med"/>
+                      <a:tailEnd type="none" w="med" len="med"/>
+                    </a:lnL>
+                    <a:lnR w="9525" cap="flat" cmpd="sng" algn="ctr">
+                      <a:solidFill>
+                        <a:schemeClr val="tx1">
+                          <a:lumMod val="50000"/>
+                          <a:lumOff val="50000"/>
+                        </a:schemeClr>
+                      </a:solidFill>
+                      <a:prstDash val="solid"/>
+                      <a:round/>
+                      <a:headEnd type="none" w="med" len="med"/>
+                      <a:tailEnd type="none" w="med" len="med"/>
+                    </a:lnR>
+                    <a:lnT w="9525" cap="flat" cmpd="sng" algn="ctr">
+                      <a:solidFill>
+                        <a:schemeClr val="tx1">
+                          <a:lumMod val="50000"/>
+                          <a:lumOff val="50000"/>
+                        </a:schemeClr>
+                      </a:solidFill>
+                      <a:prstDash val="solid"/>
+                      <a:round/>
+                      <a:headEnd type="none" w="med" len="med"/>
+                      <a:tailEnd type="none" w="med" len="med"/>
+                    </a:lnT>
+                    <a:lnB w="9525" cap="flat" cmpd="sng" algn="ctr">
+                      <a:solidFill>
+                        <a:schemeClr val="tx1">
+                          <a:lumMod val="50000"/>
+                          <a:lumOff val="50000"/>
+                        </a:schemeClr>
+                      </a:solidFill>
+                      <a:prstDash val="solid"/>
+                      <a:round/>
+                      <a:headEnd type="none" w="med" len="med"/>
+                      <a:tailEnd type="none" w="med" len="med"/>
+                    </a:lnB>
+                    <a:lnTlToBr w="12700" cmpd="sng">
+                      <a:noFill/>
+                      <a:prstDash val="solid"/>
+                    </a:lnTlToBr>
+                    <a:lnBlToTr w="12700" cmpd="sng">
+                      <a:noFill/>
+                      <a:prstDash val="solid"/>
+                    </a:lnBlToTr>
+                    <a:solidFill>
+                      <a:schemeClr val="tx2">
+                        <a:lumMod val="20000"/>
+                        <a:lumOff val="80000"/>
+                      </a:schemeClr>
+                    </a:solidFill>
+                  </a:tcPr>
+                </a:tc>
+                <a:tc>
+                  <a:txBody>
+                    <a:bodyPr/>
+                    <a:lstStyle/>
+                    <a:p>
+                      <a:pPr algn="ctr"/>
+                      <a:r>
+                        <a:rPr lang="en-US" sz="1100" b="0">
+                          <a:solidFill>
+                            <a:schemeClr val="tx1"/>
+                          </a:solidFill>
+                        </a:rPr>
+                        <a:t>Apr</a:t>
+                      </a:r>
+                    </a:p>
+                  </a:txBody>
+                  <a:tcPr>
+                    <a:lnL w="9525" cap="flat" cmpd="sng" algn="ctr">
+                      <a:solidFill>
+                        <a:schemeClr val="tx1">
+                          <a:lumMod val="50000"/>
+                          <a:lumOff val="50000"/>
+                        </a:schemeClr>
+                      </a:solidFill>
+                      <a:prstDash val="solid"/>
+                      <a:round/>
+                      <a:headEnd type="none" w="med" len="med"/>
+                      <a:tailEnd type="none" w="med" len="med"/>
+                    </a:lnL>
+                    <a:lnR w="9525" cap="flat" cmpd="sng" algn="ctr">
+                      <a:solidFill>
+                        <a:schemeClr val="tx1">
+                          <a:lumMod val="50000"/>
+                          <a:lumOff val="50000"/>
+                        </a:schemeClr>
+                      </a:solidFill>
+                      <a:prstDash val="solid"/>
+                      <a:round/>
+                      <a:headEnd type="none" w="med" len="med"/>
+                      <a:tailEnd type="none" w="med" len="med"/>
+                    </a:lnR>
+                    <a:lnT w="9525" cap="flat" cmpd="sng" algn="ctr">
+                      <a:solidFill>
+                        <a:schemeClr val="tx1">
+                          <a:lumMod val="50000"/>
+                          <a:lumOff val="50000"/>
+                        </a:schemeClr>
+                      </a:solidFill>
+                      <a:prstDash val="solid"/>
+                      <a:round/>
+                      <a:headEnd type="none" w="med" len="med"/>
+                      <a:tailEnd type="none" w="med" len="med"/>
+                    </a:lnT>
+                    <a:lnB w="9525" cap="flat" cmpd="sng" algn="ctr">
+                      <a:solidFill>
+                        <a:schemeClr val="tx1">
+                          <a:lumMod val="50000"/>
+                          <a:lumOff val="50000"/>
+                        </a:schemeClr>
+                      </a:solidFill>
+                      <a:prstDash val="solid"/>
+                      <a:round/>
+                      <a:headEnd type="none" w="med" len="med"/>
+                      <a:tailEnd type="none" w="med" len="med"/>
+                    </a:lnB>
+                    <a:lnTlToBr w="12700" cmpd="sng">
+                      <a:noFill/>
+                      <a:prstDash val="solid"/>
+                    </a:lnTlToBr>
+                    <a:lnBlToTr w="12700" cmpd="sng">
+                      <a:noFill/>
+                      <a:prstDash val="solid"/>
+                    </a:lnBlToTr>
+                    <a:solidFill>
+                      <a:schemeClr val="tx2">
+                        <a:lumMod val="20000"/>
+                        <a:lumOff val="80000"/>
+                      </a:schemeClr>
+                    </a:solidFill>
+                  </a:tcPr>
+                </a:tc>
+                <a:tc>
+                  <a:txBody>
+                    <a:bodyPr/>
+                    <a:lstStyle/>
+                    <a:p>
+                      <a:pPr algn="ctr"/>
+                      <a:r>
+                        <a:rPr lang="en-US" sz="1100" b="0">
+                          <a:solidFill>
+                            <a:schemeClr val="tx1"/>
+                          </a:solidFill>
+                        </a:rPr>
+                        <a:t>May</a:t>
+                      </a:r>
+                    </a:p>
+                  </a:txBody>
+                  <a:tcPr>
+                    <a:lnL w="9525" cap="flat" cmpd="sng" algn="ctr">
+                      <a:solidFill>
+                        <a:schemeClr val="tx1">
+                          <a:lumMod val="50000"/>
+                          <a:lumOff val="50000"/>
+                        </a:schemeClr>
+                      </a:solidFill>
+                      <a:prstDash val="solid"/>
+                      <a:round/>
+                      <a:headEnd type="none" w="med" len="med"/>
+                      <a:tailEnd type="none" w="med" len="med"/>
+                    </a:lnL>
+                    <a:lnR w="9525" cap="flat" cmpd="sng" algn="ctr">
+                      <a:solidFill>
+                        <a:schemeClr val="tx1">
+                          <a:lumMod val="50000"/>
+                          <a:lumOff val="50000"/>
+                        </a:schemeClr>
+                      </a:solidFill>
+                      <a:prstDash val="solid"/>
+                      <a:round/>
+                      <a:headEnd type="none" w="med" len="med"/>
+                      <a:tailEnd type="none" w="med" len="med"/>
+                    </a:lnR>
+                    <a:lnT w="9525" cap="flat" cmpd="sng" algn="ctr">
+                      <a:solidFill>
+                        <a:schemeClr val="tx1">
+                          <a:lumMod val="50000"/>
+                          <a:lumOff val="50000"/>
+                        </a:schemeClr>
+                      </a:solidFill>
+                      <a:prstDash val="solid"/>
+                      <a:round/>
+                      <a:headEnd type="none" w="med" len="med"/>
+                      <a:tailEnd type="none" w="med" len="med"/>
+                    </a:lnT>
+                    <a:lnB w="9525" cap="flat" cmpd="sng" algn="ctr">
+                      <a:solidFill>
+                        <a:schemeClr val="tx1">
+                          <a:lumMod val="50000"/>
+                          <a:lumOff val="50000"/>
+                        </a:schemeClr>
+                      </a:solidFill>
+                      <a:prstDash val="solid"/>
+                      <a:round/>
+                      <a:headEnd type="none" w="med" len="med"/>
+                      <a:tailEnd type="none" w="med" len="med"/>
+                    </a:lnB>
+                    <a:lnTlToBr w="12700" cmpd="sng">
+                      <a:noFill/>
+                      <a:prstDash val="solid"/>
+                    </a:lnTlToBr>
+                    <a:lnBlToTr w="12700" cmpd="sng">
+                      <a:noFill/>
+                      <a:prstDash val="solid"/>
+                    </a:lnBlToTr>
+                    <a:solidFill>
+                      <a:schemeClr val="tx2">
+                        <a:lumMod val="20000"/>
+                        <a:lumOff val="80000"/>
+                      </a:schemeClr>
+                    </a:solidFill>
+                  </a:tcPr>
+                </a:tc>
+                <a:tc>
+                  <a:txBody>
+                    <a:bodyPr/>
+                    <a:lstStyle/>
+                    <a:p>
+                      <a:pPr algn="ctr"/>
+                      <a:r>
+                        <a:rPr lang="en-US" sz="1100" b="0">
+                          <a:solidFill>
+                            <a:schemeClr val="tx1"/>
+                          </a:solidFill>
+                        </a:rPr>
+                        <a:t>Jun</a:t>
+                      </a:r>
+                    </a:p>
+                  </a:txBody>
+                  <a:tcPr>
+                    <a:lnL w="9525" cap="flat" cmpd="sng" algn="ctr">
+                      <a:solidFill>
+                        <a:schemeClr val="tx1">
+                          <a:lumMod val="50000"/>
+                          <a:lumOff val="50000"/>
+                        </a:schemeClr>
+                      </a:solidFill>
+                      <a:prstDash val="solid"/>
+                      <a:round/>
+                      <a:headEnd type="none" w="med" len="med"/>
+                      <a:tailEnd type="none" w="med" len="med"/>
+                    </a:lnL>
+                    <a:lnR w="9525" cap="flat" cmpd="sng" algn="ctr">
+                      <a:solidFill>
+                        <a:schemeClr val="tx1">
+                          <a:lumMod val="50000"/>
+                          <a:lumOff val="50000"/>
+                        </a:schemeClr>
+                      </a:solidFill>
+                      <a:prstDash val="solid"/>
+                      <a:round/>
+                      <a:headEnd type="none" w="med" len="med"/>
+                      <a:tailEnd type="none" w="med" len="med"/>
+                    </a:lnR>
+                    <a:lnT w="9525" cap="flat" cmpd="sng" algn="ctr">
+                      <a:solidFill>
+                        <a:schemeClr val="tx1">
+                          <a:lumMod val="50000"/>
+                          <a:lumOff val="50000"/>
+                        </a:schemeClr>
+                      </a:solidFill>
+                      <a:prstDash val="solid"/>
+                      <a:round/>
+                      <a:headEnd type="none" w="med" len="med"/>
+                      <a:tailEnd type="none" w="med" len="med"/>
+                    </a:lnT>
+                    <a:lnB w="9525" cap="flat" cmpd="sng" algn="ctr">
+                      <a:solidFill>
+                        <a:schemeClr val="tx1">
+                          <a:lumMod val="50000"/>
+                          <a:lumOff val="50000"/>
+                        </a:schemeClr>
+                      </a:solidFill>
+                      <a:prstDash val="solid"/>
+                      <a:round/>
+                      <a:headEnd type="none" w="med" len="med"/>
+                      <a:tailEnd type="none" w="med" len="med"/>
+                    </a:lnB>
+                    <a:lnTlToBr w="12700" cmpd="sng">
+                      <a:noFill/>
+                      <a:prstDash val="solid"/>
+                    </a:lnTlToBr>
+                    <a:lnBlToTr w="12700" cmpd="sng">
+                      <a:noFill/>
+                      <a:prstDash val="solid"/>
+                    </a:lnBlToTr>
+                    <a:solidFill>
+                      <a:schemeClr val="tx2">
+                        <a:lumMod val="20000"/>
+                        <a:lumOff val="80000"/>
+                      </a:schemeClr>
+                    </a:solidFill>
+                  </a:tcPr>
+                </a:tc>
+                <a:tc>
+                  <a:txBody>
+                    <a:bodyPr/>
+                    <a:lstStyle/>
+                    <a:p>
+                      <a:pPr algn="ctr"/>
+                      <a:r>
+                        <a:rPr lang="en-US" sz="1100" b="0">
+                          <a:solidFill>
+                            <a:schemeClr val="tx1"/>
+                          </a:solidFill>
+                        </a:rPr>
+                        <a:t>Jul</a:t>
+                      </a:r>
+                    </a:p>
+                  </a:txBody>
+                  <a:tcPr>
+                    <a:lnL w="9525" cap="flat" cmpd="sng" algn="ctr">
+                      <a:solidFill>
+                        <a:schemeClr val="tx1">
+                          <a:lumMod val="50000"/>
+                          <a:lumOff val="50000"/>
+                        </a:schemeClr>
+                      </a:solidFill>
+                      <a:prstDash val="solid"/>
+                      <a:round/>
+                      <a:headEnd type="none" w="med" len="med"/>
+                      <a:tailEnd type="none" w="med" len="med"/>
+                    </a:lnL>
+                    <a:lnR w="9525" cap="flat" cmpd="sng" algn="ctr">
+                      <a:solidFill>
+                        <a:schemeClr val="tx1">
+                          <a:lumMod val="50000"/>
+                          <a:lumOff val="50000"/>
+                        </a:schemeClr>
+                      </a:solidFill>
+                      <a:prstDash val="solid"/>
+                      <a:round/>
+                      <a:headEnd type="none" w="med" len="med"/>
+                      <a:tailEnd type="none" w="med" len="med"/>
+                    </a:lnR>
+                    <a:lnT w="9525" cap="flat" cmpd="sng" algn="ctr">
+                      <a:solidFill>
+                        <a:schemeClr val="tx1">
+                          <a:lumMod val="50000"/>
+                          <a:lumOff val="50000"/>
+                        </a:schemeClr>
+                      </a:solidFill>
+                      <a:prstDash val="solid"/>
+                      <a:round/>
+                      <a:headEnd type="none" w="med" len="med"/>
+                      <a:tailEnd type="none" w="med" len="med"/>
+                    </a:lnT>
+                    <a:lnB w="9525" cap="flat" cmpd="sng" algn="ctr">
+                      <a:solidFill>
+                        <a:schemeClr val="tx1">
+                          <a:lumMod val="50000"/>
+                          <a:lumOff val="50000"/>
+                        </a:schemeClr>
+                      </a:solidFill>
+                      <a:prstDash val="solid"/>
+                      <a:round/>
+                      <a:headEnd type="none" w="med" len="med"/>
+                      <a:tailEnd type="none" w="med" len="med"/>
+                    </a:lnB>
+                    <a:lnTlToBr w="12700" cmpd="sng">
+                      <a:noFill/>
+                      <a:prstDash val="solid"/>
+                    </a:lnTlToBr>
+                    <a:lnBlToTr w="12700" cmpd="sng">
+                      <a:noFill/>
+                      <a:prstDash val="solid"/>
+                    </a:lnBlToTr>
+                    <a:solidFill>
+                      <a:schemeClr val="tx2">
+                        <a:lumMod val="20000"/>
+                        <a:lumOff val="80000"/>
+                      </a:schemeClr>
+                    </a:solidFill>
+                  </a:tcPr>
+                </a:tc>
+                <a:tc>
+                  <a:txBody>
+                    <a:bodyPr/>
+                    <a:lstStyle/>
+                    <a:p>
+                      <a:pPr algn="ctr"/>
+                      <a:r>
+                        <a:rPr lang="en-US" sz="1100" b="0">
+                          <a:solidFill>
+                            <a:schemeClr val="tx1"/>
+                          </a:solidFill>
+                        </a:rPr>
+                        <a:t>Aug</a:t>
+                      </a:r>
+                    </a:p>
+                  </a:txBody>
+                  <a:tcPr>
+                    <a:lnL w="9525" cap="flat" cmpd="sng" algn="ctr">
+                      <a:solidFill>
+                        <a:schemeClr val="tx1">
+                          <a:lumMod val="50000"/>
+                          <a:lumOff val="50000"/>
+                        </a:schemeClr>
+                      </a:solidFill>
+                      <a:prstDash val="solid"/>
+                      <a:round/>
+                      <a:headEnd type="none" w="med" len="med"/>
+                      <a:tailEnd type="none" w="med" len="med"/>
+                    </a:lnL>
+                    <a:lnR w="9525" cap="flat" cmpd="sng" algn="ctr">
+                      <a:solidFill>
+                        <a:schemeClr val="tx1">
+                          <a:lumMod val="50000"/>
+                          <a:lumOff val="50000"/>
+                        </a:schemeClr>
+                      </a:solidFill>
+                      <a:prstDash val="solid"/>
+                      <a:round/>
+                      <a:headEnd type="none" w="med" len="med"/>
+                      <a:tailEnd type="none" w="med" len="med"/>
+                    </a:lnR>
+                    <a:lnT w="9525" cap="flat" cmpd="sng" algn="ctr">
+                      <a:solidFill>
+                        <a:schemeClr val="tx1">
+                          <a:lumMod val="50000"/>
+                          <a:lumOff val="50000"/>
+                        </a:schemeClr>
+                      </a:solidFill>
+                      <a:prstDash val="solid"/>
+                      <a:round/>
+                      <a:headEnd type="none" w="med" len="med"/>
+                      <a:tailEnd type="none" w="med" len="med"/>
+                    </a:lnT>
+                    <a:lnB w="9525" cap="flat" cmpd="sng" algn="ctr">
+                      <a:solidFill>
+                        <a:schemeClr val="tx1">
+                          <a:lumMod val="50000"/>
+                          <a:lumOff val="50000"/>
+                        </a:schemeClr>
+                      </a:solidFill>
+                      <a:prstDash val="solid"/>
+                      <a:round/>
+                      <a:headEnd type="none" w="med" len="med"/>
+                      <a:tailEnd type="none" w="med" len="med"/>
+                    </a:lnB>
+                    <a:lnTlToBr w="12700" cmpd="sng">
+                      <a:noFill/>
+                      <a:prstDash val="solid"/>
+                    </a:lnTlToBr>
+                    <a:lnBlToTr w="12700" cmpd="sng">
+                      <a:noFill/>
+                      <a:prstDash val="solid"/>
+                    </a:lnBlToTr>
+                    <a:solidFill>
+                      <a:schemeClr val="tx2">
+                        <a:lumMod val="20000"/>
+                        <a:lumOff val="80000"/>
+                      </a:schemeClr>
+                    </a:solidFill>
+                  </a:tcPr>
+                </a:tc>
+                <a:tc>
+                  <a:txBody>
+                    <a:bodyPr/>
+                    <a:lstStyle/>
+                    <a:p>
+                      <a:pPr algn="ctr"/>
+                      <a:r>
+                        <a:rPr lang="en-US" sz="1100" b="0">
+                          <a:solidFill>
+                            <a:schemeClr val="tx1"/>
+                          </a:solidFill>
+                        </a:rPr>
+                        <a:t>Sep</a:t>
+                      </a:r>
+                    </a:p>
+                  </a:txBody>
+                  <a:tcPr>
+                    <a:lnL w="9525" cap="flat" cmpd="sng" algn="ctr">
+                      <a:solidFill>
+                        <a:schemeClr val="tx1">
+                          <a:lumMod val="50000"/>
+                          <a:lumOff val="50000"/>
+                        </a:schemeClr>
+                      </a:solidFill>
+                      <a:prstDash val="solid"/>
+                      <a:round/>
+                      <a:headEnd type="none" w="med" len="med"/>
+                      <a:tailEnd type="none" w="med" len="med"/>
+                    </a:lnL>
+                    <a:lnR w="9525" cap="flat" cmpd="sng" algn="ctr">
+                      <a:solidFill>
+                        <a:schemeClr val="tx1">
+                          <a:lumMod val="50000"/>
+                          <a:lumOff val="50000"/>
+                        </a:schemeClr>
+                      </a:solidFill>
+                      <a:prstDash val="solid"/>
+                      <a:round/>
+                      <a:headEnd type="none" w="med" len="med"/>
+                      <a:tailEnd type="none" w="med" len="med"/>
+                    </a:lnR>
+                    <a:lnT w="9525" cap="flat" cmpd="sng" algn="ctr">
+                      <a:solidFill>
+                        <a:schemeClr val="tx1">
+                          <a:lumMod val="50000"/>
+                          <a:lumOff val="50000"/>
+                        </a:schemeClr>
+                      </a:solidFill>
+                      <a:prstDash val="solid"/>
+                      <a:round/>
+                      <a:headEnd type="none" w="med" len="med"/>
+                      <a:tailEnd type="none" w="med" len="med"/>
+                    </a:lnT>
+                    <a:lnB w="9525" cap="flat" cmpd="sng" algn="ctr">
+                      <a:solidFill>
+                        <a:schemeClr val="tx1">
+                          <a:lumMod val="50000"/>
+                          <a:lumOff val="50000"/>
+                        </a:schemeClr>
+                      </a:solidFill>
+                      <a:prstDash val="solid"/>
+                      <a:round/>
+                      <a:headEnd type="none" w="med" len="med"/>
+                      <a:tailEnd type="none" w="med" len="med"/>
+                    </a:lnB>
+                    <a:lnTlToBr w="12700" cmpd="sng">
+                      <a:noFill/>
+                      <a:prstDash val="solid"/>
+                    </a:lnTlToBr>
+                    <a:lnBlToTr w="12700" cmpd="sng">
+                      <a:noFill/>
+                      <a:prstDash val="solid"/>
+                    </a:lnBlToTr>
+                    <a:solidFill>
+                      <a:schemeClr val="tx2">
+                        <a:lumMod val="20000"/>
+                        <a:lumOff val="80000"/>
+                      </a:schemeClr>
+                    </a:solidFill>
+                  </a:tcPr>
+                </a:tc>
+                <a:tc>
+                  <a:txBody>
+                    <a:bodyPr/>
+                    <a:lstStyle/>
+                    <a:p>
+                      <a:pPr algn="ctr"/>
+                      <a:r>
+                        <a:rPr lang="en-US" sz="1100" b="0">
+                          <a:solidFill>
+                            <a:schemeClr val="tx1"/>
+                          </a:solidFill>
+                        </a:rPr>
+                        <a:t>Oct</a:t>
+                      </a:r>
+                    </a:p>
+                  </a:txBody>
+                  <a:tcPr>
+                    <a:lnL w="9525" cap="flat" cmpd="sng" algn="ctr">
+                      <a:solidFill>
+                        <a:schemeClr val="tx1">
+                          <a:lumMod val="50000"/>
+                          <a:lumOff val="50000"/>
+                        </a:schemeClr>
+                      </a:solidFill>
+                      <a:prstDash val="solid"/>
+                      <a:round/>
+                      <a:headEnd type="none" w="med" len="med"/>
+                      <a:tailEnd type="none" w="med" len="med"/>
+                    </a:lnL>
+                    <a:lnR w="9525" cap="flat" cmpd="sng" algn="ctr">
+                      <a:solidFill>
+                        <a:schemeClr val="tx1">
+                          <a:lumMod val="50000"/>
+                          <a:lumOff val="50000"/>
+                        </a:schemeClr>
+                      </a:solidFill>
+                      <a:prstDash val="solid"/>
+                      <a:round/>
+                      <a:headEnd type="none" w="med" len="med"/>
+                      <a:tailEnd type="none" w="med" len="med"/>
+                    </a:lnR>
+                    <a:lnT w="9525" cap="flat" cmpd="sng" algn="ctr">
+                      <a:solidFill>
+                        <a:schemeClr val="tx1">
+                          <a:lumMod val="50000"/>
+                          <a:lumOff val="50000"/>
+                        </a:schemeClr>
+                      </a:solidFill>
+                      <a:prstDash val="solid"/>
+                      <a:round/>
+                      <a:headEnd type="none" w="med" len="med"/>
+                      <a:tailEnd type="none" w="med" len="med"/>
+                    </a:lnT>
+                    <a:lnB w="9525" cap="flat" cmpd="sng" algn="ctr">
+                      <a:solidFill>
+                        <a:schemeClr val="tx1">
+                          <a:lumMod val="50000"/>
+                          <a:lumOff val="50000"/>
+                        </a:schemeClr>
+                      </a:solidFill>
+                      <a:prstDash val="solid"/>
+                      <a:round/>
+                      <a:headEnd type="none" w="med" len="med"/>
+                      <a:tailEnd type="none" w="med" len="med"/>
+                    </a:lnB>
+                    <a:lnTlToBr w="12700" cmpd="sng">
+                      <a:noFill/>
+                      <a:prstDash val="solid"/>
+                    </a:lnTlToBr>
+                    <a:lnBlToTr w="12700" cmpd="sng">
+                      <a:noFill/>
+                      <a:prstDash val="solid"/>
+                    </a:lnBlToTr>
+                    <a:solidFill>
+                      <a:schemeClr val="tx2">
+                        <a:lumMod val="20000"/>
+                        <a:lumOff val="80000"/>
+                      </a:schemeClr>
+                    </a:solidFill>
+                  </a:tcPr>
+                </a:tc>
+                <a:tc>
+                  <a:txBody>
+                    <a:bodyPr/>
+                    <a:lstStyle/>
+                    <a:p>
+                      <a:pPr algn="ctr"/>
+                      <a:r>
+                        <a:rPr lang="en-US" sz="1100" b="0">
+                          <a:solidFill>
+                            <a:schemeClr val="tx1"/>
+                          </a:solidFill>
+                        </a:rPr>
+                        <a:t>Nov</a:t>
+                      </a:r>
+                    </a:p>
+                  </a:txBody>
+                  <a:tcPr>
+                    <a:lnL w="9525" cap="flat" cmpd="sng" algn="ctr">
+                      <a:solidFill>
+                        <a:schemeClr val="tx1">
+                          <a:lumMod val="50000"/>
+                          <a:lumOff val="50000"/>
+                        </a:schemeClr>
+                      </a:solidFill>
+                      <a:prstDash val="solid"/>
+                      <a:round/>
+                      <a:headEnd type="none" w="med" len="med"/>
+                      <a:tailEnd type="none" w="med" len="med"/>
+                    </a:lnL>
+                    <a:lnR w="9525" cap="flat" cmpd="sng" algn="ctr">
+                      <a:solidFill>
+                        <a:schemeClr val="tx1">
+                          <a:lumMod val="50000"/>
+                          <a:lumOff val="50000"/>
+                        </a:schemeClr>
+                      </a:solidFill>
+                      <a:prstDash val="solid"/>
+                      <a:round/>
+                      <a:headEnd type="none" w="med" len="med"/>
+                      <a:tailEnd type="none" w="med" len="med"/>
+                    </a:lnR>
+                    <a:lnT w="9525" cap="flat" cmpd="sng" algn="ctr">
+                      <a:solidFill>
+                        <a:schemeClr val="tx1">
+                          <a:lumMod val="50000"/>
+                          <a:lumOff val="50000"/>
+                        </a:schemeClr>
+                      </a:solidFill>
+                      <a:prstDash val="solid"/>
+                      <a:round/>
+                      <a:headEnd type="none" w="med" len="med"/>
+                      <a:tailEnd type="none" w="med" len="med"/>
+                    </a:lnT>
+                    <a:lnB w="9525" cap="flat" cmpd="sng" algn="ctr">
+                      <a:solidFill>
+                        <a:schemeClr val="tx1">
+                          <a:lumMod val="50000"/>
+                          <a:lumOff val="50000"/>
+                        </a:schemeClr>
+                      </a:solidFill>
+                      <a:prstDash val="solid"/>
+                      <a:round/>
+                      <a:headEnd type="none" w="med" len="med"/>
+                      <a:tailEnd type="none" w="med" len="med"/>
+                    </a:lnB>
+                    <a:lnTlToBr w="12700" cmpd="sng">
+                      <a:noFill/>
+                      <a:prstDash val="solid"/>
+                    </a:lnTlToBr>
+                    <a:lnBlToTr w="12700" cmpd="sng">
+                      <a:noFill/>
+                      <a:prstDash val="solid"/>
+                    </a:lnBlToTr>
+                    <a:solidFill>
+                      <a:schemeClr val="tx2">
+                        <a:lumMod val="20000"/>
+                        <a:lumOff val="80000"/>
+                      </a:schemeClr>
+                    </a:solidFill>
+                  </a:tcPr>
+                </a:tc>
+                <a:tc>
+                  <a:txBody>
+                    <a:bodyPr/>
+                    <a:lstStyle/>
+                    <a:p>
+                      <a:pPr algn="ctr"/>
+                      <a:r>
+                        <a:rPr lang="en-US" sz="1100" b="0">
+                          <a:solidFill>
+                            <a:schemeClr val="tx1"/>
+                          </a:solidFill>
+                        </a:rPr>
+                        <a:t>Dec</a:t>
+                      </a:r>
+                    </a:p>
+                  </a:txBody>
+                  <a:tcPr>
+                    <a:lnL w="9525" cap="flat" cmpd="sng" algn="ctr">
+                      <a:solidFill>
+                        <a:schemeClr val="tx1">
+                          <a:lumMod val="50000"/>
+                          <a:lumOff val="50000"/>
+                        </a:schemeClr>
+                      </a:solidFill>
+                      <a:prstDash val="solid"/>
+                      <a:round/>
+                      <a:headEnd type="none" w="med" len="med"/>
+                      <a:tailEnd type="none" w="med" len="med"/>
+                    </a:lnL>
+                    <a:lnR w="9525" cap="flat" cmpd="sng" algn="ctr">
+                      <a:solidFill>
+                        <a:schemeClr val="tx1">
+                          <a:lumMod val="50000"/>
+                          <a:lumOff val="50000"/>
+                        </a:schemeClr>
+                      </a:solidFill>
+                      <a:prstDash val="solid"/>
+                      <a:round/>
+                      <a:headEnd type="none" w="med" len="med"/>
+                      <a:tailEnd type="none" w="med" len="med"/>
+                    </a:lnR>
+                    <a:lnT w="9525" cap="flat" cmpd="sng" algn="ctr">
+                      <a:solidFill>
+                        <a:schemeClr val="tx1">
+                          <a:lumMod val="50000"/>
+                          <a:lumOff val="50000"/>
+                        </a:schemeClr>
+                      </a:solidFill>
+                      <a:prstDash val="solid"/>
+                      <a:round/>
+                      <a:headEnd type="none" w="med" len="med"/>
+                      <a:tailEnd type="none" w="med" len="med"/>
+                    </a:lnT>
+                    <a:lnB w="9525" cap="flat" cmpd="sng" algn="ctr">
+                      <a:solidFill>
+                        <a:schemeClr val="tx1">
+                          <a:lumMod val="50000"/>
+                          <a:lumOff val="50000"/>
+                        </a:schemeClr>
+                      </a:solidFill>
+                      <a:prstDash val="solid"/>
+                      <a:round/>
+                      <a:headEnd type="none" w="med" len="med"/>
+                      <a:tailEnd type="none" w="med" len="med"/>
+                    </a:lnB>
+                    <a:lnTlToBr w="12700" cmpd="sng">
+                      <a:noFill/>
+                      <a:prstDash val="solid"/>
+                    </a:lnTlToBr>
+                    <a:lnBlToTr w="12700" cmpd="sng">
+                      <a:noFill/>
+                      <a:prstDash val="solid"/>
+                    </a:lnBlToTr>
+                    <a:solidFill>
+                      <a:schemeClr val="tx2">
+                        <a:lumMod val="20000"/>
+                        <a:lumOff val="80000"/>
+                      </a:schemeClr>
+                    </a:solidFill>
+                  </a:tcPr>
+                </a:tc>
+                <a:tc>
+                  <a:txBody>
+                    <a:bodyPr/>
+                    <a:lstStyle/>
+                    <a:p>
+                      <a:pPr algn="ctr"/>
+                      <a:r>
+                        <a:rPr lang="en-US" sz="1100" b="0">
+                          <a:solidFill>
+                            <a:schemeClr val="tx1"/>
+                          </a:solidFill>
+                        </a:rPr>
+                        <a:t>Jan</a:t>
+                      </a:r>
+                    </a:p>
+                  </a:txBody>
+                  <a:tcPr>
+                    <a:lnL w="9525" cap="flat" cmpd="sng" algn="ctr">
+                      <a:solidFill>
+                        <a:schemeClr val="tx1">
+                          <a:lumMod val="50000"/>
+                          <a:lumOff val="50000"/>
+                        </a:schemeClr>
+                      </a:solidFill>
+                      <a:prstDash val="solid"/>
+                      <a:round/>
+                      <a:headEnd type="none" w="med" len="med"/>
+                      <a:tailEnd type="none" w="med" len="med"/>
+                    </a:lnL>
+                    <a:lnR w="9525" cap="flat" cmpd="sng" algn="ctr">
+                      <a:solidFill>
+                        <a:schemeClr val="tx1">
+                          <a:lumMod val="50000"/>
+                          <a:lumOff val="50000"/>
+                        </a:schemeClr>
+                      </a:solidFill>
+                      <a:prstDash val="solid"/>
+                      <a:round/>
+                      <a:headEnd type="none" w="med" len="med"/>
+                      <a:tailEnd type="none" w="med" len="med"/>
+                    </a:lnR>
+                    <a:lnT w="9525" cap="flat" cmpd="sng" algn="ctr">
+                      <a:solidFill>
+                        <a:schemeClr val="tx1">
+                          <a:lumMod val="50000"/>
+                          <a:lumOff val="50000"/>
+                        </a:schemeClr>
+                      </a:solidFill>
+                      <a:prstDash val="solid"/>
+                      <a:round/>
+                      <a:headEnd type="none" w="med" len="med"/>
+                      <a:tailEnd type="none" w="med" len="med"/>
+                    </a:lnT>
+                    <a:lnB w="9525" cap="flat" cmpd="sng" algn="ctr">
+                      <a:solidFill>
+                        <a:schemeClr val="tx1">
+                          <a:lumMod val="50000"/>
+                          <a:lumOff val="50000"/>
+                        </a:schemeClr>
+                      </a:solidFill>
+                      <a:prstDash val="solid"/>
+                      <a:round/>
+                      <a:headEnd type="none" w="med" len="med"/>
+                      <a:tailEnd type="none" w="med" len="med"/>
+                    </a:lnB>
+                    <a:lnTlToBr w="12700" cmpd="sng">
+                      <a:noFill/>
+                      <a:prstDash val="solid"/>
+                    </a:lnTlToBr>
+                    <a:lnBlToTr w="12700" cmpd="sng">
+                      <a:noFill/>
+                      <a:prstDash val="solid"/>
+                    </a:lnBlToTr>
+                    <a:solidFill>
+                      <a:schemeClr val="tx2">
+                        <a:lumMod val="20000"/>
+                        <a:lumOff val="80000"/>
+                      </a:schemeClr>
+                    </a:solidFill>
+                  </a:tcPr>
+                </a:tc>
+                <a:tc>
+                  <a:txBody>
+                    <a:bodyPr/>
+                    <a:lstStyle/>
+                    <a:p>
+                      <a:pPr algn="ctr"/>
+                      <a:r>
+                        <a:rPr lang="en-US" sz="1100" b="0">
+                          <a:solidFill>
+                            <a:schemeClr val="tx1"/>
+                          </a:solidFill>
+                        </a:rPr>
+                        <a:t>Feb</a:t>
+                      </a:r>
+                    </a:p>
+                  </a:txBody>
+                  <a:tcPr>
+                    <a:lnL w="9525" cap="flat" cmpd="sng" algn="ctr">
+                      <a:solidFill>
+                        <a:schemeClr val="tx1">
+                          <a:lumMod val="50000"/>
+                          <a:lumOff val="50000"/>
+                        </a:schemeClr>
+                      </a:solidFill>
+                      <a:prstDash val="solid"/>
+                      <a:round/>
+                      <a:headEnd type="none" w="med" len="med"/>
+                      <a:tailEnd type="none" w="med" len="med"/>
+                    </a:lnL>
+                    <a:lnR w="9525" cap="flat" cmpd="sng" algn="ctr">
+                      <a:solidFill>
+                        <a:schemeClr val="tx1">
+                          <a:lumMod val="50000"/>
+                          <a:lumOff val="50000"/>
+                        </a:schemeClr>
+                      </a:solidFill>
+                      <a:prstDash val="solid"/>
+                      <a:round/>
+                      <a:headEnd type="none" w="med" len="med"/>
+                      <a:tailEnd type="none" w="med" len="med"/>
+                    </a:lnR>
+                    <a:lnT w="9525" cap="flat" cmpd="sng" algn="ctr">
+                      <a:solidFill>
+                        <a:schemeClr val="tx1">
+                          <a:lumMod val="50000"/>
+                          <a:lumOff val="50000"/>
+                        </a:schemeClr>
+                      </a:solidFill>
+                      <a:prstDash val="solid"/>
+                      <a:round/>
+                      <a:headEnd type="none" w="med" len="med"/>
+                      <a:tailEnd type="none" w="med" len="med"/>
+                    </a:lnT>
+                    <a:lnB w="9525" cap="flat" cmpd="sng" algn="ctr">
+                      <a:solidFill>
+                        <a:schemeClr val="tx1">
+                          <a:lumMod val="50000"/>
+                          <a:lumOff val="50000"/>
+                        </a:schemeClr>
+                      </a:solidFill>
+                      <a:prstDash val="solid"/>
+                      <a:round/>
+                      <a:headEnd type="none" w="med" len="med"/>
+                      <a:tailEnd type="none" w="med" len="med"/>
+                    </a:lnB>
+                    <a:lnTlToBr w="12700" cmpd="sng">
+                      <a:noFill/>
+                      <a:prstDash val="solid"/>
+                    </a:lnTlToBr>
+                    <a:lnBlToTr w="12700" cmpd="sng">
+                      <a:noFill/>
+                      <a:prstDash val="solid"/>
+                    </a:lnBlToTr>
+                    <a:solidFill>
+                      <a:schemeClr val="tx2">
+                        <a:lumMod val="20000"/>
+                        <a:lumOff val="80000"/>
+                      </a:schemeClr>
+                    </a:solidFill>
+                  </a:tcPr>
+                </a:tc>
+                <a:tc>
+                  <a:txBody>
+                    <a:bodyPr/>
+                    <a:lstStyle/>
+                    <a:p>
+                      <a:pPr algn="ctr"/>
+                      <a:r>
+                        <a:rPr lang="en-US" sz="1100" b="0">
+                          <a:solidFill>
+                            <a:schemeClr val="tx1"/>
+                          </a:solidFill>
+                        </a:rPr>
+                        <a:t>Mar</a:t>
+                      </a:r>
+                    </a:p>
+                  </a:txBody>
+                  <a:tcPr>
+                    <a:lnL w="9525" cap="flat" cmpd="sng" algn="ctr">
+                      <a:solidFill>
+                        <a:schemeClr val="tx1">
+                          <a:lumMod val="50000"/>
+                          <a:lumOff val="50000"/>
+                        </a:schemeClr>
+                      </a:solidFill>
+                      <a:prstDash val="solid"/>
+                      <a:round/>
+                      <a:headEnd type="none" w="med" len="med"/>
+                      <a:tailEnd type="none" w="med" len="med"/>
+                    </a:lnL>
+                    <a:lnR w="9525" cap="flat" cmpd="sng" algn="ctr">
+                      <a:solidFill>
+                        <a:schemeClr val="tx1">
+                          <a:lumMod val="50000"/>
+                          <a:lumOff val="50000"/>
+                        </a:schemeClr>
+                      </a:solidFill>
+                      <a:prstDash val="solid"/>
+                      <a:round/>
+                      <a:headEnd type="none" w="med" len="med"/>
+                      <a:tailEnd type="none" w="med" len="med"/>
+                    </a:lnR>
+                    <a:lnT w="9525" cap="flat" cmpd="sng" algn="ctr">
+                      <a:solidFill>
+                        <a:schemeClr val="tx1">
+                          <a:lumMod val="50000"/>
+                          <a:lumOff val="50000"/>
+                        </a:schemeClr>
+                      </a:solidFill>
+                      <a:prstDash val="solid"/>
+                      <a:round/>
+                      <a:headEnd type="none" w="med" len="med"/>
+                      <a:tailEnd type="none" w="med" len="med"/>
+                    </a:lnT>
+                    <a:lnB w="9525" cap="flat" cmpd="sng" algn="ctr">
+                      <a:solidFill>
+                        <a:schemeClr val="tx1">
+                          <a:lumMod val="50000"/>
+                          <a:lumOff val="50000"/>
+                        </a:schemeClr>
+                      </a:solidFill>
+                      <a:prstDash val="solid"/>
+                      <a:round/>
+                      <a:headEnd type="none" w="med" len="med"/>
+                      <a:tailEnd type="none" w="med" len="med"/>
+                    </a:lnB>
+                    <a:lnTlToBr w="12700" cmpd="sng">
+                      <a:noFill/>
+                      <a:prstDash val="solid"/>
+                    </a:lnTlToBr>
+                    <a:lnBlToTr w="12700" cmpd="sng">
+                      <a:noFill/>
+                      <a:prstDash val="solid"/>
+                    </a:lnBlToTr>
+                    <a:solidFill>
+                      <a:schemeClr val="tx2">
+                        <a:lumMod val="20000"/>
+                        <a:lumOff val="80000"/>
+                      </a:schemeClr>
+                    </a:solidFill>
+                  </a:tcPr>
+                </a:tc>
+                <a:extLst>
+                  <a:ext uri="{0D108BD9-81ED-4DB2-BD59-A6C34878D82A}">
+                    <a16:rowId xmlns:a16="http://schemas.microsoft.com/office/drawing/2014/main" val="1569192865"/>
+                  </a:ext>
+                </a:extLst>
+              </a:tr>
+              <a:tr h="3603627">
+                <a:tc>
+                  <a:txBody>
+                    <a:bodyPr/>
+                    <a:lstStyle/>
+                    <a:p>
+                      <a:r>
+                        <a:rPr lang="en-US" sz="1100" b="0" dirty="0">
+                          <a:solidFill>
+                            <a:schemeClr val="tx1"/>
+                          </a:solidFill>
+                        </a:rPr>
+                        <a:t>UK View delivery</a:t>
+                      </a:r>
+                    </a:p>
+                    <a:p>
+                      <a:endParaRPr lang="en-US" sz="1100" b="0" dirty="0">
+                        <a:solidFill>
+                          <a:schemeClr val="tx1"/>
+                        </a:solidFill>
+                      </a:endParaRPr>
+                    </a:p>
+                    <a:p>
+                      <a:r>
+                        <a:rPr lang="en-US" sz="1100" b="0" dirty="0">
+                          <a:solidFill>
+                            <a:schemeClr val="tx1"/>
+                          </a:solidFill>
+                        </a:rPr>
+                        <a:t>LI data team</a:t>
+                      </a:r>
+                    </a:p>
+                  </a:txBody>
+                  <a:tcPr anchor="ctr">
+                    <a:lnL w="9525" cap="flat" cmpd="sng" algn="ctr">
+                      <a:solidFill>
+                        <a:schemeClr val="tx1">
+                          <a:lumMod val="50000"/>
+                          <a:lumOff val="50000"/>
+                        </a:schemeClr>
+                      </a:solidFill>
+                      <a:prstDash val="solid"/>
+                      <a:round/>
+                      <a:headEnd type="none" w="med" len="med"/>
+                      <a:tailEnd type="none" w="med" len="med"/>
+                    </a:lnL>
+                    <a:lnR w="9525" cap="flat" cmpd="sng" algn="ctr">
+                      <a:solidFill>
+                        <a:schemeClr val="tx1">
+                          <a:lumMod val="50000"/>
+                          <a:lumOff val="50000"/>
+                        </a:schemeClr>
+                      </a:solidFill>
+                      <a:prstDash val="solid"/>
+                      <a:round/>
+                      <a:headEnd type="none" w="med" len="med"/>
+                      <a:tailEnd type="none" w="med" len="med"/>
+                    </a:lnR>
+                    <a:lnT w="9525" cap="flat" cmpd="sng" algn="ctr">
+                      <a:solidFill>
+                        <a:schemeClr val="tx1">
+                          <a:lumMod val="50000"/>
+                          <a:lumOff val="50000"/>
+                        </a:schemeClr>
+                      </a:solidFill>
+                      <a:prstDash val="solid"/>
+                      <a:round/>
+                      <a:headEnd type="none" w="med" len="med"/>
+                      <a:tailEnd type="none" w="med" len="med"/>
+                    </a:lnT>
+                    <a:lnB w="9525" cap="flat" cmpd="sng" algn="ctr">
+                      <a:solidFill>
+                        <a:schemeClr val="tx1">
+                          <a:lumMod val="50000"/>
+                          <a:lumOff val="50000"/>
+                        </a:schemeClr>
+                      </a:solidFill>
+                      <a:prstDash val="solid"/>
+                      <a:round/>
+                      <a:headEnd type="none" w="med" len="med"/>
+                      <a:tailEnd type="none" w="med" len="med"/>
+                    </a:lnB>
+                    <a:lnTlToBr w="12700" cmpd="sng">
+                      <a:noFill/>
+                      <a:prstDash val="solid"/>
+                    </a:lnTlToBr>
+                    <a:lnBlToTr w="12700" cmpd="sng">
+                      <a:noFill/>
+                      <a:prstDash val="solid"/>
+                    </a:lnBlToTr>
+                    <a:noFill/>
+                  </a:tcPr>
+                </a:tc>
+                <a:tc>
+                  <a:txBody>
+                    <a:bodyPr/>
+                    <a:lstStyle/>
+                    <a:p>
+                      <a:endParaRPr lang="en-US" sz="1100" b="0">
+                        <a:solidFill>
+                          <a:schemeClr val="tx1"/>
+                        </a:solidFill>
+                      </a:endParaRPr>
+                    </a:p>
+                  </a:txBody>
+                  <a:tcPr>
+                    <a:lnL w="9525" cap="flat" cmpd="sng" algn="ctr">
+                      <a:solidFill>
+                        <a:schemeClr val="tx1">
+                          <a:lumMod val="50000"/>
+                          <a:lumOff val="50000"/>
+                        </a:schemeClr>
+                      </a:solidFill>
+                      <a:prstDash val="solid"/>
+                      <a:round/>
+                      <a:headEnd type="none" w="med" len="med"/>
+                      <a:tailEnd type="none" w="med" len="med"/>
+                    </a:lnL>
+                    <a:lnR w="9525" cap="flat" cmpd="sng" algn="ctr">
+                      <a:solidFill>
+                        <a:schemeClr val="tx1">
+                          <a:lumMod val="50000"/>
+                          <a:lumOff val="50000"/>
+                        </a:schemeClr>
+                      </a:solidFill>
+                      <a:prstDash val="solid"/>
+                      <a:round/>
+                      <a:headEnd type="none" w="med" len="med"/>
+                      <a:tailEnd type="none" w="med" len="med"/>
+                    </a:lnR>
+                    <a:lnT w="9525" cap="flat" cmpd="sng" algn="ctr">
+                      <a:solidFill>
+                        <a:schemeClr val="tx1">
+                          <a:lumMod val="50000"/>
+                          <a:lumOff val="50000"/>
+                        </a:schemeClr>
+                      </a:solidFill>
+                      <a:prstDash val="solid"/>
+                      <a:round/>
+                      <a:headEnd type="none" w="med" len="med"/>
+                      <a:tailEnd type="none" w="med" len="med"/>
+                    </a:lnT>
+                    <a:lnB w="9525" cap="flat" cmpd="sng" algn="ctr">
+                      <a:solidFill>
+                        <a:schemeClr val="tx1">
+                          <a:lumMod val="50000"/>
+                          <a:lumOff val="50000"/>
+                        </a:schemeClr>
+                      </a:solidFill>
+                      <a:prstDash val="solid"/>
+                      <a:round/>
+                      <a:headEnd type="none" w="med" len="med"/>
+                      <a:tailEnd type="none" w="med" len="med"/>
+                    </a:lnB>
+                    <a:lnTlToBr w="12700" cmpd="sng">
+                      <a:noFill/>
+                      <a:prstDash val="solid"/>
+                    </a:lnTlToBr>
+                    <a:lnBlToTr w="12700" cmpd="sng">
+                      <a:noFill/>
+                      <a:prstDash val="solid"/>
+                    </a:lnBlToTr>
+                    <a:noFill/>
+                  </a:tcPr>
+                </a:tc>
+                <a:tc>
+                  <a:txBody>
+                    <a:bodyPr/>
+                    <a:lstStyle/>
+                    <a:p>
+                      <a:endParaRPr lang="en-US" sz="1100" b="0">
+                        <a:solidFill>
+                          <a:schemeClr val="tx1"/>
+                        </a:solidFill>
+                      </a:endParaRPr>
+                    </a:p>
+                  </a:txBody>
+                  <a:tcPr>
+                    <a:lnL w="9525" cap="flat" cmpd="sng" algn="ctr">
+                      <a:solidFill>
+                        <a:schemeClr val="tx1">
+                          <a:lumMod val="50000"/>
+                          <a:lumOff val="50000"/>
+                        </a:schemeClr>
+                      </a:solidFill>
+                      <a:prstDash val="solid"/>
+                      <a:round/>
+                      <a:headEnd type="none" w="med" len="med"/>
+                      <a:tailEnd type="none" w="med" len="med"/>
+                    </a:lnL>
+                    <a:lnR w="9525" cap="flat" cmpd="sng" algn="ctr">
+                      <a:solidFill>
+                        <a:schemeClr val="tx1">
+                          <a:lumMod val="50000"/>
+                          <a:lumOff val="50000"/>
+                        </a:schemeClr>
+                      </a:solidFill>
+                      <a:prstDash val="solid"/>
+                      <a:round/>
+                      <a:headEnd type="none" w="med" len="med"/>
+                      <a:tailEnd type="none" w="med" len="med"/>
+                    </a:lnR>
+                    <a:lnT w="9525" cap="flat" cmpd="sng" algn="ctr">
+                      <a:solidFill>
+                        <a:schemeClr val="tx1">
+                          <a:lumMod val="50000"/>
+                          <a:lumOff val="50000"/>
+                        </a:schemeClr>
+                      </a:solidFill>
+                      <a:prstDash val="solid"/>
+                      <a:round/>
+                      <a:headEnd type="none" w="med" len="med"/>
+                      <a:tailEnd type="none" w="med" len="med"/>
+                    </a:lnT>
+                    <a:lnB w="9525" cap="flat" cmpd="sng" algn="ctr">
+                      <a:solidFill>
+                        <a:schemeClr val="tx1">
+                          <a:lumMod val="50000"/>
+                          <a:lumOff val="50000"/>
+                        </a:schemeClr>
+                      </a:solidFill>
+                      <a:prstDash val="solid"/>
+                      <a:round/>
+                      <a:headEnd type="none" w="med" len="med"/>
+                      <a:tailEnd type="none" w="med" len="med"/>
+                    </a:lnB>
+                    <a:lnTlToBr w="12700" cmpd="sng">
+                      <a:noFill/>
+                      <a:prstDash val="solid"/>
+                    </a:lnTlToBr>
+                    <a:lnBlToTr w="12700" cmpd="sng">
+                      <a:noFill/>
+                      <a:prstDash val="solid"/>
+                    </a:lnBlToTr>
+                    <a:noFill/>
+                  </a:tcPr>
+                </a:tc>
+                <a:tc>
+                  <a:txBody>
+                    <a:bodyPr/>
+                    <a:lstStyle/>
+                    <a:p>
+                      <a:endParaRPr lang="en-US" sz="1100" b="0" dirty="0">
+                        <a:solidFill>
+                          <a:schemeClr val="tx1"/>
+                        </a:solidFill>
+                      </a:endParaRPr>
+                    </a:p>
+                  </a:txBody>
+                  <a:tcPr>
+                    <a:lnL w="9525" cap="flat" cmpd="sng" algn="ctr">
+                      <a:solidFill>
+                        <a:schemeClr val="tx1">
+                          <a:lumMod val="50000"/>
+                          <a:lumOff val="50000"/>
+                        </a:schemeClr>
+                      </a:solidFill>
+                      <a:prstDash val="solid"/>
+                      <a:round/>
+                      <a:headEnd type="none" w="med" len="med"/>
+                      <a:tailEnd type="none" w="med" len="med"/>
+                    </a:lnL>
+                    <a:lnR w="9525" cap="flat" cmpd="sng" algn="ctr">
+                      <a:solidFill>
+                        <a:schemeClr val="tx1">
+                          <a:lumMod val="50000"/>
+                          <a:lumOff val="50000"/>
+                        </a:schemeClr>
+                      </a:solidFill>
+                      <a:prstDash val="solid"/>
+                      <a:round/>
+                      <a:headEnd type="none" w="med" len="med"/>
+                      <a:tailEnd type="none" w="med" len="med"/>
+                    </a:lnR>
+                    <a:lnT w="9525" cap="flat" cmpd="sng" algn="ctr">
+                      <a:solidFill>
+                        <a:schemeClr val="tx1">
+                          <a:lumMod val="50000"/>
+                          <a:lumOff val="50000"/>
+                        </a:schemeClr>
+                      </a:solidFill>
+                      <a:prstDash val="solid"/>
+                      <a:round/>
+                      <a:headEnd type="none" w="med" len="med"/>
+                      <a:tailEnd type="none" w="med" len="med"/>
+                    </a:lnT>
+                    <a:lnB w="9525" cap="flat" cmpd="sng" algn="ctr">
+                      <a:solidFill>
+                        <a:schemeClr val="tx1">
+                          <a:lumMod val="50000"/>
+                          <a:lumOff val="50000"/>
+                        </a:schemeClr>
+                      </a:solidFill>
+                      <a:prstDash val="solid"/>
+                      <a:round/>
+                      <a:headEnd type="none" w="med" len="med"/>
+                      <a:tailEnd type="none" w="med" len="med"/>
+                    </a:lnB>
+                    <a:lnTlToBr w="12700" cmpd="sng">
+                      <a:noFill/>
+                      <a:prstDash val="solid"/>
+                    </a:lnTlToBr>
+                    <a:lnBlToTr w="12700" cmpd="sng">
+                      <a:noFill/>
+                      <a:prstDash val="solid"/>
+                    </a:lnBlToTr>
+                    <a:noFill/>
+                  </a:tcPr>
+                </a:tc>
+                <a:tc>
+                  <a:txBody>
+                    <a:bodyPr/>
+                    <a:lstStyle/>
+                    <a:p>
+                      <a:endParaRPr lang="en-US" sz="1100" b="0" dirty="0">
+                        <a:solidFill>
+                          <a:schemeClr val="tx1"/>
+                        </a:solidFill>
+                      </a:endParaRPr>
+                    </a:p>
+                  </a:txBody>
+                  <a:tcPr>
+                    <a:lnL w="9525" cap="flat" cmpd="sng" algn="ctr">
+                      <a:solidFill>
+                        <a:schemeClr val="tx1">
+                          <a:lumMod val="50000"/>
+                          <a:lumOff val="50000"/>
+                        </a:schemeClr>
+                      </a:solidFill>
+                      <a:prstDash val="solid"/>
+                      <a:round/>
+                      <a:headEnd type="none" w="med" len="med"/>
+                      <a:tailEnd type="none" w="med" len="med"/>
+                    </a:lnL>
+                    <a:lnR w="9525" cap="flat" cmpd="sng" algn="ctr">
+                      <a:solidFill>
+                        <a:schemeClr val="tx1">
+                          <a:lumMod val="50000"/>
+                          <a:lumOff val="50000"/>
+                        </a:schemeClr>
+                      </a:solidFill>
+                      <a:prstDash val="solid"/>
+                      <a:round/>
+                      <a:headEnd type="none" w="med" len="med"/>
+                      <a:tailEnd type="none" w="med" len="med"/>
+                    </a:lnR>
+                    <a:lnT w="9525" cap="flat" cmpd="sng" algn="ctr">
+                      <a:solidFill>
+                        <a:schemeClr val="tx1">
+                          <a:lumMod val="50000"/>
+                          <a:lumOff val="50000"/>
+                        </a:schemeClr>
+                      </a:solidFill>
+                      <a:prstDash val="solid"/>
+                      <a:round/>
+                      <a:headEnd type="none" w="med" len="med"/>
+                      <a:tailEnd type="none" w="med" len="med"/>
+                    </a:lnT>
+                    <a:lnB w="9525" cap="flat" cmpd="sng" algn="ctr">
+                      <a:solidFill>
+                        <a:schemeClr val="tx1">
+                          <a:lumMod val="50000"/>
+                          <a:lumOff val="50000"/>
+                        </a:schemeClr>
+                      </a:solidFill>
+                      <a:prstDash val="solid"/>
+                      <a:round/>
+                      <a:headEnd type="none" w="med" len="med"/>
+                      <a:tailEnd type="none" w="med" len="med"/>
+                    </a:lnB>
+                    <a:lnTlToBr w="12700" cmpd="sng">
+                      <a:noFill/>
+                      <a:prstDash val="solid"/>
+                    </a:lnTlToBr>
+                    <a:lnBlToTr w="12700" cmpd="sng">
+                      <a:noFill/>
+                      <a:prstDash val="solid"/>
+                    </a:lnBlToTr>
+                    <a:noFill/>
+                  </a:tcPr>
+                </a:tc>
+                <a:tc>
+                  <a:txBody>
+                    <a:bodyPr/>
+                    <a:lstStyle/>
+                    <a:p>
+                      <a:endParaRPr lang="en-US" sz="1100" b="0">
+                        <a:solidFill>
+                          <a:schemeClr val="tx1"/>
+                        </a:solidFill>
+                      </a:endParaRPr>
+                    </a:p>
+                  </a:txBody>
+                  <a:tcPr>
+                    <a:lnL w="9525" cap="flat" cmpd="sng" algn="ctr">
+                      <a:solidFill>
+                        <a:schemeClr val="tx1">
+                          <a:lumMod val="50000"/>
+                          <a:lumOff val="50000"/>
+                        </a:schemeClr>
+                      </a:solidFill>
+                      <a:prstDash val="solid"/>
+                      <a:round/>
+                      <a:headEnd type="none" w="med" len="med"/>
+                      <a:tailEnd type="none" w="med" len="med"/>
+                    </a:lnL>
+                    <a:lnR w="9525" cap="flat" cmpd="sng" algn="ctr">
+                      <a:solidFill>
+                        <a:schemeClr val="tx1">
+                          <a:lumMod val="50000"/>
+                          <a:lumOff val="50000"/>
+                        </a:schemeClr>
+                      </a:solidFill>
+                      <a:prstDash val="solid"/>
+                      <a:round/>
+                      <a:headEnd type="none" w="med" len="med"/>
+                      <a:tailEnd type="none" w="med" len="med"/>
+                    </a:lnR>
+                    <a:lnT w="9525" cap="flat" cmpd="sng" algn="ctr">
+                      <a:solidFill>
+                        <a:schemeClr val="tx1">
+                          <a:lumMod val="50000"/>
+                          <a:lumOff val="50000"/>
+                        </a:schemeClr>
+                      </a:solidFill>
+                      <a:prstDash val="solid"/>
+                      <a:round/>
+                      <a:headEnd type="none" w="med" len="med"/>
+                      <a:tailEnd type="none" w="med" len="med"/>
+                    </a:lnT>
+                    <a:lnB w="9525" cap="flat" cmpd="sng" algn="ctr">
+                      <a:solidFill>
+                        <a:schemeClr val="tx1">
+                          <a:lumMod val="50000"/>
+                          <a:lumOff val="50000"/>
+                        </a:schemeClr>
+                      </a:solidFill>
+                      <a:prstDash val="solid"/>
+                      <a:round/>
+                      <a:headEnd type="none" w="med" len="med"/>
+                      <a:tailEnd type="none" w="med" len="med"/>
+                    </a:lnB>
+                    <a:lnTlToBr w="12700" cmpd="sng">
+                      <a:noFill/>
+                      <a:prstDash val="solid"/>
+                    </a:lnTlToBr>
+                    <a:lnBlToTr w="12700" cmpd="sng">
+                      <a:noFill/>
+                      <a:prstDash val="solid"/>
+                    </a:lnBlToTr>
+                    <a:noFill/>
+                  </a:tcPr>
+                </a:tc>
+                <a:tc>
+                  <a:txBody>
+                    <a:bodyPr/>
+                    <a:lstStyle/>
+                    <a:p>
+                      <a:endParaRPr lang="en-US" sz="1100" b="0">
+                        <a:solidFill>
+                          <a:schemeClr val="tx1"/>
+                        </a:solidFill>
+                      </a:endParaRPr>
+                    </a:p>
+                  </a:txBody>
+                  <a:tcPr>
+                    <a:lnL w="9525" cap="flat" cmpd="sng" algn="ctr">
+                      <a:solidFill>
+                        <a:schemeClr val="tx1">
+                          <a:lumMod val="50000"/>
+                          <a:lumOff val="50000"/>
+                        </a:schemeClr>
+                      </a:solidFill>
+                      <a:prstDash val="solid"/>
+                      <a:round/>
+                      <a:headEnd type="none" w="med" len="med"/>
+                      <a:tailEnd type="none" w="med" len="med"/>
+                    </a:lnL>
+                    <a:lnR w="9525" cap="flat" cmpd="sng" algn="ctr">
+                      <a:solidFill>
+                        <a:schemeClr val="tx1">
+                          <a:lumMod val="50000"/>
+                          <a:lumOff val="50000"/>
+                        </a:schemeClr>
+                      </a:solidFill>
+                      <a:prstDash val="solid"/>
+                      <a:round/>
+                      <a:headEnd type="none" w="med" len="med"/>
+                      <a:tailEnd type="none" w="med" len="med"/>
+                    </a:lnR>
+                    <a:lnT w="9525" cap="flat" cmpd="sng" algn="ctr">
+                      <a:solidFill>
+                        <a:schemeClr val="tx1">
+                          <a:lumMod val="50000"/>
+                          <a:lumOff val="50000"/>
+                        </a:schemeClr>
+                      </a:solidFill>
+                      <a:prstDash val="solid"/>
+                      <a:round/>
+                      <a:headEnd type="none" w="med" len="med"/>
+                      <a:tailEnd type="none" w="med" len="med"/>
+                    </a:lnT>
+                    <a:lnB w="9525" cap="flat" cmpd="sng" algn="ctr">
+                      <a:solidFill>
+                        <a:schemeClr val="tx1">
+                          <a:lumMod val="50000"/>
+                          <a:lumOff val="50000"/>
+                        </a:schemeClr>
+                      </a:solidFill>
+                      <a:prstDash val="solid"/>
+                      <a:round/>
+                      <a:headEnd type="none" w="med" len="med"/>
+                      <a:tailEnd type="none" w="med" len="med"/>
+                    </a:lnB>
+                    <a:lnTlToBr w="12700" cmpd="sng">
+                      <a:noFill/>
+                      <a:prstDash val="solid"/>
+                    </a:lnTlToBr>
+                    <a:lnBlToTr w="12700" cmpd="sng">
+                      <a:noFill/>
+                      <a:prstDash val="solid"/>
+                    </a:lnBlToTr>
+                    <a:noFill/>
+                  </a:tcPr>
+                </a:tc>
+                <a:tc>
+                  <a:txBody>
+                    <a:bodyPr/>
+                    <a:lstStyle/>
+                    <a:p>
+                      <a:endParaRPr lang="en-US" sz="1100" b="0">
+                        <a:solidFill>
+                          <a:schemeClr val="tx1"/>
+                        </a:solidFill>
+                      </a:endParaRPr>
+                    </a:p>
+                  </a:txBody>
+                  <a:tcPr>
+                    <a:lnL w="9525" cap="flat" cmpd="sng" algn="ctr">
+                      <a:solidFill>
+                        <a:schemeClr val="tx1">
+                          <a:lumMod val="50000"/>
+                          <a:lumOff val="50000"/>
+                        </a:schemeClr>
+                      </a:solidFill>
+                      <a:prstDash val="solid"/>
+                      <a:round/>
+                      <a:headEnd type="none" w="med" len="med"/>
+                      <a:tailEnd type="none" w="med" len="med"/>
+                    </a:lnL>
+                    <a:lnR w="9525" cap="flat" cmpd="sng" algn="ctr">
+                      <a:solidFill>
+                        <a:schemeClr val="tx1">
+                          <a:lumMod val="50000"/>
+                          <a:lumOff val="50000"/>
+                        </a:schemeClr>
+                      </a:solidFill>
+                      <a:prstDash val="solid"/>
+                      <a:round/>
+                      <a:headEnd type="none" w="med" len="med"/>
+                      <a:tailEnd type="none" w="med" len="med"/>
+                    </a:lnR>
+                    <a:lnT w="9525" cap="flat" cmpd="sng" algn="ctr">
+                      <a:solidFill>
+                        <a:schemeClr val="tx1">
+                          <a:lumMod val="50000"/>
+                          <a:lumOff val="50000"/>
+                        </a:schemeClr>
+                      </a:solidFill>
+                      <a:prstDash val="solid"/>
+                      <a:round/>
+                      <a:headEnd type="none" w="med" len="med"/>
+                      <a:tailEnd type="none" w="med" len="med"/>
+                    </a:lnT>
+                    <a:lnB w="9525" cap="flat" cmpd="sng" algn="ctr">
+                      <a:solidFill>
+                        <a:schemeClr val="tx1">
+                          <a:lumMod val="50000"/>
+                          <a:lumOff val="50000"/>
+                        </a:schemeClr>
+                      </a:solidFill>
+                      <a:prstDash val="solid"/>
+                      <a:round/>
+                      <a:headEnd type="none" w="med" len="med"/>
+                      <a:tailEnd type="none" w="med" len="med"/>
+                    </a:lnB>
+                    <a:lnTlToBr w="12700" cmpd="sng">
+                      <a:noFill/>
+                      <a:prstDash val="solid"/>
+                    </a:lnTlToBr>
+                    <a:lnBlToTr w="12700" cmpd="sng">
+                      <a:noFill/>
+                      <a:prstDash val="solid"/>
+                    </a:lnBlToTr>
+                    <a:noFill/>
+                  </a:tcPr>
+                </a:tc>
+                <a:tc>
+                  <a:txBody>
+                    <a:bodyPr/>
+                    <a:lstStyle/>
+                    <a:p>
+                      <a:endParaRPr lang="en-US" sz="1100" b="0">
+                        <a:solidFill>
+                          <a:schemeClr val="tx1"/>
+                        </a:solidFill>
+                      </a:endParaRPr>
+                    </a:p>
+                  </a:txBody>
+                  <a:tcPr>
+                    <a:lnL w="9525" cap="flat" cmpd="sng" algn="ctr">
+                      <a:solidFill>
+                        <a:schemeClr val="tx1">
+                          <a:lumMod val="50000"/>
+                          <a:lumOff val="50000"/>
+                        </a:schemeClr>
+                      </a:solidFill>
+                      <a:prstDash val="solid"/>
+                      <a:round/>
+                      <a:headEnd type="none" w="med" len="med"/>
+                      <a:tailEnd type="none" w="med" len="med"/>
+                    </a:lnL>
+                    <a:lnR w="9525" cap="flat" cmpd="sng" algn="ctr">
+                      <a:solidFill>
+                        <a:schemeClr val="tx1">
+                          <a:lumMod val="50000"/>
+                          <a:lumOff val="50000"/>
+                        </a:schemeClr>
+                      </a:solidFill>
+                      <a:prstDash val="solid"/>
+                      <a:round/>
+                      <a:headEnd type="none" w="med" len="med"/>
+                      <a:tailEnd type="none" w="med" len="med"/>
+                    </a:lnR>
+                    <a:lnT w="9525" cap="flat" cmpd="sng" algn="ctr">
+                      <a:solidFill>
+                        <a:schemeClr val="tx1">
+                          <a:lumMod val="50000"/>
+                          <a:lumOff val="50000"/>
+                        </a:schemeClr>
+                      </a:solidFill>
+                      <a:prstDash val="solid"/>
+                      <a:round/>
+                      <a:headEnd type="none" w="med" len="med"/>
+                      <a:tailEnd type="none" w="med" len="med"/>
+                    </a:lnT>
+                    <a:lnB w="9525" cap="flat" cmpd="sng" algn="ctr">
+                      <a:solidFill>
+                        <a:schemeClr val="tx1">
+                          <a:lumMod val="50000"/>
+                          <a:lumOff val="50000"/>
+                        </a:schemeClr>
+                      </a:solidFill>
+                      <a:prstDash val="solid"/>
+                      <a:round/>
+                      <a:headEnd type="none" w="med" len="med"/>
+                      <a:tailEnd type="none" w="med" len="med"/>
+                    </a:lnB>
+                    <a:lnTlToBr w="12700" cmpd="sng">
+                      <a:noFill/>
+                      <a:prstDash val="solid"/>
+                    </a:lnTlToBr>
+                    <a:lnBlToTr w="12700" cmpd="sng">
+                      <a:noFill/>
+                      <a:prstDash val="solid"/>
+                    </a:lnBlToTr>
+                    <a:noFill/>
+                  </a:tcPr>
+                </a:tc>
+                <a:tc>
+                  <a:txBody>
+                    <a:bodyPr/>
+                    <a:lstStyle/>
+                    <a:p>
+                      <a:endParaRPr lang="en-US" sz="1100" b="0">
+                        <a:solidFill>
+                          <a:schemeClr val="tx1"/>
+                        </a:solidFill>
+                      </a:endParaRPr>
+                    </a:p>
+                  </a:txBody>
+                  <a:tcPr>
+                    <a:lnL w="9525" cap="flat" cmpd="sng" algn="ctr">
+                      <a:solidFill>
+                        <a:schemeClr val="tx1">
+                          <a:lumMod val="50000"/>
+                          <a:lumOff val="50000"/>
+                        </a:schemeClr>
+                      </a:solidFill>
+                      <a:prstDash val="solid"/>
+                      <a:round/>
+                      <a:headEnd type="none" w="med" len="med"/>
+                      <a:tailEnd type="none" w="med" len="med"/>
+                    </a:lnL>
+                    <a:lnR w="9525" cap="flat" cmpd="sng" algn="ctr">
+                      <a:solidFill>
+                        <a:schemeClr val="tx1">
+                          <a:lumMod val="50000"/>
+                          <a:lumOff val="50000"/>
+                        </a:schemeClr>
+                      </a:solidFill>
+                      <a:prstDash val="solid"/>
+                      <a:round/>
+                      <a:headEnd type="none" w="med" len="med"/>
+                      <a:tailEnd type="none" w="med" len="med"/>
+                    </a:lnR>
+                    <a:lnT w="9525" cap="flat" cmpd="sng" algn="ctr">
+                      <a:solidFill>
+                        <a:schemeClr val="tx1">
+                          <a:lumMod val="50000"/>
+                          <a:lumOff val="50000"/>
+                        </a:schemeClr>
+                      </a:solidFill>
+                      <a:prstDash val="solid"/>
+                      <a:round/>
+                      <a:headEnd type="none" w="med" len="med"/>
+                      <a:tailEnd type="none" w="med" len="med"/>
+                    </a:lnT>
+                    <a:lnB w="9525" cap="flat" cmpd="sng" algn="ctr">
+                      <a:solidFill>
+                        <a:schemeClr val="tx1">
+                          <a:lumMod val="50000"/>
+                          <a:lumOff val="50000"/>
+                        </a:schemeClr>
+                      </a:solidFill>
+                      <a:prstDash val="solid"/>
+                      <a:round/>
+                      <a:headEnd type="none" w="med" len="med"/>
+                      <a:tailEnd type="none" w="med" len="med"/>
+                    </a:lnB>
+                    <a:lnTlToBr w="12700" cmpd="sng">
+                      <a:noFill/>
+                      <a:prstDash val="solid"/>
+                    </a:lnTlToBr>
+                    <a:lnBlToTr w="12700" cmpd="sng">
+                      <a:noFill/>
+                      <a:prstDash val="solid"/>
+                    </a:lnBlToTr>
+                    <a:noFill/>
+                  </a:tcPr>
+                </a:tc>
+                <a:tc>
+                  <a:txBody>
+                    <a:bodyPr/>
+                    <a:lstStyle/>
+                    <a:p>
+                      <a:endParaRPr lang="en-US" sz="1100" b="0">
+                        <a:solidFill>
+                          <a:schemeClr val="tx1"/>
+                        </a:solidFill>
+                      </a:endParaRPr>
+                    </a:p>
+                  </a:txBody>
+                  <a:tcPr>
+                    <a:lnL w="9525" cap="flat" cmpd="sng" algn="ctr">
+                      <a:solidFill>
+                        <a:schemeClr val="tx1">
+                          <a:lumMod val="50000"/>
+                          <a:lumOff val="50000"/>
+                        </a:schemeClr>
+                      </a:solidFill>
+                      <a:prstDash val="solid"/>
+                      <a:round/>
+                      <a:headEnd type="none" w="med" len="med"/>
+                      <a:tailEnd type="none" w="med" len="med"/>
+                    </a:lnL>
+                    <a:lnR w="9525" cap="flat" cmpd="sng" algn="ctr">
+                      <a:solidFill>
+                        <a:schemeClr val="tx1">
+                          <a:lumMod val="50000"/>
+                          <a:lumOff val="50000"/>
+                        </a:schemeClr>
+                      </a:solidFill>
+                      <a:prstDash val="solid"/>
+                      <a:round/>
+                      <a:headEnd type="none" w="med" len="med"/>
+                      <a:tailEnd type="none" w="med" len="med"/>
+                    </a:lnR>
+                    <a:lnT w="9525" cap="flat" cmpd="sng" algn="ctr">
+                      <a:solidFill>
+                        <a:schemeClr val="tx1">
+                          <a:lumMod val="50000"/>
+                          <a:lumOff val="50000"/>
+                        </a:schemeClr>
+                      </a:solidFill>
+                      <a:prstDash val="solid"/>
+                      <a:round/>
+                      <a:headEnd type="none" w="med" len="med"/>
+                      <a:tailEnd type="none" w="med" len="med"/>
+                    </a:lnT>
+                    <a:lnB w="9525" cap="flat" cmpd="sng" algn="ctr">
+                      <a:solidFill>
+                        <a:schemeClr val="tx1">
+                          <a:lumMod val="50000"/>
+                          <a:lumOff val="50000"/>
+                        </a:schemeClr>
+                      </a:solidFill>
+                      <a:prstDash val="solid"/>
+                      <a:round/>
+                      <a:headEnd type="none" w="med" len="med"/>
+                      <a:tailEnd type="none" w="med" len="med"/>
+                    </a:lnB>
+                    <a:lnTlToBr w="12700" cmpd="sng">
+                      <a:noFill/>
+                      <a:prstDash val="solid"/>
+                    </a:lnTlToBr>
+                    <a:lnBlToTr w="12700" cmpd="sng">
+                      <a:noFill/>
+                      <a:prstDash val="solid"/>
+                    </a:lnBlToTr>
+                    <a:noFill/>
+                  </a:tcPr>
+                </a:tc>
+                <a:tc>
+                  <a:txBody>
+                    <a:bodyPr/>
+                    <a:lstStyle/>
+                    <a:p>
+                      <a:endParaRPr lang="en-US" sz="1100" b="0">
+                        <a:solidFill>
+                          <a:schemeClr val="tx1"/>
+                        </a:solidFill>
+                      </a:endParaRPr>
+                    </a:p>
+                  </a:txBody>
+                  <a:tcPr>
+                    <a:lnL w="9525" cap="flat" cmpd="sng" algn="ctr">
+                      <a:solidFill>
+                        <a:schemeClr val="tx1">
+                          <a:lumMod val="50000"/>
+                          <a:lumOff val="50000"/>
+                        </a:schemeClr>
+                      </a:solidFill>
+                      <a:prstDash val="solid"/>
+                      <a:round/>
+                      <a:headEnd type="none" w="med" len="med"/>
+                      <a:tailEnd type="none" w="med" len="med"/>
+                    </a:lnL>
+                    <a:lnR w="9525" cap="flat" cmpd="sng" algn="ctr">
+                      <a:solidFill>
+                        <a:schemeClr val="tx1">
+                          <a:lumMod val="50000"/>
+                          <a:lumOff val="50000"/>
+                        </a:schemeClr>
+                      </a:solidFill>
+                      <a:prstDash val="solid"/>
+                      <a:round/>
+                      <a:headEnd type="none" w="med" len="med"/>
+                      <a:tailEnd type="none" w="med" len="med"/>
+                    </a:lnR>
+                    <a:lnT w="9525" cap="flat" cmpd="sng" algn="ctr">
+                      <a:solidFill>
+                        <a:schemeClr val="tx1">
+                          <a:lumMod val="50000"/>
+                          <a:lumOff val="50000"/>
+                        </a:schemeClr>
+                      </a:solidFill>
+                      <a:prstDash val="solid"/>
+                      <a:round/>
+                      <a:headEnd type="none" w="med" len="med"/>
+                      <a:tailEnd type="none" w="med" len="med"/>
+                    </a:lnT>
+                    <a:lnB w="9525" cap="flat" cmpd="sng" algn="ctr">
+                      <a:solidFill>
+                        <a:schemeClr val="tx1">
+                          <a:lumMod val="50000"/>
+                          <a:lumOff val="50000"/>
+                        </a:schemeClr>
+                      </a:solidFill>
+                      <a:prstDash val="solid"/>
+                      <a:round/>
+                      <a:headEnd type="none" w="med" len="med"/>
+                      <a:tailEnd type="none" w="med" len="med"/>
+                    </a:lnB>
+                    <a:lnTlToBr w="12700" cmpd="sng">
+                      <a:noFill/>
+                      <a:prstDash val="solid"/>
+                    </a:lnTlToBr>
+                    <a:lnBlToTr w="12700" cmpd="sng">
+                      <a:noFill/>
+                      <a:prstDash val="solid"/>
+                    </a:lnBlToTr>
+                    <a:noFill/>
+                  </a:tcPr>
+                </a:tc>
+                <a:tc>
+                  <a:txBody>
+                    <a:bodyPr/>
+                    <a:lstStyle/>
+                    <a:p>
+                      <a:endParaRPr lang="en-US" sz="1100" b="0">
+                        <a:solidFill>
+                          <a:schemeClr val="tx1"/>
+                        </a:solidFill>
+                      </a:endParaRPr>
+                    </a:p>
+                  </a:txBody>
+                  <a:tcPr>
+                    <a:lnL w="9525" cap="flat" cmpd="sng" algn="ctr">
+                      <a:solidFill>
+                        <a:schemeClr val="tx1">
+                          <a:lumMod val="50000"/>
+                          <a:lumOff val="50000"/>
+                        </a:schemeClr>
+                      </a:solidFill>
+                      <a:prstDash val="solid"/>
+                      <a:round/>
+                      <a:headEnd type="none" w="med" len="med"/>
+                      <a:tailEnd type="none" w="med" len="med"/>
+                    </a:lnL>
+                    <a:lnR w="9525" cap="flat" cmpd="sng" algn="ctr">
+                      <a:solidFill>
+                        <a:schemeClr val="tx1">
+                          <a:lumMod val="50000"/>
+                          <a:lumOff val="50000"/>
+                        </a:schemeClr>
+                      </a:solidFill>
+                      <a:prstDash val="solid"/>
+                      <a:round/>
+                      <a:headEnd type="none" w="med" len="med"/>
+                      <a:tailEnd type="none" w="med" len="med"/>
+                    </a:lnR>
+                    <a:lnT w="9525" cap="flat" cmpd="sng" algn="ctr">
+                      <a:solidFill>
+                        <a:schemeClr val="tx1">
+                          <a:lumMod val="50000"/>
+                          <a:lumOff val="50000"/>
+                        </a:schemeClr>
+                      </a:solidFill>
+                      <a:prstDash val="solid"/>
+                      <a:round/>
+                      <a:headEnd type="none" w="med" len="med"/>
+                      <a:tailEnd type="none" w="med" len="med"/>
+                    </a:lnT>
+                    <a:lnB w="9525" cap="flat" cmpd="sng" algn="ctr">
+                      <a:solidFill>
+                        <a:schemeClr val="tx1">
+                          <a:lumMod val="50000"/>
+                          <a:lumOff val="50000"/>
+                        </a:schemeClr>
+                      </a:solidFill>
+                      <a:prstDash val="solid"/>
+                      <a:round/>
+                      <a:headEnd type="none" w="med" len="med"/>
+                      <a:tailEnd type="none" w="med" len="med"/>
+                    </a:lnB>
+                    <a:lnTlToBr w="12700" cmpd="sng">
+                      <a:noFill/>
+                      <a:prstDash val="solid"/>
+                    </a:lnTlToBr>
+                    <a:lnBlToTr w="12700" cmpd="sng">
+                      <a:noFill/>
+                      <a:prstDash val="solid"/>
+                    </a:lnBlToTr>
+                    <a:noFill/>
+                  </a:tcPr>
+                </a:tc>
+                <a:tc>
+                  <a:txBody>
+                    <a:bodyPr/>
+                    <a:lstStyle/>
+                    <a:p>
+                      <a:endParaRPr lang="en-US" sz="1100" b="0">
+                        <a:solidFill>
+                          <a:schemeClr val="tx1"/>
+                        </a:solidFill>
+                      </a:endParaRPr>
+                    </a:p>
+                  </a:txBody>
+                  <a:tcPr>
+                    <a:lnL w="9525" cap="flat" cmpd="sng" algn="ctr">
+                      <a:solidFill>
+                        <a:schemeClr val="tx1">
+                          <a:lumMod val="50000"/>
+                          <a:lumOff val="50000"/>
+                        </a:schemeClr>
+                      </a:solidFill>
+                      <a:prstDash val="solid"/>
+                      <a:round/>
+                      <a:headEnd type="none" w="med" len="med"/>
+                      <a:tailEnd type="none" w="med" len="med"/>
+                    </a:lnL>
+                    <a:lnR w="9525" cap="flat" cmpd="sng" algn="ctr">
+                      <a:solidFill>
+                        <a:schemeClr val="tx1">
+                          <a:lumMod val="50000"/>
+                          <a:lumOff val="50000"/>
+                        </a:schemeClr>
+                      </a:solidFill>
+                      <a:prstDash val="solid"/>
+                      <a:round/>
+                      <a:headEnd type="none" w="med" len="med"/>
+                      <a:tailEnd type="none" w="med" len="med"/>
+                    </a:lnR>
+                    <a:lnT w="9525" cap="flat" cmpd="sng" algn="ctr">
+                      <a:solidFill>
+                        <a:schemeClr val="tx1">
+                          <a:lumMod val="50000"/>
+                          <a:lumOff val="50000"/>
+                        </a:schemeClr>
+                      </a:solidFill>
+                      <a:prstDash val="solid"/>
+                      <a:round/>
+                      <a:headEnd type="none" w="med" len="med"/>
+                      <a:tailEnd type="none" w="med" len="med"/>
+                    </a:lnT>
+                    <a:lnB w="9525" cap="flat" cmpd="sng" algn="ctr">
+                      <a:solidFill>
+                        <a:schemeClr val="tx1">
+                          <a:lumMod val="50000"/>
+                          <a:lumOff val="50000"/>
+                        </a:schemeClr>
+                      </a:solidFill>
+                      <a:prstDash val="solid"/>
+                      <a:round/>
+                      <a:headEnd type="none" w="med" len="med"/>
+                      <a:tailEnd type="none" w="med" len="med"/>
+                    </a:lnB>
+                    <a:lnTlToBr w="12700" cmpd="sng">
+                      <a:noFill/>
+                      <a:prstDash val="solid"/>
+                    </a:lnTlToBr>
+                    <a:lnBlToTr w="12700" cmpd="sng">
+                      <a:noFill/>
+                      <a:prstDash val="solid"/>
+                    </a:lnBlToTr>
+                    <a:noFill/>
+                  </a:tcPr>
+                </a:tc>
+                <a:tc>
+                  <a:txBody>
+                    <a:bodyPr/>
+                    <a:lstStyle/>
+                    <a:p>
+                      <a:endParaRPr lang="en-US" sz="1100" b="0" dirty="0">
+                        <a:solidFill>
+                          <a:schemeClr val="tx1"/>
+                        </a:solidFill>
+                      </a:endParaRPr>
+                    </a:p>
+                  </a:txBody>
+                  <a:tcPr>
+                    <a:lnL w="9525" cap="flat" cmpd="sng" algn="ctr">
+                      <a:solidFill>
+                        <a:schemeClr val="tx1">
+                          <a:lumMod val="50000"/>
+                          <a:lumOff val="50000"/>
+                        </a:schemeClr>
+                      </a:solidFill>
+                      <a:prstDash val="solid"/>
+                      <a:round/>
+                      <a:headEnd type="none" w="med" len="med"/>
+                      <a:tailEnd type="none" w="med" len="med"/>
+                    </a:lnL>
+                    <a:lnR w="9525" cap="flat" cmpd="sng" algn="ctr">
+                      <a:solidFill>
+                        <a:schemeClr val="tx1">
+                          <a:lumMod val="50000"/>
+                          <a:lumOff val="50000"/>
+                        </a:schemeClr>
+                      </a:solidFill>
+                      <a:prstDash val="solid"/>
+                      <a:round/>
+                      <a:headEnd type="none" w="med" len="med"/>
+                      <a:tailEnd type="none" w="med" len="med"/>
+                    </a:lnR>
+                    <a:lnT w="9525" cap="flat" cmpd="sng" algn="ctr">
+                      <a:solidFill>
+                        <a:schemeClr val="tx1">
+                          <a:lumMod val="50000"/>
+                          <a:lumOff val="50000"/>
+                        </a:schemeClr>
+                      </a:solidFill>
+                      <a:prstDash val="solid"/>
+                      <a:round/>
+                      <a:headEnd type="none" w="med" len="med"/>
+                      <a:tailEnd type="none" w="med" len="med"/>
+                    </a:lnT>
+                    <a:lnB w="9525" cap="flat" cmpd="sng" algn="ctr">
+                      <a:solidFill>
+                        <a:schemeClr val="tx1">
+                          <a:lumMod val="50000"/>
+                          <a:lumOff val="50000"/>
+                        </a:schemeClr>
+                      </a:solidFill>
+                      <a:prstDash val="solid"/>
+                      <a:round/>
+                      <a:headEnd type="none" w="med" len="med"/>
+                      <a:tailEnd type="none" w="med" len="med"/>
+                    </a:lnB>
+                    <a:lnTlToBr w="12700" cmpd="sng">
+                      <a:noFill/>
+                      <a:prstDash val="solid"/>
+                    </a:lnTlToBr>
+                    <a:lnBlToTr w="12700" cmpd="sng">
+                      <a:noFill/>
+                      <a:prstDash val="solid"/>
+                    </a:lnBlToTr>
+                    <a:noFill/>
+                  </a:tcPr>
+                </a:tc>
+                <a:extLst>
+                  <a:ext uri="{0D108BD9-81ED-4DB2-BD59-A6C34878D82A}">
+                    <a16:rowId xmlns:a16="http://schemas.microsoft.com/office/drawing/2014/main" val="276060168"/>
+                  </a:ext>
+                </a:extLst>
+              </a:tr>
+              <a:tr h="1110743">
+                <a:tc>
+                  <a:txBody>
+                    <a:bodyPr/>
+                    <a:lstStyle/>
+                    <a:p>
+                      <a:r>
+                        <a:rPr lang="en-US" sz="1100" b="0">
+                          <a:solidFill>
+                            <a:schemeClr val="tx1"/>
+                          </a:solidFill>
+                        </a:rPr>
+                        <a:t>LI Ltd tech team</a:t>
+                      </a:r>
+                    </a:p>
+                  </a:txBody>
+                  <a:tcPr anchor="ctr">
+                    <a:lnL w="9525" cap="flat" cmpd="sng" algn="ctr">
+                      <a:solidFill>
+                        <a:schemeClr val="tx1">
+                          <a:lumMod val="50000"/>
+                          <a:lumOff val="50000"/>
+                        </a:schemeClr>
+                      </a:solidFill>
+                      <a:prstDash val="solid"/>
+                      <a:round/>
+                      <a:headEnd type="none" w="med" len="med"/>
+                      <a:tailEnd type="none" w="med" len="med"/>
+                    </a:lnL>
+                    <a:lnR w="9525" cap="flat" cmpd="sng" algn="ctr">
+                      <a:solidFill>
+                        <a:schemeClr val="tx1">
+                          <a:lumMod val="50000"/>
+                          <a:lumOff val="50000"/>
+                        </a:schemeClr>
+                      </a:solidFill>
+                      <a:prstDash val="solid"/>
+                      <a:round/>
+                      <a:headEnd type="none" w="med" len="med"/>
+                      <a:tailEnd type="none" w="med" len="med"/>
+                    </a:lnR>
+                    <a:lnT w="9525" cap="flat" cmpd="sng" algn="ctr">
+                      <a:solidFill>
+                        <a:schemeClr val="tx1">
+                          <a:lumMod val="50000"/>
+                          <a:lumOff val="50000"/>
+                        </a:schemeClr>
+                      </a:solidFill>
+                      <a:prstDash val="solid"/>
+                      <a:round/>
+                      <a:headEnd type="none" w="med" len="med"/>
+                      <a:tailEnd type="none" w="med" len="med"/>
+                    </a:lnT>
+                    <a:lnB w="9525" cap="flat" cmpd="sng" algn="ctr">
+                      <a:solidFill>
+                        <a:schemeClr val="tx1">
+                          <a:lumMod val="50000"/>
+                          <a:lumOff val="50000"/>
+                        </a:schemeClr>
+                      </a:solidFill>
+                      <a:prstDash val="solid"/>
+                      <a:round/>
+                      <a:headEnd type="none" w="med" len="med"/>
+                      <a:tailEnd type="none" w="med" len="med"/>
+                    </a:lnB>
+                    <a:lnTlToBr w="12700" cmpd="sng">
+                      <a:noFill/>
+                      <a:prstDash val="solid"/>
+                    </a:lnTlToBr>
+                    <a:lnBlToTr w="12700" cmpd="sng">
+                      <a:noFill/>
+                      <a:prstDash val="solid"/>
+                    </a:lnBlToTr>
+                    <a:noFill/>
+                  </a:tcPr>
+                </a:tc>
+                <a:tc>
+                  <a:txBody>
+                    <a:bodyPr/>
+                    <a:lstStyle/>
+                    <a:p>
+                      <a:endParaRPr lang="en-US" sz="1100" b="0">
+                        <a:solidFill>
+                          <a:schemeClr val="tx1"/>
+                        </a:solidFill>
+                      </a:endParaRPr>
+                    </a:p>
+                  </a:txBody>
+                  <a:tcPr>
+                    <a:lnL w="9525" cap="flat" cmpd="sng" algn="ctr">
+                      <a:solidFill>
+                        <a:schemeClr val="tx1">
+                          <a:lumMod val="50000"/>
+                          <a:lumOff val="50000"/>
+                        </a:schemeClr>
+                      </a:solidFill>
+                      <a:prstDash val="solid"/>
+                      <a:round/>
+                      <a:headEnd type="none" w="med" len="med"/>
+                      <a:tailEnd type="none" w="med" len="med"/>
+                    </a:lnL>
+                    <a:lnR w="9525" cap="flat" cmpd="sng" algn="ctr">
+                      <a:solidFill>
+                        <a:schemeClr val="tx1">
+                          <a:lumMod val="50000"/>
+                          <a:lumOff val="50000"/>
+                        </a:schemeClr>
+                      </a:solidFill>
+                      <a:prstDash val="solid"/>
+                      <a:round/>
+                      <a:headEnd type="none" w="med" len="med"/>
+                      <a:tailEnd type="none" w="med" len="med"/>
+                    </a:lnR>
+                    <a:lnT w="9525" cap="flat" cmpd="sng" algn="ctr">
+                      <a:solidFill>
+                        <a:schemeClr val="tx1">
+                          <a:lumMod val="50000"/>
+                          <a:lumOff val="50000"/>
+                        </a:schemeClr>
+                      </a:solidFill>
+                      <a:prstDash val="solid"/>
+                      <a:round/>
+                      <a:headEnd type="none" w="med" len="med"/>
+                      <a:tailEnd type="none" w="med" len="med"/>
+                    </a:lnT>
+                    <a:lnB w="9525" cap="flat" cmpd="sng" algn="ctr">
+                      <a:solidFill>
+                        <a:schemeClr val="tx1">
+                          <a:lumMod val="50000"/>
+                          <a:lumOff val="50000"/>
+                        </a:schemeClr>
+                      </a:solidFill>
+                      <a:prstDash val="solid"/>
+                      <a:round/>
+                      <a:headEnd type="none" w="med" len="med"/>
+                      <a:tailEnd type="none" w="med" len="med"/>
+                    </a:lnB>
+                    <a:lnTlToBr w="12700" cmpd="sng">
+                      <a:noFill/>
+                      <a:prstDash val="solid"/>
+                    </a:lnTlToBr>
+                    <a:lnBlToTr w="12700" cmpd="sng">
+                      <a:noFill/>
+                      <a:prstDash val="solid"/>
+                    </a:lnBlToTr>
+                    <a:noFill/>
+                  </a:tcPr>
+                </a:tc>
+                <a:tc>
+                  <a:txBody>
+                    <a:bodyPr/>
+                    <a:lstStyle/>
+                    <a:p>
+                      <a:endParaRPr lang="en-US" sz="1100" b="0">
+                        <a:solidFill>
+                          <a:schemeClr val="tx1"/>
+                        </a:solidFill>
+                      </a:endParaRPr>
+                    </a:p>
+                  </a:txBody>
+                  <a:tcPr>
+                    <a:lnL w="9525" cap="flat" cmpd="sng" algn="ctr">
+                      <a:solidFill>
+                        <a:schemeClr val="tx1">
+                          <a:lumMod val="50000"/>
+                          <a:lumOff val="50000"/>
+                        </a:schemeClr>
+                      </a:solidFill>
+                      <a:prstDash val="solid"/>
+                      <a:round/>
+                      <a:headEnd type="none" w="med" len="med"/>
+                      <a:tailEnd type="none" w="med" len="med"/>
+                    </a:lnL>
+                    <a:lnR w="9525" cap="flat" cmpd="sng" algn="ctr">
+                      <a:solidFill>
+                        <a:schemeClr val="tx1">
+                          <a:lumMod val="50000"/>
+                          <a:lumOff val="50000"/>
+                        </a:schemeClr>
+                      </a:solidFill>
+                      <a:prstDash val="solid"/>
+                      <a:round/>
+                      <a:headEnd type="none" w="med" len="med"/>
+                      <a:tailEnd type="none" w="med" len="med"/>
+                    </a:lnR>
+                    <a:lnT w="9525" cap="flat" cmpd="sng" algn="ctr">
+                      <a:solidFill>
+                        <a:schemeClr val="tx1">
+                          <a:lumMod val="50000"/>
+                          <a:lumOff val="50000"/>
+                        </a:schemeClr>
+                      </a:solidFill>
+                      <a:prstDash val="solid"/>
+                      <a:round/>
+                      <a:headEnd type="none" w="med" len="med"/>
+                      <a:tailEnd type="none" w="med" len="med"/>
+                    </a:lnT>
+                    <a:lnB w="9525" cap="flat" cmpd="sng" algn="ctr">
+                      <a:solidFill>
+                        <a:schemeClr val="tx1">
+                          <a:lumMod val="50000"/>
+                          <a:lumOff val="50000"/>
+                        </a:schemeClr>
+                      </a:solidFill>
+                      <a:prstDash val="solid"/>
+                      <a:round/>
+                      <a:headEnd type="none" w="med" len="med"/>
+                      <a:tailEnd type="none" w="med" len="med"/>
+                    </a:lnB>
+                    <a:lnTlToBr w="12700" cmpd="sng">
+                      <a:noFill/>
+                      <a:prstDash val="solid"/>
+                    </a:lnTlToBr>
+                    <a:lnBlToTr w="12700" cmpd="sng">
+                      <a:noFill/>
+                      <a:prstDash val="solid"/>
+                    </a:lnBlToTr>
+                    <a:noFill/>
+                  </a:tcPr>
+                </a:tc>
+                <a:tc>
+                  <a:txBody>
+                    <a:bodyPr/>
+                    <a:lstStyle/>
+                    <a:p>
+                      <a:endParaRPr lang="en-US" sz="1100" b="0">
+                        <a:solidFill>
+                          <a:schemeClr val="tx1"/>
+                        </a:solidFill>
+                      </a:endParaRPr>
+                    </a:p>
+                  </a:txBody>
+                  <a:tcPr>
+                    <a:lnL w="9525" cap="flat" cmpd="sng" algn="ctr">
+                      <a:solidFill>
+                        <a:schemeClr val="tx1">
+                          <a:lumMod val="50000"/>
+                          <a:lumOff val="50000"/>
+                        </a:schemeClr>
+                      </a:solidFill>
+                      <a:prstDash val="solid"/>
+                      <a:round/>
+                      <a:headEnd type="none" w="med" len="med"/>
+                      <a:tailEnd type="none" w="med" len="med"/>
+                    </a:lnL>
+                    <a:lnR w="9525" cap="flat" cmpd="sng" algn="ctr">
+                      <a:solidFill>
+                        <a:schemeClr val="tx1">
+                          <a:lumMod val="50000"/>
+                          <a:lumOff val="50000"/>
+                        </a:schemeClr>
+                      </a:solidFill>
+                      <a:prstDash val="solid"/>
+                      <a:round/>
+                      <a:headEnd type="none" w="med" len="med"/>
+                      <a:tailEnd type="none" w="med" len="med"/>
+                    </a:lnR>
+                    <a:lnT w="9525" cap="flat" cmpd="sng" algn="ctr">
+                      <a:solidFill>
+                        <a:schemeClr val="tx1">
+                          <a:lumMod val="50000"/>
+                          <a:lumOff val="50000"/>
+                        </a:schemeClr>
+                      </a:solidFill>
+                      <a:prstDash val="solid"/>
+                      <a:round/>
+                      <a:headEnd type="none" w="med" len="med"/>
+                      <a:tailEnd type="none" w="med" len="med"/>
+                    </a:lnT>
+                    <a:lnB w="9525" cap="flat" cmpd="sng" algn="ctr">
+                      <a:solidFill>
+                        <a:schemeClr val="tx1">
+                          <a:lumMod val="50000"/>
+                          <a:lumOff val="50000"/>
+                        </a:schemeClr>
+                      </a:solidFill>
+                      <a:prstDash val="solid"/>
+                      <a:round/>
+                      <a:headEnd type="none" w="med" len="med"/>
+                      <a:tailEnd type="none" w="med" len="med"/>
+                    </a:lnB>
+                    <a:lnTlToBr w="12700" cmpd="sng">
+                      <a:noFill/>
+                      <a:prstDash val="solid"/>
+                    </a:lnTlToBr>
+                    <a:lnBlToTr w="12700" cmpd="sng">
+                      <a:noFill/>
+                      <a:prstDash val="solid"/>
+                    </a:lnBlToTr>
+                    <a:noFill/>
+                  </a:tcPr>
+                </a:tc>
+                <a:tc>
+                  <a:txBody>
+                    <a:bodyPr/>
+                    <a:lstStyle/>
+                    <a:p>
+                      <a:endParaRPr lang="en-US" sz="1100" b="0">
+                        <a:solidFill>
+                          <a:schemeClr val="tx1"/>
+                        </a:solidFill>
+                      </a:endParaRPr>
+                    </a:p>
+                  </a:txBody>
+                  <a:tcPr>
+                    <a:lnL w="9525" cap="flat" cmpd="sng" algn="ctr">
+                      <a:solidFill>
+                        <a:schemeClr val="tx1">
+                          <a:lumMod val="50000"/>
+                          <a:lumOff val="50000"/>
+                        </a:schemeClr>
+                      </a:solidFill>
+                      <a:prstDash val="solid"/>
+                      <a:round/>
+                      <a:headEnd type="none" w="med" len="med"/>
+                      <a:tailEnd type="none" w="med" len="med"/>
+                    </a:lnL>
+                    <a:lnR w="9525" cap="flat" cmpd="sng" algn="ctr">
+                      <a:solidFill>
+                        <a:schemeClr val="tx1">
+                          <a:lumMod val="50000"/>
+                          <a:lumOff val="50000"/>
+                        </a:schemeClr>
+                      </a:solidFill>
+                      <a:prstDash val="solid"/>
+                      <a:round/>
+                      <a:headEnd type="none" w="med" len="med"/>
+                      <a:tailEnd type="none" w="med" len="med"/>
+                    </a:lnR>
+                    <a:lnT w="9525" cap="flat" cmpd="sng" algn="ctr">
+                      <a:solidFill>
+                        <a:schemeClr val="tx1">
+                          <a:lumMod val="50000"/>
+                          <a:lumOff val="50000"/>
+                        </a:schemeClr>
+                      </a:solidFill>
+                      <a:prstDash val="solid"/>
+                      <a:round/>
+                      <a:headEnd type="none" w="med" len="med"/>
+                      <a:tailEnd type="none" w="med" len="med"/>
+                    </a:lnT>
+                    <a:lnB w="9525" cap="flat" cmpd="sng" algn="ctr">
+                      <a:solidFill>
+                        <a:schemeClr val="tx1">
+                          <a:lumMod val="50000"/>
+                          <a:lumOff val="50000"/>
+                        </a:schemeClr>
+                      </a:solidFill>
+                      <a:prstDash val="solid"/>
+                      <a:round/>
+                      <a:headEnd type="none" w="med" len="med"/>
+                      <a:tailEnd type="none" w="med" len="med"/>
+                    </a:lnB>
+                    <a:lnTlToBr w="12700" cmpd="sng">
+                      <a:noFill/>
+                      <a:prstDash val="solid"/>
+                    </a:lnTlToBr>
+                    <a:lnBlToTr w="12700" cmpd="sng">
+                      <a:noFill/>
+                      <a:prstDash val="solid"/>
+                    </a:lnBlToTr>
+                    <a:noFill/>
+                  </a:tcPr>
+                </a:tc>
+                <a:tc>
+                  <a:txBody>
+                    <a:bodyPr/>
+                    <a:lstStyle/>
+                    <a:p>
+                      <a:endParaRPr lang="en-US" sz="1100" b="0">
+                        <a:solidFill>
+                          <a:schemeClr val="tx1"/>
+                        </a:solidFill>
+                      </a:endParaRPr>
+                    </a:p>
+                  </a:txBody>
+                  <a:tcPr>
+                    <a:lnL w="9525" cap="flat" cmpd="sng" algn="ctr">
+                      <a:solidFill>
+                        <a:schemeClr val="tx1">
+                          <a:lumMod val="50000"/>
+                          <a:lumOff val="50000"/>
+                        </a:schemeClr>
+                      </a:solidFill>
+                      <a:prstDash val="solid"/>
+                      <a:round/>
+                      <a:headEnd type="none" w="med" len="med"/>
+                      <a:tailEnd type="none" w="med" len="med"/>
+                    </a:lnL>
+                    <a:lnR w="9525" cap="flat" cmpd="sng" algn="ctr">
+                      <a:solidFill>
+                        <a:schemeClr val="tx1">
+                          <a:lumMod val="50000"/>
+                          <a:lumOff val="50000"/>
+                        </a:schemeClr>
+                      </a:solidFill>
+                      <a:prstDash val="solid"/>
+                      <a:round/>
+                      <a:headEnd type="none" w="med" len="med"/>
+                      <a:tailEnd type="none" w="med" len="med"/>
+                    </a:lnR>
+                    <a:lnT w="9525" cap="flat" cmpd="sng" algn="ctr">
+                      <a:solidFill>
+                        <a:schemeClr val="tx1">
+                          <a:lumMod val="50000"/>
+                          <a:lumOff val="50000"/>
+                        </a:schemeClr>
+                      </a:solidFill>
+                      <a:prstDash val="solid"/>
+                      <a:round/>
+                      <a:headEnd type="none" w="med" len="med"/>
+                      <a:tailEnd type="none" w="med" len="med"/>
+                    </a:lnT>
+                    <a:lnB w="9525" cap="flat" cmpd="sng" algn="ctr">
+                      <a:solidFill>
+                        <a:schemeClr val="tx1">
+                          <a:lumMod val="50000"/>
+                          <a:lumOff val="50000"/>
+                        </a:schemeClr>
+                      </a:solidFill>
+                      <a:prstDash val="solid"/>
+                      <a:round/>
+                      <a:headEnd type="none" w="med" len="med"/>
+                      <a:tailEnd type="none" w="med" len="med"/>
+                    </a:lnB>
+                    <a:lnTlToBr w="12700" cmpd="sng">
+                      <a:noFill/>
+                      <a:prstDash val="solid"/>
+                    </a:lnTlToBr>
+                    <a:lnBlToTr w="12700" cmpd="sng">
+                      <a:noFill/>
+                      <a:prstDash val="solid"/>
+                    </a:lnBlToTr>
+                    <a:noFill/>
+                  </a:tcPr>
+                </a:tc>
+                <a:tc>
+                  <a:txBody>
+                    <a:bodyPr/>
+                    <a:lstStyle/>
+                    <a:p>
+                      <a:endParaRPr lang="en-US" sz="1100" b="0">
+                        <a:solidFill>
+                          <a:schemeClr val="tx1"/>
+                        </a:solidFill>
+                      </a:endParaRPr>
+                    </a:p>
+                  </a:txBody>
+                  <a:tcPr>
+                    <a:lnL w="9525" cap="flat" cmpd="sng" algn="ctr">
+                      <a:solidFill>
+                        <a:schemeClr val="tx1">
+                          <a:lumMod val="50000"/>
+                          <a:lumOff val="50000"/>
+                        </a:schemeClr>
+                      </a:solidFill>
+                      <a:prstDash val="solid"/>
+                      <a:round/>
+                      <a:headEnd type="none" w="med" len="med"/>
+                      <a:tailEnd type="none" w="med" len="med"/>
+                    </a:lnL>
+                    <a:lnR w="9525" cap="flat" cmpd="sng" algn="ctr">
+                      <a:solidFill>
+                        <a:schemeClr val="tx1">
+                          <a:lumMod val="50000"/>
+                          <a:lumOff val="50000"/>
+                        </a:schemeClr>
+                      </a:solidFill>
+                      <a:prstDash val="solid"/>
+                      <a:round/>
+                      <a:headEnd type="none" w="med" len="med"/>
+                      <a:tailEnd type="none" w="med" len="med"/>
+                    </a:lnR>
+                    <a:lnT w="9525" cap="flat" cmpd="sng" algn="ctr">
+                      <a:solidFill>
+                        <a:schemeClr val="tx1">
+                          <a:lumMod val="50000"/>
+                          <a:lumOff val="50000"/>
+                        </a:schemeClr>
+                      </a:solidFill>
+                      <a:prstDash val="solid"/>
+                      <a:round/>
+                      <a:headEnd type="none" w="med" len="med"/>
+                      <a:tailEnd type="none" w="med" len="med"/>
+                    </a:lnT>
+                    <a:lnB w="9525" cap="flat" cmpd="sng" algn="ctr">
+                      <a:solidFill>
+                        <a:schemeClr val="tx1">
+                          <a:lumMod val="50000"/>
+                          <a:lumOff val="50000"/>
+                        </a:schemeClr>
+                      </a:solidFill>
+                      <a:prstDash val="solid"/>
+                      <a:round/>
+                      <a:headEnd type="none" w="med" len="med"/>
+                      <a:tailEnd type="none" w="med" len="med"/>
+                    </a:lnB>
+                    <a:lnTlToBr w="12700" cmpd="sng">
+                      <a:noFill/>
+                      <a:prstDash val="solid"/>
+                    </a:lnTlToBr>
+                    <a:lnBlToTr w="12700" cmpd="sng">
+                      <a:noFill/>
+                      <a:prstDash val="solid"/>
+                    </a:lnBlToTr>
+                    <a:noFill/>
+                  </a:tcPr>
+                </a:tc>
+                <a:tc>
+                  <a:txBody>
+                    <a:bodyPr/>
+                    <a:lstStyle/>
+                    <a:p>
+                      <a:endParaRPr lang="en-US" sz="1100" b="0">
+                        <a:solidFill>
+                          <a:schemeClr val="tx1"/>
+                        </a:solidFill>
+                      </a:endParaRPr>
+                    </a:p>
+                  </a:txBody>
+                  <a:tcPr>
+                    <a:lnL w="9525" cap="flat" cmpd="sng" algn="ctr">
+                      <a:solidFill>
+                        <a:schemeClr val="tx1">
+                          <a:lumMod val="50000"/>
+                          <a:lumOff val="50000"/>
+                        </a:schemeClr>
+                      </a:solidFill>
+                      <a:prstDash val="solid"/>
+                      <a:round/>
+                      <a:headEnd type="none" w="med" len="med"/>
+                      <a:tailEnd type="none" w="med" len="med"/>
+                    </a:lnL>
+                    <a:lnR w="9525" cap="flat" cmpd="sng" algn="ctr">
+                      <a:solidFill>
+                        <a:schemeClr val="tx1">
+                          <a:lumMod val="50000"/>
+                          <a:lumOff val="50000"/>
+                        </a:schemeClr>
+                      </a:solidFill>
+                      <a:prstDash val="solid"/>
+                      <a:round/>
+                      <a:headEnd type="none" w="med" len="med"/>
+                      <a:tailEnd type="none" w="med" len="med"/>
+                    </a:lnR>
+                    <a:lnT w="9525" cap="flat" cmpd="sng" algn="ctr">
+                      <a:solidFill>
+                        <a:schemeClr val="tx1">
+                          <a:lumMod val="50000"/>
+                          <a:lumOff val="50000"/>
+                        </a:schemeClr>
+                      </a:solidFill>
+                      <a:prstDash val="solid"/>
+                      <a:round/>
+                      <a:headEnd type="none" w="med" len="med"/>
+                      <a:tailEnd type="none" w="med" len="med"/>
+                    </a:lnT>
+                    <a:lnB w="9525" cap="flat" cmpd="sng" algn="ctr">
+                      <a:solidFill>
+                        <a:schemeClr val="tx1">
+                          <a:lumMod val="50000"/>
+                          <a:lumOff val="50000"/>
+                        </a:schemeClr>
+                      </a:solidFill>
+                      <a:prstDash val="solid"/>
+                      <a:round/>
+                      <a:headEnd type="none" w="med" len="med"/>
+                      <a:tailEnd type="none" w="med" len="med"/>
+                    </a:lnB>
+                    <a:lnTlToBr w="12700" cmpd="sng">
+                      <a:noFill/>
+                      <a:prstDash val="solid"/>
+                    </a:lnTlToBr>
+                    <a:lnBlToTr w="12700" cmpd="sng">
+                      <a:noFill/>
+                      <a:prstDash val="solid"/>
+                    </a:lnBlToTr>
+                    <a:noFill/>
+                  </a:tcPr>
+                </a:tc>
+                <a:tc>
+                  <a:txBody>
+                    <a:bodyPr/>
+                    <a:lstStyle/>
+                    <a:p>
+                      <a:endParaRPr lang="en-US" sz="1100" b="0">
+                        <a:solidFill>
+                          <a:schemeClr val="tx1"/>
+                        </a:solidFill>
+                      </a:endParaRPr>
+                    </a:p>
+                  </a:txBody>
+                  <a:tcPr>
+                    <a:lnL w="9525" cap="flat" cmpd="sng" algn="ctr">
+                      <a:solidFill>
+                        <a:schemeClr val="tx1">
+                          <a:lumMod val="50000"/>
+                          <a:lumOff val="50000"/>
+                        </a:schemeClr>
+                      </a:solidFill>
+                      <a:prstDash val="solid"/>
+                      <a:round/>
+                      <a:headEnd type="none" w="med" len="med"/>
+                      <a:tailEnd type="none" w="med" len="med"/>
+                    </a:lnL>
+                    <a:lnR w="9525" cap="flat" cmpd="sng" algn="ctr">
+                      <a:solidFill>
+                        <a:schemeClr val="tx1">
+                          <a:lumMod val="50000"/>
+                          <a:lumOff val="50000"/>
+                        </a:schemeClr>
+                      </a:solidFill>
+                      <a:prstDash val="solid"/>
+                      <a:round/>
+                      <a:headEnd type="none" w="med" len="med"/>
+                      <a:tailEnd type="none" w="med" len="med"/>
+                    </a:lnR>
+                    <a:lnT w="9525" cap="flat" cmpd="sng" algn="ctr">
+                      <a:solidFill>
+                        <a:schemeClr val="tx1">
+                          <a:lumMod val="50000"/>
+                          <a:lumOff val="50000"/>
+                        </a:schemeClr>
+                      </a:solidFill>
+                      <a:prstDash val="solid"/>
+                      <a:round/>
+                      <a:headEnd type="none" w="med" len="med"/>
+                      <a:tailEnd type="none" w="med" len="med"/>
+                    </a:lnT>
+                    <a:lnB w="9525" cap="flat" cmpd="sng" algn="ctr">
+                      <a:solidFill>
+                        <a:schemeClr val="tx1">
+                          <a:lumMod val="50000"/>
+                          <a:lumOff val="50000"/>
+                        </a:schemeClr>
+                      </a:solidFill>
+                      <a:prstDash val="solid"/>
+                      <a:round/>
+                      <a:headEnd type="none" w="med" len="med"/>
+                      <a:tailEnd type="none" w="med" len="med"/>
+                    </a:lnB>
+                    <a:lnTlToBr w="12700" cmpd="sng">
+                      <a:noFill/>
+                      <a:prstDash val="solid"/>
+                    </a:lnTlToBr>
+                    <a:lnBlToTr w="12700" cmpd="sng">
+                      <a:noFill/>
+                      <a:prstDash val="solid"/>
+                    </a:lnBlToTr>
+                    <a:noFill/>
+                  </a:tcPr>
+                </a:tc>
+                <a:tc>
+                  <a:txBody>
+                    <a:bodyPr/>
+                    <a:lstStyle/>
+                    <a:p>
+                      <a:endParaRPr lang="en-US" sz="1100" b="0">
+                        <a:solidFill>
+                          <a:schemeClr val="tx1"/>
+                        </a:solidFill>
+                      </a:endParaRPr>
+                    </a:p>
+                  </a:txBody>
+                  <a:tcPr>
+                    <a:lnL w="9525" cap="flat" cmpd="sng" algn="ctr">
+                      <a:solidFill>
+                        <a:schemeClr val="tx1">
+                          <a:lumMod val="50000"/>
+                          <a:lumOff val="50000"/>
+                        </a:schemeClr>
+                      </a:solidFill>
+                      <a:prstDash val="solid"/>
+                      <a:round/>
+                      <a:headEnd type="none" w="med" len="med"/>
+                      <a:tailEnd type="none" w="med" len="med"/>
+                    </a:lnL>
+                    <a:lnR w="9525" cap="flat" cmpd="sng" algn="ctr">
+                      <a:solidFill>
+                        <a:schemeClr val="tx1">
+                          <a:lumMod val="50000"/>
+                          <a:lumOff val="50000"/>
+                        </a:schemeClr>
+                      </a:solidFill>
+                      <a:prstDash val="solid"/>
+                      <a:round/>
+                      <a:headEnd type="none" w="med" len="med"/>
+                      <a:tailEnd type="none" w="med" len="med"/>
+                    </a:lnR>
+                    <a:lnT w="9525" cap="flat" cmpd="sng" algn="ctr">
+                      <a:solidFill>
+                        <a:schemeClr val="tx1">
+                          <a:lumMod val="50000"/>
+                          <a:lumOff val="50000"/>
+                        </a:schemeClr>
+                      </a:solidFill>
+                      <a:prstDash val="solid"/>
+                      <a:round/>
+                      <a:headEnd type="none" w="med" len="med"/>
+                      <a:tailEnd type="none" w="med" len="med"/>
+                    </a:lnT>
+                    <a:lnB w="9525" cap="flat" cmpd="sng" algn="ctr">
+                      <a:solidFill>
+                        <a:schemeClr val="tx1">
+                          <a:lumMod val="50000"/>
+                          <a:lumOff val="50000"/>
+                        </a:schemeClr>
+                      </a:solidFill>
+                      <a:prstDash val="solid"/>
+                      <a:round/>
+                      <a:headEnd type="none" w="med" len="med"/>
+                      <a:tailEnd type="none" w="med" len="med"/>
+                    </a:lnB>
+                    <a:lnTlToBr w="12700" cmpd="sng">
+                      <a:noFill/>
+                      <a:prstDash val="solid"/>
+                    </a:lnTlToBr>
+                    <a:lnBlToTr w="12700" cmpd="sng">
+                      <a:noFill/>
+                      <a:prstDash val="solid"/>
+                    </a:lnBlToTr>
+                    <a:noFill/>
+                  </a:tcPr>
+                </a:tc>
+                <a:tc>
+                  <a:txBody>
+                    <a:bodyPr/>
+                    <a:lstStyle/>
+                    <a:p>
+                      <a:endParaRPr lang="en-US" sz="1100" b="0">
+                        <a:solidFill>
+                          <a:schemeClr val="tx1"/>
+                        </a:solidFill>
+                      </a:endParaRPr>
+                    </a:p>
+                  </a:txBody>
+                  <a:tcPr>
+                    <a:lnL w="9525" cap="flat" cmpd="sng" algn="ctr">
+                      <a:solidFill>
+                        <a:schemeClr val="tx1">
+                          <a:lumMod val="50000"/>
+                          <a:lumOff val="50000"/>
+                        </a:schemeClr>
+                      </a:solidFill>
+                      <a:prstDash val="solid"/>
+                      <a:round/>
+                      <a:headEnd type="none" w="med" len="med"/>
+                      <a:tailEnd type="none" w="med" len="med"/>
+                    </a:lnL>
+                    <a:lnR w="9525" cap="flat" cmpd="sng" algn="ctr">
+                      <a:solidFill>
+                        <a:schemeClr val="tx1">
+                          <a:lumMod val="50000"/>
+                          <a:lumOff val="50000"/>
+                        </a:schemeClr>
+                      </a:solidFill>
+                      <a:prstDash val="solid"/>
+                      <a:round/>
+                      <a:headEnd type="none" w="med" len="med"/>
+                      <a:tailEnd type="none" w="med" len="med"/>
+                    </a:lnR>
+                    <a:lnT w="9525" cap="flat" cmpd="sng" algn="ctr">
+                      <a:solidFill>
+                        <a:schemeClr val="tx1">
+                          <a:lumMod val="50000"/>
+                          <a:lumOff val="50000"/>
+                        </a:schemeClr>
+                      </a:solidFill>
+                      <a:prstDash val="solid"/>
+                      <a:round/>
+                      <a:headEnd type="none" w="med" len="med"/>
+                      <a:tailEnd type="none" w="med" len="med"/>
+                    </a:lnT>
+                    <a:lnB w="9525" cap="flat" cmpd="sng" algn="ctr">
+                      <a:solidFill>
+                        <a:schemeClr val="tx1">
+                          <a:lumMod val="50000"/>
+                          <a:lumOff val="50000"/>
+                        </a:schemeClr>
+                      </a:solidFill>
+                      <a:prstDash val="solid"/>
+                      <a:round/>
+                      <a:headEnd type="none" w="med" len="med"/>
+                      <a:tailEnd type="none" w="med" len="med"/>
+                    </a:lnB>
+                    <a:lnTlToBr w="12700" cmpd="sng">
+                      <a:noFill/>
+                      <a:prstDash val="solid"/>
+                    </a:lnTlToBr>
+                    <a:lnBlToTr w="12700" cmpd="sng">
+                      <a:noFill/>
+                      <a:prstDash val="solid"/>
+                    </a:lnBlToTr>
+                    <a:noFill/>
+                  </a:tcPr>
+                </a:tc>
+                <a:tc>
+                  <a:txBody>
+                    <a:bodyPr/>
+                    <a:lstStyle/>
+                    <a:p>
+                      <a:endParaRPr lang="en-US" sz="1100" b="0">
+                        <a:solidFill>
+                          <a:schemeClr val="tx1"/>
+                        </a:solidFill>
+                      </a:endParaRPr>
+                    </a:p>
+                  </a:txBody>
+                  <a:tcPr>
+                    <a:lnL w="9525" cap="flat" cmpd="sng" algn="ctr">
+                      <a:solidFill>
+                        <a:schemeClr val="tx1">
+                          <a:lumMod val="50000"/>
+                          <a:lumOff val="50000"/>
+                        </a:schemeClr>
+                      </a:solidFill>
+                      <a:prstDash val="solid"/>
+                      <a:round/>
+                      <a:headEnd type="none" w="med" len="med"/>
+                      <a:tailEnd type="none" w="med" len="med"/>
+                    </a:lnL>
+                    <a:lnR w="9525" cap="flat" cmpd="sng" algn="ctr">
+                      <a:solidFill>
+                        <a:schemeClr val="tx1">
+                          <a:lumMod val="50000"/>
+                          <a:lumOff val="50000"/>
+                        </a:schemeClr>
+                      </a:solidFill>
+                      <a:prstDash val="solid"/>
+                      <a:round/>
+                      <a:headEnd type="none" w="med" len="med"/>
+                      <a:tailEnd type="none" w="med" len="med"/>
+                    </a:lnR>
+                    <a:lnT w="9525" cap="flat" cmpd="sng" algn="ctr">
+                      <a:solidFill>
+                        <a:schemeClr val="tx1">
+                          <a:lumMod val="50000"/>
+                          <a:lumOff val="50000"/>
+                        </a:schemeClr>
+                      </a:solidFill>
+                      <a:prstDash val="solid"/>
+                      <a:round/>
+                      <a:headEnd type="none" w="med" len="med"/>
+                      <a:tailEnd type="none" w="med" len="med"/>
+                    </a:lnT>
+                    <a:lnB w="9525" cap="flat" cmpd="sng" algn="ctr">
+                      <a:solidFill>
+                        <a:schemeClr val="tx1">
+                          <a:lumMod val="50000"/>
+                          <a:lumOff val="50000"/>
+                        </a:schemeClr>
+                      </a:solidFill>
+                      <a:prstDash val="solid"/>
+                      <a:round/>
+                      <a:headEnd type="none" w="med" len="med"/>
+                      <a:tailEnd type="none" w="med" len="med"/>
+                    </a:lnB>
+                    <a:lnTlToBr w="12700" cmpd="sng">
+                      <a:noFill/>
+                      <a:prstDash val="solid"/>
+                    </a:lnTlToBr>
+                    <a:lnBlToTr w="12700" cmpd="sng">
+                      <a:noFill/>
+                      <a:prstDash val="solid"/>
+                    </a:lnBlToTr>
+                    <a:noFill/>
+                  </a:tcPr>
+                </a:tc>
+                <a:tc>
+                  <a:txBody>
+                    <a:bodyPr/>
+                    <a:lstStyle/>
+                    <a:p>
+                      <a:endParaRPr lang="en-US" sz="1100" b="0">
+                        <a:solidFill>
+                          <a:schemeClr val="tx1"/>
+                        </a:solidFill>
+                      </a:endParaRPr>
+                    </a:p>
+                  </a:txBody>
+                  <a:tcPr>
+                    <a:lnL w="9525" cap="flat" cmpd="sng" algn="ctr">
+                      <a:solidFill>
+                        <a:schemeClr val="tx1">
+                          <a:lumMod val="50000"/>
+                          <a:lumOff val="50000"/>
+                        </a:schemeClr>
+                      </a:solidFill>
+                      <a:prstDash val="solid"/>
+                      <a:round/>
+                      <a:headEnd type="none" w="med" len="med"/>
+                      <a:tailEnd type="none" w="med" len="med"/>
+                    </a:lnL>
+                    <a:lnR w="9525" cap="flat" cmpd="sng" algn="ctr">
+                      <a:solidFill>
+                        <a:schemeClr val="tx1">
+                          <a:lumMod val="50000"/>
+                          <a:lumOff val="50000"/>
+                        </a:schemeClr>
+                      </a:solidFill>
+                      <a:prstDash val="solid"/>
+                      <a:round/>
+                      <a:headEnd type="none" w="med" len="med"/>
+                      <a:tailEnd type="none" w="med" len="med"/>
+                    </a:lnR>
+                    <a:lnT w="9525" cap="flat" cmpd="sng" algn="ctr">
+                      <a:solidFill>
+                        <a:schemeClr val="tx1">
+                          <a:lumMod val="50000"/>
+                          <a:lumOff val="50000"/>
+                        </a:schemeClr>
+                      </a:solidFill>
+                      <a:prstDash val="solid"/>
+                      <a:round/>
+                      <a:headEnd type="none" w="med" len="med"/>
+                      <a:tailEnd type="none" w="med" len="med"/>
+                    </a:lnT>
+                    <a:lnB w="9525" cap="flat" cmpd="sng" algn="ctr">
+                      <a:solidFill>
+                        <a:schemeClr val="tx1">
+                          <a:lumMod val="50000"/>
+                          <a:lumOff val="50000"/>
+                        </a:schemeClr>
+                      </a:solidFill>
+                      <a:prstDash val="solid"/>
+                      <a:round/>
+                      <a:headEnd type="none" w="med" len="med"/>
+                      <a:tailEnd type="none" w="med" len="med"/>
+                    </a:lnB>
+                    <a:lnTlToBr w="12700" cmpd="sng">
+                      <a:noFill/>
+                      <a:prstDash val="solid"/>
+                    </a:lnTlToBr>
+                    <a:lnBlToTr w="12700" cmpd="sng">
+                      <a:noFill/>
+                      <a:prstDash val="solid"/>
+                    </a:lnBlToTr>
+                    <a:noFill/>
+                  </a:tcPr>
+                </a:tc>
+                <a:tc>
+                  <a:txBody>
+                    <a:bodyPr/>
+                    <a:lstStyle/>
+                    <a:p>
+                      <a:endParaRPr lang="en-US" sz="1100" b="0">
+                        <a:solidFill>
+                          <a:schemeClr val="tx1"/>
+                        </a:solidFill>
+                      </a:endParaRPr>
+                    </a:p>
+                  </a:txBody>
+                  <a:tcPr>
+                    <a:lnL w="9525" cap="flat" cmpd="sng" algn="ctr">
+                      <a:solidFill>
+                        <a:schemeClr val="tx1">
+                          <a:lumMod val="50000"/>
+                          <a:lumOff val="50000"/>
+                        </a:schemeClr>
+                      </a:solidFill>
+                      <a:prstDash val="solid"/>
+                      <a:round/>
+                      <a:headEnd type="none" w="med" len="med"/>
+                      <a:tailEnd type="none" w="med" len="med"/>
+                    </a:lnL>
+                    <a:lnR w="9525" cap="flat" cmpd="sng" algn="ctr">
+                      <a:solidFill>
+                        <a:schemeClr val="tx1">
+                          <a:lumMod val="50000"/>
+                          <a:lumOff val="50000"/>
+                        </a:schemeClr>
+                      </a:solidFill>
+                      <a:prstDash val="solid"/>
+                      <a:round/>
+                      <a:headEnd type="none" w="med" len="med"/>
+                      <a:tailEnd type="none" w="med" len="med"/>
+                    </a:lnR>
+                    <a:lnT w="9525" cap="flat" cmpd="sng" algn="ctr">
+                      <a:solidFill>
+                        <a:schemeClr val="tx1">
+                          <a:lumMod val="50000"/>
+                          <a:lumOff val="50000"/>
+                        </a:schemeClr>
+                      </a:solidFill>
+                      <a:prstDash val="solid"/>
+                      <a:round/>
+                      <a:headEnd type="none" w="med" len="med"/>
+                      <a:tailEnd type="none" w="med" len="med"/>
+                    </a:lnT>
+                    <a:lnB w="9525" cap="flat" cmpd="sng" algn="ctr">
+                      <a:solidFill>
+                        <a:schemeClr val="tx1">
+                          <a:lumMod val="50000"/>
+                          <a:lumOff val="50000"/>
+                        </a:schemeClr>
+                      </a:solidFill>
+                      <a:prstDash val="solid"/>
+                      <a:round/>
+                      <a:headEnd type="none" w="med" len="med"/>
+                      <a:tailEnd type="none" w="med" len="med"/>
+                    </a:lnB>
+                    <a:lnTlToBr w="12700" cmpd="sng">
+                      <a:noFill/>
+                      <a:prstDash val="solid"/>
+                    </a:lnTlToBr>
+                    <a:lnBlToTr w="12700" cmpd="sng">
+                      <a:noFill/>
+                      <a:prstDash val="solid"/>
+                    </a:lnBlToTr>
+                    <a:noFill/>
+                  </a:tcPr>
+                </a:tc>
+                <a:tc>
+                  <a:txBody>
+                    <a:bodyPr/>
+                    <a:lstStyle/>
+                    <a:p>
+                      <a:endParaRPr lang="en-US" sz="1100" b="0">
+                        <a:solidFill>
+                          <a:schemeClr val="tx1"/>
+                        </a:solidFill>
+                      </a:endParaRPr>
+                    </a:p>
+                  </a:txBody>
+                  <a:tcPr>
+                    <a:lnL w="9525" cap="flat" cmpd="sng" algn="ctr">
+                      <a:solidFill>
+                        <a:schemeClr val="tx1">
+                          <a:lumMod val="50000"/>
+                          <a:lumOff val="50000"/>
+                        </a:schemeClr>
+                      </a:solidFill>
+                      <a:prstDash val="solid"/>
+                      <a:round/>
+                      <a:headEnd type="none" w="med" len="med"/>
+                      <a:tailEnd type="none" w="med" len="med"/>
+                    </a:lnL>
+                    <a:lnR w="9525" cap="flat" cmpd="sng" algn="ctr">
+                      <a:solidFill>
+                        <a:schemeClr val="tx1">
+                          <a:lumMod val="50000"/>
+                          <a:lumOff val="50000"/>
+                        </a:schemeClr>
+                      </a:solidFill>
+                      <a:prstDash val="solid"/>
+                      <a:round/>
+                      <a:headEnd type="none" w="med" len="med"/>
+                      <a:tailEnd type="none" w="med" len="med"/>
+                    </a:lnR>
+                    <a:lnT w="9525" cap="flat" cmpd="sng" algn="ctr">
+                      <a:solidFill>
+                        <a:schemeClr val="tx1">
+                          <a:lumMod val="50000"/>
+                          <a:lumOff val="50000"/>
+                        </a:schemeClr>
+                      </a:solidFill>
+                      <a:prstDash val="solid"/>
+                      <a:round/>
+                      <a:headEnd type="none" w="med" len="med"/>
+                      <a:tailEnd type="none" w="med" len="med"/>
+                    </a:lnT>
+                    <a:lnB w="9525" cap="flat" cmpd="sng" algn="ctr">
+                      <a:solidFill>
+                        <a:schemeClr val="tx1">
+                          <a:lumMod val="50000"/>
+                          <a:lumOff val="50000"/>
+                        </a:schemeClr>
+                      </a:solidFill>
+                      <a:prstDash val="solid"/>
+                      <a:round/>
+                      <a:headEnd type="none" w="med" len="med"/>
+                      <a:tailEnd type="none" w="med" len="med"/>
+                    </a:lnB>
+                    <a:lnTlToBr w="12700" cmpd="sng">
+                      <a:noFill/>
+                      <a:prstDash val="solid"/>
+                    </a:lnTlToBr>
+                    <a:lnBlToTr w="12700" cmpd="sng">
+                      <a:noFill/>
+                      <a:prstDash val="solid"/>
+                    </a:lnBlToTr>
+                    <a:noFill/>
+                  </a:tcPr>
+                </a:tc>
+                <a:extLst>
+                  <a:ext uri="{0D108BD9-81ED-4DB2-BD59-A6C34878D82A}">
+                    <a16:rowId xmlns:a16="http://schemas.microsoft.com/office/drawing/2014/main" val="4283174012"/>
+                  </a:ext>
+                </a:extLst>
+              </a:tr>
+              <a:tr h="724074">
+                <a:tc>
+                  <a:txBody>
+                    <a:bodyPr/>
+                    <a:lstStyle/>
+                    <a:p>
+                      <a:r>
+                        <a:rPr lang="en-US" sz="1100" b="0">
+                          <a:solidFill>
+                            <a:schemeClr val="tx1"/>
+                          </a:solidFill>
+                        </a:rPr>
+                        <a:t>Scot,  Wales, NI</a:t>
+                      </a:r>
+                    </a:p>
+                    <a:p>
+                      <a:r>
+                        <a:rPr lang="en-US" sz="1100" b="0">
+                          <a:solidFill>
+                            <a:schemeClr val="tx1"/>
+                          </a:solidFill>
+                        </a:rPr>
+                        <a:t>system teams</a:t>
+                      </a:r>
+                    </a:p>
+                  </a:txBody>
+                  <a:tcPr anchor="ctr">
+                    <a:lnL w="9525" cap="flat" cmpd="sng" algn="ctr">
+                      <a:solidFill>
+                        <a:schemeClr val="tx1">
+                          <a:lumMod val="50000"/>
+                          <a:lumOff val="50000"/>
+                        </a:schemeClr>
+                      </a:solidFill>
+                      <a:prstDash val="solid"/>
+                      <a:round/>
+                      <a:headEnd type="none" w="med" len="med"/>
+                      <a:tailEnd type="none" w="med" len="med"/>
+                    </a:lnL>
+                    <a:lnR w="9525" cap="flat" cmpd="sng" algn="ctr">
+                      <a:solidFill>
+                        <a:schemeClr val="tx1">
+                          <a:lumMod val="50000"/>
+                          <a:lumOff val="50000"/>
+                        </a:schemeClr>
+                      </a:solidFill>
+                      <a:prstDash val="solid"/>
+                      <a:round/>
+                      <a:headEnd type="none" w="med" len="med"/>
+                      <a:tailEnd type="none" w="med" len="med"/>
+                    </a:lnR>
+                    <a:lnT w="9525" cap="flat" cmpd="sng" algn="ctr">
+                      <a:solidFill>
+                        <a:schemeClr val="tx1">
+                          <a:lumMod val="50000"/>
+                          <a:lumOff val="50000"/>
+                        </a:schemeClr>
+                      </a:solidFill>
+                      <a:prstDash val="solid"/>
+                      <a:round/>
+                      <a:headEnd type="none" w="med" len="med"/>
+                      <a:tailEnd type="none" w="med" len="med"/>
+                    </a:lnT>
+                    <a:lnB w="9525" cap="flat" cmpd="sng" algn="ctr">
+                      <a:solidFill>
+                        <a:schemeClr val="tx1">
+                          <a:lumMod val="50000"/>
+                          <a:lumOff val="50000"/>
+                        </a:schemeClr>
+                      </a:solidFill>
+                      <a:prstDash val="solid"/>
+                      <a:round/>
+                      <a:headEnd type="none" w="med" len="med"/>
+                      <a:tailEnd type="none" w="med" len="med"/>
+                    </a:lnB>
+                    <a:lnTlToBr w="12700" cmpd="sng">
+                      <a:noFill/>
+                      <a:prstDash val="solid"/>
+                    </a:lnTlToBr>
+                    <a:lnBlToTr w="12700" cmpd="sng">
+                      <a:noFill/>
+                      <a:prstDash val="solid"/>
+                    </a:lnBlToTr>
+                    <a:noFill/>
+                  </a:tcPr>
+                </a:tc>
+                <a:tc>
+                  <a:txBody>
+                    <a:bodyPr/>
+                    <a:lstStyle/>
+                    <a:p>
+                      <a:endParaRPr lang="en-US" sz="1100" b="0" dirty="0">
+                        <a:solidFill>
+                          <a:schemeClr val="tx1"/>
+                        </a:solidFill>
+                      </a:endParaRPr>
+                    </a:p>
+                  </a:txBody>
+                  <a:tcPr>
+                    <a:lnL w="9525" cap="flat" cmpd="sng" algn="ctr">
+                      <a:solidFill>
+                        <a:schemeClr val="tx1">
+                          <a:lumMod val="50000"/>
+                          <a:lumOff val="50000"/>
+                        </a:schemeClr>
+                      </a:solidFill>
+                      <a:prstDash val="solid"/>
+                      <a:round/>
+                      <a:headEnd type="none" w="med" len="med"/>
+                      <a:tailEnd type="none" w="med" len="med"/>
+                    </a:lnL>
+                    <a:lnR w="9525" cap="flat" cmpd="sng" algn="ctr">
+                      <a:solidFill>
+                        <a:schemeClr val="tx1">
+                          <a:lumMod val="50000"/>
+                          <a:lumOff val="50000"/>
+                        </a:schemeClr>
+                      </a:solidFill>
+                      <a:prstDash val="solid"/>
+                      <a:round/>
+                      <a:headEnd type="none" w="med" len="med"/>
+                      <a:tailEnd type="none" w="med" len="med"/>
+                    </a:lnR>
+                    <a:lnT w="9525" cap="flat" cmpd="sng" algn="ctr">
+                      <a:solidFill>
+                        <a:schemeClr val="tx1">
+                          <a:lumMod val="50000"/>
+                          <a:lumOff val="50000"/>
+                        </a:schemeClr>
+                      </a:solidFill>
+                      <a:prstDash val="solid"/>
+                      <a:round/>
+                      <a:headEnd type="none" w="med" len="med"/>
+                      <a:tailEnd type="none" w="med" len="med"/>
+                    </a:lnT>
+                    <a:lnB w="9525" cap="flat" cmpd="sng" algn="ctr">
+                      <a:solidFill>
+                        <a:schemeClr val="tx1">
+                          <a:lumMod val="50000"/>
+                          <a:lumOff val="50000"/>
+                        </a:schemeClr>
+                      </a:solidFill>
+                      <a:prstDash val="solid"/>
+                      <a:round/>
+                      <a:headEnd type="none" w="med" len="med"/>
+                      <a:tailEnd type="none" w="med" len="med"/>
+                    </a:lnB>
+                    <a:lnTlToBr w="12700" cmpd="sng">
+                      <a:noFill/>
+                      <a:prstDash val="solid"/>
+                    </a:lnTlToBr>
+                    <a:lnBlToTr w="12700" cmpd="sng">
+                      <a:noFill/>
+                      <a:prstDash val="solid"/>
+                    </a:lnBlToTr>
+                    <a:noFill/>
+                  </a:tcPr>
+                </a:tc>
+                <a:tc>
+                  <a:txBody>
+                    <a:bodyPr/>
+                    <a:lstStyle/>
+                    <a:p>
+                      <a:endParaRPr lang="en-US" sz="1100" b="0">
+                        <a:solidFill>
+                          <a:schemeClr val="tx1"/>
+                        </a:solidFill>
+                      </a:endParaRPr>
+                    </a:p>
+                  </a:txBody>
+                  <a:tcPr>
+                    <a:lnL w="9525" cap="flat" cmpd="sng" algn="ctr">
+                      <a:solidFill>
+                        <a:schemeClr val="tx1">
+                          <a:lumMod val="50000"/>
+                          <a:lumOff val="50000"/>
+                        </a:schemeClr>
+                      </a:solidFill>
+                      <a:prstDash val="solid"/>
+                      <a:round/>
+                      <a:headEnd type="none" w="med" len="med"/>
+                      <a:tailEnd type="none" w="med" len="med"/>
+                    </a:lnL>
+                    <a:lnR w="9525" cap="flat" cmpd="sng" algn="ctr">
+                      <a:solidFill>
+                        <a:schemeClr val="tx1">
+                          <a:lumMod val="50000"/>
+                          <a:lumOff val="50000"/>
+                        </a:schemeClr>
+                      </a:solidFill>
+                      <a:prstDash val="solid"/>
+                      <a:round/>
+                      <a:headEnd type="none" w="med" len="med"/>
+                      <a:tailEnd type="none" w="med" len="med"/>
+                    </a:lnR>
+                    <a:lnT w="9525" cap="flat" cmpd="sng" algn="ctr">
+                      <a:solidFill>
+                        <a:schemeClr val="tx1">
+                          <a:lumMod val="50000"/>
+                          <a:lumOff val="50000"/>
+                        </a:schemeClr>
+                      </a:solidFill>
+                      <a:prstDash val="solid"/>
+                      <a:round/>
+                      <a:headEnd type="none" w="med" len="med"/>
+                      <a:tailEnd type="none" w="med" len="med"/>
+                    </a:lnT>
+                    <a:lnB w="9525" cap="flat" cmpd="sng" algn="ctr">
+                      <a:solidFill>
+                        <a:schemeClr val="tx1">
+                          <a:lumMod val="50000"/>
+                          <a:lumOff val="50000"/>
+                        </a:schemeClr>
+                      </a:solidFill>
+                      <a:prstDash val="solid"/>
+                      <a:round/>
+                      <a:headEnd type="none" w="med" len="med"/>
+                      <a:tailEnd type="none" w="med" len="med"/>
+                    </a:lnB>
+                    <a:lnTlToBr w="12700" cmpd="sng">
+                      <a:noFill/>
+                      <a:prstDash val="solid"/>
+                    </a:lnTlToBr>
+                    <a:lnBlToTr w="12700" cmpd="sng">
+                      <a:noFill/>
+                      <a:prstDash val="solid"/>
+                    </a:lnBlToTr>
+                    <a:noFill/>
+                  </a:tcPr>
+                </a:tc>
+                <a:tc>
+                  <a:txBody>
+                    <a:bodyPr/>
+                    <a:lstStyle/>
+                    <a:p>
+                      <a:endParaRPr lang="en-US" sz="1100" b="0">
+                        <a:solidFill>
+                          <a:schemeClr val="tx1"/>
+                        </a:solidFill>
+                      </a:endParaRPr>
+                    </a:p>
+                  </a:txBody>
+                  <a:tcPr>
+                    <a:lnL w="9525" cap="flat" cmpd="sng" algn="ctr">
+                      <a:solidFill>
+                        <a:schemeClr val="tx1">
+                          <a:lumMod val="50000"/>
+                          <a:lumOff val="50000"/>
+                        </a:schemeClr>
+                      </a:solidFill>
+                      <a:prstDash val="solid"/>
+                      <a:round/>
+                      <a:headEnd type="none" w="med" len="med"/>
+                      <a:tailEnd type="none" w="med" len="med"/>
+                    </a:lnL>
+                    <a:lnR w="9525" cap="flat" cmpd="sng" algn="ctr">
+                      <a:solidFill>
+                        <a:schemeClr val="tx1">
+                          <a:lumMod val="50000"/>
+                          <a:lumOff val="50000"/>
+                        </a:schemeClr>
+                      </a:solidFill>
+                      <a:prstDash val="solid"/>
+                      <a:round/>
+                      <a:headEnd type="none" w="med" len="med"/>
+                      <a:tailEnd type="none" w="med" len="med"/>
+                    </a:lnR>
+                    <a:lnT w="9525" cap="flat" cmpd="sng" algn="ctr">
+                      <a:solidFill>
+                        <a:schemeClr val="tx1">
+                          <a:lumMod val="50000"/>
+                          <a:lumOff val="50000"/>
+                        </a:schemeClr>
+                      </a:solidFill>
+                      <a:prstDash val="solid"/>
+                      <a:round/>
+                      <a:headEnd type="none" w="med" len="med"/>
+                      <a:tailEnd type="none" w="med" len="med"/>
+                    </a:lnT>
+                    <a:lnB w="9525" cap="flat" cmpd="sng" algn="ctr">
+                      <a:solidFill>
+                        <a:schemeClr val="tx1">
+                          <a:lumMod val="50000"/>
+                          <a:lumOff val="50000"/>
+                        </a:schemeClr>
+                      </a:solidFill>
+                      <a:prstDash val="solid"/>
+                      <a:round/>
+                      <a:headEnd type="none" w="med" len="med"/>
+                      <a:tailEnd type="none" w="med" len="med"/>
+                    </a:lnB>
+                    <a:lnTlToBr w="12700" cmpd="sng">
+                      <a:noFill/>
+                      <a:prstDash val="solid"/>
+                    </a:lnTlToBr>
+                    <a:lnBlToTr w="12700" cmpd="sng">
+                      <a:noFill/>
+                      <a:prstDash val="solid"/>
+                    </a:lnBlToTr>
+                    <a:noFill/>
+                  </a:tcPr>
+                </a:tc>
+                <a:tc>
+                  <a:txBody>
+                    <a:bodyPr/>
+                    <a:lstStyle/>
+                    <a:p>
+                      <a:endParaRPr lang="en-US" sz="1100" b="0">
+                        <a:solidFill>
+                          <a:schemeClr val="tx1"/>
+                        </a:solidFill>
+                      </a:endParaRPr>
+                    </a:p>
+                  </a:txBody>
+                  <a:tcPr>
+                    <a:lnL w="9525" cap="flat" cmpd="sng" algn="ctr">
+                      <a:solidFill>
+                        <a:schemeClr val="tx1">
+                          <a:lumMod val="50000"/>
+                          <a:lumOff val="50000"/>
+                        </a:schemeClr>
+                      </a:solidFill>
+                      <a:prstDash val="solid"/>
+                      <a:round/>
+                      <a:headEnd type="none" w="med" len="med"/>
+                      <a:tailEnd type="none" w="med" len="med"/>
+                    </a:lnL>
+                    <a:lnR w="9525" cap="flat" cmpd="sng" algn="ctr">
+                      <a:solidFill>
+                        <a:schemeClr val="tx1">
+                          <a:lumMod val="50000"/>
+                          <a:lumOff val="50000"/>
+                        </a:schemeClr>
+                      </a:solidFill>
+                      <a:prstDash val="solid"/>
+                      <a:round/>
+                      <a:headEnd type="none" w="med" len="med"/>
+                      <a:tailEnd type="none" w="med" len="med"/>
+                    </a:lnR>
+                    <a:lnT w="9525" cap="flat" cmpd="sng" algn="ctr">
+                      <a:solidFill>
+                        <a:schemeClr val="tx1">
+                          <a:lumMod val="50000"/>
+                          <a:lumOff val="50000"/>
+                        </a:schemeClr>
+                      </a:solidFill>
+                      <a:prstDash val="solid"/>
+                      <a:round/>
+                      <a:headEnd type="none" w="med" len="med"/>
+                      <a:tailEnd type="none" w="med" len="med"/>
+                    </a:lnT>
+                    <a:lnB w="9525" cap="flat" cmpd="sng" algn="ctr">
+                      <a:solidFill>
+                        <a:schemeClr val="tx1">
+                          <a:lumMod val="50000"/>
+                          <a:lumOff val="50000"/>
+                        </a:schemeClr>
+                      </a:solidFill>
+                      <a:prstDash val="solid"/>
+                      <a:round/>
+                      <a:headEnd type="none" w="med" len="med"/>
+                      <a:tailEnd type="none" w="med" len="med"/>
+                    </a:lnB>
+                    <a:lnTlToBr w="12700" cmpd="sng">
+                      <a:noFill/>
+                      <a:prstDash val="solid"/>
+                    </a:lnTlToBr>
+                    <a:lnBlToTr w="12700" cmpd="sng">
+                      <a:noFill/>
+                      <a:prstDash val="solid"/>
+                    </a:lnBlToTr>
+                    <a:noFill/>
+                  </a:tcPr>
+                </a:tc>
+                <a:tc>
+                  <a:txBody>
+                    <a:bodyPr/>
+                    <a:lstStyle/>
+                    <a:p>
+                      <a:endParaRPr lang="en-US" sz="1100" b="0">
+                        <a:solidFill>
+                          <a:schemeClr val="tx1"/>
+                        </a:solidFill>
+                      </a:endParaRPr>
+                    </a:p>
+                  </a:txBody>
+                  <a:tcPr>
+                    <a:lnL w="9525" cap="flat" cmpd="sng" algn="ctr">
+                      <a:solidFill>
+                        <a:schemeClr val="tx1">
+                          <a:lumMod val="50000"/>
+                          <a:lumOff val="50000"/>
+                        </a:schemeClr>
+                      </a:solidFill>
+                      <a:prstDash val="solid"/>
+                      <a:round/>
+                      <a:headEnd type="none" w="med" len="med"/>
+                      <a:tailEnd type="none" w="med" len="med"/>
+                    </a:lnL>
+                    <a:lnR w="9525" cap="flat" cmpd="sng" algn="ctr">
+                      <a:solidFill>
+                        <a:schemeClr val="tx1">
+                          <a:lumMod val="50000"/>
+                          <a:lumOff val="50000"/>
+                        </a:schemeClr>
+                      </a:solidFill>
+                      <a:prstDash val="solid"/>
+                      <a:round/>
+                      <a:headEnd type="none" w="med" len="med"/>
+                      <a:tailEnd type="none" w="med" len="med"/>
+                    </a:lnR>
+                    <a:lnT w="9525" cap="flat" cmpd="sng" algn="ctr">
+                      <a:solidFill>
+                        <a:schemeClr val="tx1">
+                          <a:lumMod val="50000"/>
+                          <a:lumOff val="50000"/>
+                        </a:schemeClr>
+                      </a:solidFill>
+                      <a:prstDash val="solid"/>
+                      <a:round/>
+                      <a:headEnd type="none" w="med" len="med"/>
+                      <a:tailEnd type="none" w="med" len="med"/>
+                    </a:lnT>
+                    <a:lnB w="9525" cap="flat" cmpd="sng" algn="ctr">
+                      <a:solidFill>
+                        <a:schemeClr val="tx1">
+                          <a:lumMod val="50000"/>
+                          <a:lumOff val="50000"/>
+                        </a:schemeClr>
+                      </a:solidFill>
+                      <a:prstDash val="solid"/>
+                      <a:round/>
+                      <a:headEnd type="none" w="med" len="med"/>
+                      <a:tailEnd type="none" w="med" len="med"/>
+                    </a:lnB>
+                    <a:lnTlToBr w="12700" cmpd="sng">
+                      <a:noFill/>
+                      <a:prstDash val="solid"/>
+                    </a:lnTlToBr>
+                    <a:lnBlToTr w="12700" cmpd="sng">
+                      <a:noFill/>
+                      <a:prstDash val="solid"/>
+                    </a:lnBlToTr>
+                    <a:noFill/>
+                  </a:tcPr>
+                </a:tc>
+                <a:tc>
+                  <a:txBody>
+                    <a:bodyPr/>
+                    <a:lstStyle/>
+                    <a:p>
+                      <a:endParaRPr lang="en-US" sz="1100" b="0">
+                        <a:solidFill>
+                          <a:schemeClr val="tx1"/>
+                        </a:solidFill>
+                      </a:endParaRPr>
+                    </a:p>
+                  </a:txBody>
+                  <a:tcPr>
+                    <a:lnL w="9525" cap="flat" cmpd="sng" algn="ctr">
+                      <a:solidFill>
+                        <a:schemeClr val="tx1">
+                          <a:lumMod val="50000"/>
+                          <a:lumOff val="50000"/>
+                        </a:schemeClr>
+                      </a:solidFill>
+                      <a:prstDash val="solid"/>
+                      <a:round/>
+                      <a:headEnd type="none" w="med" len="med"/>
+                      <a:tailEnd type="none" w="med" len="med"/>
+                    </a:lnL>
+                    <a:lnR w="9525" cap="flat" cmpd="sng" algn="ctr">
+                      <a:solidFill>
+                        <a:schemeClr val="tx1">
+                          <a:lumMod val="50000"/>
+                          <a:lumOff val="50000"/>
+                        </a:schemeClr>
+                      </a:solidFill>
+                      <a:prstDash val="solid"/>
+                      <a:round/>
+                      <a:headEnd type="none" w="med" len="med"/>
+                      <a:tailEnd type="none" w="med" len="med"/>
+                    </a:lnR>
+                    <a:lnT w="9525" cap="flat" cmpd="sng" algn="ctr">
+                      <a:solidFill>
+                        <a:schemeClr val="tx1">
+                          <a:lumMod val="50000"/>
+                          <a:lumOff val="50000"/>
+                        </a:schemeClr>
+                      </a:solidFill>
+                      <a:prstDash val="solid"/>
+                      <a:round/>
+                      <a:headEnd type="none" w="med" len="med"/>
+                      <a:tailEnd type="none" w="med" len="med"/>
+                    </a:lnT>
+                    <a:lnB w="9525" cap="flat" cmpd="sng" algn="ctr">
+                      <a:solidFill>
+                        <a:schemeClr val="tx1">
+                          <a:lumMod val="50000"/>
+                          <a:lumOff val="50000"/>
+                        </a:schemeClr>
+                      </a:solidFill>
+                      <a:prstDash val="solid"/>
+                      <a:round/>
+                      <a:headEnd type="none" w="med" len="med"/>
+                      <a:tailEnd type="none" w="med" len="med"/>
+                    </a:lnB>
+                    <a:lnTlToBr w="12700" cmpd="sng">
+                      <a:noFill/>
+                      <a:prstDash val="solid"/>
+                    </a:lnTlToBr>
+                    <a:lnBlToTr w="12700" cmpd="sng">
+                      <a:noFill/>
+                      <a:prstDash val="solid"/>
+                    </a:lnBlToTr>
+                    <a:noFill/>
+                  </a:tcPr>
+                </a:tc>
+                <a:tc>
+                  <a:txBody>
+                    <a:bodyPr/>
+                    <a:lstStyle/>
+                    <a:p>
+                      <a:endParaRPr lang="en-US" sz="1100" b="0">
+                        <a:solidFill>
+                          <a:schemeClr val="tx1"/>
+                        </a:solidFill>
+                      </a:endParaRPr>
+                    </a:p>
+                  </a:txBody>
+                  <a:tcPr>
+                    <a:lnL w="9525" cap="flat" cmpd="sng" algn="ctr">
+                      <a:solidFill>
+                        <a:schemeClr val="tx1">
+                          <a:lumMod val="50000"/>
+                          <a:lumOff val="50000"/>
+                        </a:schemeClr>
+                      </a:solidFill>
+                      <a:prstDash val="solid"/>
+                      <a:round/>
+                      <a:headEnd type="none" w="med" len="med"/>
+                      <a:tailEnd type="none" w="med" len="med"/>
+                    </a:lnL>
+                    <a:lnR w="9525" cap="flat" cmpd="sng" algn="ctr">
+                      <a:solidFill>
+                        <a:schemeClr val="tx1">
+                          <a:lumMod val="50000"/>
+                          <a:lumOff val="50000"/>
+                        </a:schemeClr>
+                      </a:solidFill>
+                      <a:prstDash val="solid"/>
+                      <a:round/>
+                      <a:headEnd type="none" w="med" len="med"/>
+                      <a:tailEnd type="none" w="med" len="med"/>
+                    </a:lnR>
+                    <a:lnT w="9525" cap="flat" cmpd="sng" algn="ctr">
+                      <a:solidFill>
+                        <a:schemeClr val="tx1">
+                          <a:lumMod val="50000"/>
+                          <a:lumOff val="50000"/>
+                        </a:schemeClr>
+                      </a:solidFill>
+                      <a:prstDash val="solid"/>
+                      <a:round/>
+                      <a:headEnd type="none" w="med" len="med"/>
+                      <a:tailEnd type="none" w="med" len="med"/>
+                    </a:lnT>
+                    <a:lnB w="9525" cap="flat" cmpd="sng" algn="ctr">
+                      <a:solidFill>
+                        <a:schemeClr val="tx1">
+                          <a:lumMod val="50000"/>
+                          <a:lumOff val="50000"/>
+                        </a:schemeClr>
+                      </a:solidFill>
+                      <a:prstDash val="solid"/>
+                      <a:round/>
+                      <a:headEnd type="none" w="med" len="med"/>
+                      <a:tailEnd type="none" w="med" len="med"/>
+                    </a:lnB>
+                    <a:lnTlToBr w="12700" cmpd="sng">
+                      <a:noFill/>
+                      <a:prstDash val="solid"/>
+                    </a:lnTlToBr>
+                    <a:lnBlToTr w="12700" cmpd="sng">
+                      <a:noFill/>
+                      <a:prstDash val="solid"/>
+                    </a:lnBlToTr>
+                    <a:noFill/>
+                  </a:tcPr>
+                </a:tc>
+                <a:tc>
+                  <a:txBody>
+                    <a:bodyPr/>
+                    <a:lstStyle/>
+                    <a:p>
+                      <a:endParaRPr lang="en-US" sz="1100" b="0">
+                        <a:solidFill>
+                          <a:schemeClr val="tx1"/>
+                        </a:solidFill>
+                      </a:endParaRPr>
+                    </a:p>
+                  </a:txBody>
+                  <a:tcPr>
+                    <a:lnL w="9525" cap="flat" cmpd="sng" algn="ctr">
+                      <a:solidFill>
+                        <a:schemeClr val="tx1">
+                          <a:lumMod val="50000"/>
+                          <a:lumOff val="50000"/>
+                        </a:schemeClr>
+                      </a:solidFill>
+                      <a:prstDash val="solid"/>
+                      <a:round/>
+                      <a:headEnd type="none" w="med" len="med"/>
+                      <a:tailEnd type="none" w="med" len="med"/>
+                    </a:lnL>
+                    <a:lnR w="9525" cap="flat" cmpd="sng" algn="ctr">
+                      <a:solidFill>
+                        <a:schemeClr val="tx1">
+                          <a:lumMod val="50000"/>
+                          <a:lumOff val="50000"/>
+                        </a:schemeClr>
+                      </a:solidFill>
+                      <a:prstDash val="solid"/>
+                      <a:round/>
+                      <a:headEnd type="none" w="med" len="med"/>
+                      <a:tailEnd type="none" w="med" len="med"/>
+                    </a:lnR>
+                    <a:lnT w="9525" cap="flat" cmpd="sng" algn="ctr">
+                      <a:solidFill>
+                        <a:schemeClr val="tx1">
+                          <a:lumMod val="50000"/>
+                          <a:lumOff val="50000"/>
+                        </a:schemeClr>
+                      </a:solidFill>
+                      <a:prstDash val="solid"/>
+                      <a:round/>
+                      <a:headEnd type="none" w="med" len="med"/>
+                      <a:tailEnd type="none" w="med" len="med"/>
+                    </a:lnT>
+                    <a:lnB w="9525" cap="flat" cmpd="sng" algn="ctr">
+                      <a:solidFill>
+                        <a:schemeClr val="tx1">
+                          <a:lumMod val="50000"/>
+                          <a:lumOff val="50000"/>
+                        </a:schemeClr>
+                      </a:solidFill>
+                      <a:prstDash val="solid"/>
+                      <a:round/>
+                      <a:headEnd type="none" w="med" len="med"/>
+                      <a:tailEnd type="none" w="med" len="med"/>
+                    </a:lnB>
+                    <a:lnTlToBr w="12700" cmpd="sng">
+                      <a:noFill/>
+                      <a:prstDash val="solid"/>
+                    </a:lnTlToBr>
+                    <a:lnBlToTr w="12700" cmpd="sng">
+                      <a:noFill/>
+                      <a:prstDash val="solid"/>
+                    </a:lnBlToTr>
+                    <a:noFill/>
+                  </a:tcPr>
+                </a:tc>
+                <a:tc>
+                  <a:txBody>
+                    <a:bodyPr/>
+                    <a:lstStyle/>
+                    <a:p>
+                      <a:endParaRPr lang="en-US" sz="1100" b="0">
+                        <a:solidFill>
+                          <a:schemeClr val="tx1"/>
+                        </a:solidFill>
+                      </a:endParaRPr>
+                    </a:p>
+                  </a:txBody>
+                  <a:tcPr>
+                    <a:lnL w="9525" cap="flat" cmpd="sng" algn="ctr">
+                      <a:solidFill>
+                        <a:schemeClr val="tx1">
+                          <a:lumMod val="50000"/>
+                          <a:lumOff val="50000"/>
+                        </a:schemeClr>
+                      </a:solidFill>
+                      <a:prstDash val="solid"/>
+                      <a:round/>
+                      <a:headEnd type="none" w="med" len="med"/>
+                      <a:tailEnd type="none" w="med" len="med"/>
+                    </a:lnL>
+                    <a:lnR w="9525" cap="flat" cmpd="sng" algn="ctr">
+                      <a:solidFill>
+                        <a:schemeClr val="tx1">
+                          <a:lumMod val="50000"/>
+                          <a:lumOff val="50000"/>
+                        </a:schemeClr>
+                      </a:solidFill>
+                      <a:prstDash val="solid"/>
+                      <a:round/>
+                      <a:headEnd type="none" w="med" len="med"/>
+                      <a:tailEnd type="none" w="med" len="med"/>
+                    </a:lnR>
+                    <a:lnT w="9525" cap="flat" cmpd="sng" algn="ctr">
+                      <a:solidFill>
+                        <a:schemeClr val="tx1">
+                          <a:lumMod val="50000"/>
+                          <a:lumOff val="50000"/>
+                        </a:schemeClr>
+                      </a:solidFill>
+                      <a:prstDash val="solid"/>
+                      <a:round/>
+                      <a:headEnd type="none" w="med" len="med"/>
+                      <a:tailEnd type="none" w="med" len="med"/>
+                    </a:lnT>
+                    <a:lnB w="9525" cap="flat" cmpd="sng" algn="ctr">
+                      <a:solidFill>
+                        <a:schemeClr val="tx1">
+                          <a:lumMod val="50000"/>
+                          <a:lumOff val="50000"/>
+                        </a:schemeClr>
+                      </a:solidFill>
+                      <a:prstDash val="solid"/>
+                      <a:round/>
+                      <a:headEnd type="none" w="med" len="med"/>
+                      <a:tailEnd type="none" w="med" len="med"/>
+                    </a:lnB>
+                    <a:lnTlToBr w="12700" cmpd="sng">
+                      <a:noFill/>
+                      <a:prstDash val="solid"/>
+                    </a:lnTlToBr>
+                    <a:lnBlToTr w="12700" cmpd="sng">
+                      <a:noFill/>
+                      <a:prstDash val="solid"/>
+                    </a:lnBlToTr>
+                    <a:noFill/>
+                  </a:tcPr>
+                </a:tc>
+                <a:tc>
+                  <a:txBody>
+                    <a:bodyPr/>
+                    <a:lstStyle/>
+                    <a:p>
+                      <a:endParaRPr lang="en-US" sz="1100" b="0">
+                        <a:solidFill>
+                          <a:schemeClr val="tx1"/>
+                        </a:solidFill>
+                      </a:endParaRPr>
+                    </a:p>
+                  </a:txBody>
+                  <a:tcPr>
+                    <a:lnL w="9525" cap="flat" cmpd="sng" algn="ctr">
+                      <a:solidFill>
+                        <a:schemeClr val="tx1">
+                          <a:lumMod val="50000"/>
+                          <a:lumOff val="50000"/>
+                        </a:schemeClr>
+                      </a:solidFill>
+                      <a:prstDash val="solid"/>
+                      <a:round/>
+                      <a:headEnd type="none" w="med" len="med"/>
+                      <a:tailEnd type="none" w="med" len="med"/>
+                    </a:lnL>
+                    <a:lnR w="9525" cap="flat" cmpd="sng" algn="ctr">
+                      <a:solidFill>
+                        <a:schemeClr val="tx1">
+                          <a:lumMod val="50000"/>
+                          <a:lumOff val="50000"/>
+                        </a:schemeClr>
+                      </a:solidFill>
+                      <a:prstDash val="solid"/>
+                      <a:round/>
+                      <a:headEnd type="none" w="med" len="med"/>
+                      <a:tailEnd type="none" w="med" len="med"/>
+                    </a:lnR>
+                    <a:lnT w="9525" cap="flat" cmpd="sng" algn="ctr">
+                      <a:solidFill>
+                        <a:schemeClr val="tx1">
+                          <a:lumMod val="50000"/>
+                          <a:lumOff val="50000"/>
+                        </a:schemeClr>
+                      </a:solidFill>
+                      <a:prstDash val="solid"/>
+                      <a:round/>
+                      <a:headEnd type="none" w="med" len="med"/>
+                      <a:tailEnd type="none" w="med" len="med"/>
+                    </a:lnT>
+                    <a:lnB w="9525" cap="flat" cmpd="sng" algn="ctr">
+                      <a:solidFill>
+                        <a:schemeClr val="tx1">
+                          <a:lumMod val="50000"/>
+                          <a:lumOff val="50000"/>
+                        </a:schemeClr>
+                      </a:solidFill>
+                      <a:prstDash val="solid"/>
+                      <a:round/>
+                      <a:headEnd type="none" w="med" len="med"/>
+                      <a:tailEnd type="none" w="med" len="med"/>
+                    </a:lnB>
+                    <a:lnTlToBr w="12700" cmpd="sng">
+                      <a:noFill/>
+                      <a:prstDash val="solid"/>
+                    </a:lnTlToBr>
+                    <a:lnBlToTr w="12700" cmpd="sng">
+                      <a:noFill/>
+                      <a:prstDash val="solid"/>
+                    </a:lnBlToTr>
+                    <a:noFill/>
+                  </a:tcPr>
+                </a:tc>
+                <a:tc>
+                  <a:txBody>
+                    <a:bodyPr/>
+                    <a:lstStyle/>
+                    <a:p>
+                      <a:endParaRPr lang="en-US" sz="1100" b="0">
+                        <a:solidFill>
+                          <a:schemeClr val="tx1"/>
+                        </a:solidFill>
+                      </a:endParaRPr>
+                    </a:p>
+                  </a:txBody>
+                  <a:tcPr>
+                    <a:lnL w="9525" cap="flat" cmpd="sng" algn="ctr">
+                      <a:solidFill>
+                        <a:schemeClr val="tx1">
+                          <a:lumMod val="50000"/>
+                          <a:lumOff val="50000"/>
+                        </a:schemeClr>
+                      </a:solidFill>
+                      <a:prstDash val="solid"/>
+                      <a:round/>
+                      <a:headEnd type="none" w="med" len="med"/>
+                      <a:tailEnd type="none" w="med" len="med"/>
+                    </a:lnL>
+                    <a:lnR w="9525" cap="flat" cmpd="sng" algn="ctr">
+                      <a:solidFill>
+                        <a:schemeClr val="tx1">
+                          <a:lumMod val="50000"/>
+                          <a:lumOff val="50000"/>
+                        </a:schemeClr>
+                      </a:solidFill>
+                      <a:prstDash val="solid"/>
+                      <a:round/>
+                      <a:headEnd type="none" w="med" len="med"/>
+                      <a:tailEnd type="none" w="med" len="med"/>
+                    </a:lnR>
+                    <a:lnT w="9525" cap="flat" cmpd="sng" algn="ctr">
+                      <a:solidFill>
+                        <a:schemeClr val="tx1">
+                          <a:lumMod val="50000"/>
+                          <a:lumOff val="50000"/>
+                        </a:schemeClr>
+                      </a:solidFill>
+                      <a:prstDash val="solid"/>
+                      <a:round/>
+                      <a:headEnd type="none" w="med" len="med"/>
+                      <a:tailEnd type="none" w="med" len="med"/>
+                    </a:lnT>
+                    <a:lnB w="9525" cap="flat" cmpd="sng" algn="ctr">
+                      <a:solidFill>
+                        <a:schemeClr val="tx1">
+                          <a:lumMod val="50000"/>
+                          <a:lumOff val="50000"/>
+                        </a:schemeClr>
+                      </a:solidFill>
+                      <a:prstDash val="solid"/>
+                      <a:round/>
+                      <a:headEnd type="none" w="med" len="med"/>
+                      <a:tailEnd type="none" w="med" len="med"/>
+                    </a:lnB>
+                    <a:lnTlToBr w="12700" cmpd="sng">
+                      <a:noFill/>
+                      <a:prstDash val="solid"/>
+                    </a:lnTlToBr>
+                    <a:lnBlToTr w="12700" cmpd="sng">
+                      <a:noFill/>
+                      <a:prstDash val="solid"/>
+                    </a:lnBlToTr>
+                    <a:noFill/>
+                  </a:tcPr>
+                </a:tc>
+                <a:tc>
+                  <a:txBody>
+                    <a:bodyPr/>
+                    <a:lstStyle/>
+                    <a:p>
+                      <a:endParaRPr lang="en-US" sz="1100" b="0">
+                        <a:solidFill>
+                          <a:schemeClr val="tx1"/>
+                        </a:solidFill>
+                      </a:endParaRPr>
+                    </a:p>
+                  </a:txBody>
+                  <a:tcPr>
+                    <a:lnL w="9525" cap="flat" cmpd="sng" algn="ctr">
+                      <a:solidFill>
+                        <a:schemeClr val="tx1">
+                          <a:lumMod val="50000"/>
+                          <a:lumOff val="50000"/>
+                        </a:schemeClr>
+                      </a:solidFill>
+                      <a:prstDash val="solid"/>
+                      <a:round/>
+                      <a:headEnd type="none" w="med" len="med"/>
+                      <a:tailEnd type="none" w="med" len="med"/>
+                    </a:lnL>
+                    <a:lnR w="9525" cap="flat" cmpd="sng" algn="ctr">
+                      <a:solidFill>
+                        <a:schemeClr val="tx1">
+                          <a:lumMod val="50000"/>
+                          <a:lumOff val="50000"/>
+                        </a:schemeClr>
+                      </a:solidFill>
+                      <a:prstDash val="solid"/>
+                      <a:round/>
+                      <a:headEnd type="none" w="med" len="med"/>
+                      <a:tailEnd type="none" w="med" len="med"/>
+                    </a:lnR>
+                    <a:lnT w="9525" cap="flat" cmpd="sng" algn="ctr">
+                      <a:solidFill>
+                        <a:schemeClr val="tx1">
+                          <a:lumMod val="50000"/>
+                          <a:lumOff val="50000"/>
+                        </a:schemeClr>
+                      </a:solidFill>
+                      <a:prstDash val="solid"/>
+                      <a:round/>
+                      <a:headEnd type="none" w="med" len="med"/>
+                      <a:tailEnd type="none" w="med" len="med"/>
+                    </a:lnT>
+                    <a:lnB w="9525" cap="flat" cmpd="sng" algn="ctr">
+                      <a:solidFill>
+                        <a:schemeClr val="tx1">
+                          <a:lumMod val="50000"/>
+                          <a:lumOff val="50000"/>
+                        </a:schemeClr>
+                      </a:solidFill>
+                      <a:prstDash val="solid"/>
+                      <a:round/>
+                      <a:headEnd type="none" w="med" len="med"/>
+                      <a:tailEnd type="none" w="med" len="med"/>
+                    </a:lnB>
+                    <a:lnTlToBr w="12700" cmpd="sng">
+                      <a:noFill/>
+                      <a:prstDash val="solid"/>
+                    </a:lnTlToBr>
+                    <a:lnBlToTr w="12700" cmpd="sng">
+                      <a:noFill/>
+                      <a:prstDash val="solid"/>
+                    </a:lnBlToTr>
+                    <a:noFill/>
+                  </a:tcPr>
+                </a:tc>
+                <a:tc>
+                  <a:txBody>
+                    <a:bodyPr/>
+                    <a:lstStyle/>
+                    <a:p>
+                      <a:endParaRPr lang="en-US" sz="1100" b="0">
+                        <a:solidFill>
+                          <a:schemeClr val="tx1"/>
+                        </a:solidFill>
+                      </a:endParaRPr>
+                    </a:p>
+                  </a:txBody>
+                  <a:tcPr>
+                    <a:lnL w="9525" cap="flat" cmpd="sng" algn="ctr">
+                      <a:solidFill>
+                        <a:schemeClr val="tx1">
+                          <a:lumMod val="50000"/>
+                          <a:lumOff val="50000"/>
+                        </a:schemeClr>
+                      </a:solidFill>
+                      <a:prstDash val="solid"/>
+                      <a:round/>
+                      <a:headEnd type="none" w="med" len="med"/>
+                      <a:tailEnd type="none" w="med" len="med"/>
+                    </a:lnL>
+                    <a:lnR w="9525" cap="flat" cmpd="sng" algn="ctr">
+                      <a:solidFill>
+                        <a:schemeClr val="tx1">
+                          <a:lumMod val="50000"/>
+                          <a:lumOff val="50000"/>
+                        </a:schemeClr>
+                      </a:solidFill>
+                      <a:prstDash val="solid"/>
+                      <a:round/>
+                      <a:headEnd type="none" w="med" len="med"/>
+                      <a:tailEnd type="none" w="med" len="med"/>
+                    </a:lnR>
+                    <a:lnT w="9525" cap="flat" cmpd="sng" algn="ctr">
+                      <a:solidFill>
+                        <a:schemeClr val="tx1">
+                          <a:lumMod val="50000"/>
+                          <a:lumOff val="50000"/>
+                        </a:schemeClr>
+                      </a:solidFill>
+                      <a:prstDash val="solid"/>
+                      <a:round/>
+                      <a:headEnd type="none" w="med" len="med"/>
+                      <a:tailEnd type="none" w="med" len="med"/>
+                    </a:lnT>
+                    <a:lnB w="9525" cap="flat" cmpd="sng" algn="ctr">
+                      <a:solidFill>
+                        <a:schemeClr val="tx1">
+                          <a:lumMod val="50000"/>
+                          <a:lumOff val="50000"/>
+                        </a:schemeClr>
+                      </a:solidFill>
+                      <a:prstDash val="solid"/>
+                      <a:round/>
+                      <a:headEnd type="none" w="med" len="med"/>
+                      <a:tailEnd type="none" w="med" len="med"/>
+                    </a:lnB>
+                    <a:lnTlToBr w="12700" cmpd="sng">
+                      <a:noFill/>
+                      <a:prstDash val="solid"/>
+                    </a:lnTlToBr>
+                    <a:lnBlToTr w="12700" cmpd="sng">
+                      <a:noFill/>
+                      <a:prstDash val="solid"/>
+                    </a:lnBlToTr>
+                    <a:noFill/>
+                  </a:tcPr>
+                </a:tc>
+                <a:tc>
+                  <a:txBody>
+                    <a:bodyPr/>
+                    <a:lstStyle/>
+                    <a:p>
+                      <a:endParaRPr lang="en-US" sz="1100" b="0" dirty="0">
+                        <a:solidFill>
+                          <a:schemeClr val="tx1"/>
+                        </a:solidFill>
+                      </a:endParaRPr>
+                    </a:p>
+                  </a:txBody>
+                  <a:tcPr>
+                    <a:lnL w="9525" cap="flat" cmpd="sng" algn="ctr">
+                      <a:solidFill>
+                        <a:schemeClr val="tx1">
+                          <a:lumMod val="50000"/>
+                          <a:lumOff val="50000"/>
+                        </a:schemeClr>
+                      </a:solidFill>
+                      <a:prstDash val="solid"/>
+                      <a:round/>
+                      <a:headEnd type="none" w="med" len="med"/>
+                      <a:tailEnd type="none" w="med" len="med"/>
+                    </a:lnL>
+                    <a:lnR w="9525" cap="flat" cmpd="sng" algn="ctr">
+                      <a:solidFill>
+                        <a:schemeClr val="tx1">
+                          <a:lumMod val="50000"/>
+                          <a:lumOff val="50000"/>
+                        </a:schemeClr>
+                      </a:solidFill>
+                      <a:prstDash val="solid"/>
+                      <a:round/>
+                      <a:headEnd type="none" w="med" len="med"/>
+                      <a:tailEnd type="none" w="med" len="med"/>
+                    </a:lnR>
+                    <a:lnT w="9525" cap="flat" cmpd="sng" algn="ctr">
+                      <a:solidFill>
+                        <a:schemeClr val="tx1">
+                          <a:lumMod val="50000"/>
+                          <a:lumOff val="50000"/>
+                        </a:schemeClr>
+                      </a:solidFill>
+                      <a:prstDash val="solid"/>
+                      <a:round/>
+                      <a:headEnd type="none" w="med" len="med"/>
+                      <a:tailEnd type="none" w="med" len="med"/>
+                    </a:lnT>
+                    <a:lnB w="9525" cap="flat" cmpd="sng" algn="ctr">
+                      <a:solidFill>
+                        <a:schemeClr val="tx1">
+                          <a:lumMod val="50000"/>
+                          <a:lumOff val="50000"/>
+                        </a:schemeClr>
+                      </a:solidFill>
+                      <a:prstDash val="solid"/>
+                      <a:round/>
+                      <a:headEnd type="none" w="med" len="med"/>
+                      <a:tailEnd type="none" w="med" len="med"/>
+                    </a:lnB>
+                    <a:lnTlToBr w="12700" cmpd="sng">
+                      <a:noFill/>
+                      <a:prstDash val="solid"/>
+                    </a:lnTlToBr>
+                    <a:lnBlToTr w="12700" cmpd="sng">
+                      <a:noFill/>
+                      <a:prstDash val="solid"/>
+                    </a:lnBlToTr>
+                    <a:noFill/>
+                  </a:tcPr>
+                </a:tc>
+                <a:extLst>
+                  <a:ext uri="{0D108BD9-81ED-4DB2-BD59-A6C34878D82A}">
+                    <a16:rowId xmlns:a16="http://schemas.microsoft.com/office/drawing/2014/main" val="3003648659"/>
+                  </a:ext>
+                </a:extLst>
+              </a:tr>
+            </a:tbl>
+          </a:graphicData>
+        </a:graphic>
+      </p:graphicFrame>
       <p:sp>
         <p:nvSpPr>
-          <p:cNvPr id="5" name="Rectangle 4">
+          <p:cNvPr id="10" name="TextBox 9">
             <a:extLst>
               <a:ext uri="{FF2B5EF4-FFF2-40B4-BE49-F238E27FC236}">
-                <a16:creationId xmlns:a16="http://schemas.microsoft.com/office/drawing/2014/main" id="{9E501188-7E51-C94C-B9EE-9313DA9EC995}"/>
-              </a:ext>
-            </a:extLst>
-          </p:cNvPr>
-          <p:cNvSpPr/>
-          <p:nvPr/>
-        </p:nvSpPr>
-        <p:spPr>
-          <a:xfrm>
-            <a:off x="838198" y="1642820"/>
-            <a:ext cx="10515599" cy="4664990"/>
-          </a:xfrm>
-          <a:prstGeom prst="rect">
-            <a:avLst/>
-          </a:prstGeom>
-          <a:solidFill>
-            <a:schemeClr val="bg1">
-              <a:lumMod val="85000"/>
-            </a:schemeClr>
-          </a:solidFill>
-          <a:ln>
-            <a:noFill/>
-          </a:ln>
-        </p:spPr>
-        <p:style>
-          <a:lnRef idx="2">
-            <a:schemeClr val="accent1">
-              <a:shade val="50000"/>
-            </a:schemeClr>
-          </a:lnRef>
-          <a:fillRef idx="1">
-            <a:schemeClr val="accent1"/>
-          </a:fillRef>
-          <a:effectRef idx="0">
-            <a:schemeClr val="accent1"/>
-          </a:effectRef>
-          <a:fontRef idx="minor">
-            <a:schemeClr val="lt1"/>
-          </a:fontRef>
-        </p:style>
-        <p:txBody>
-          <a:bodyPr rtlCol="0" anchor="ctr"/>
-          <a:lstStyle/>
-          <a:p>
-            <a:pPr algn="ctr"/>
-            <a:endParaRPr lang="en-US"/>
-          </a:p>
-        </p:txBody>
-      </p:sp>
-      <p:sp>
-        <p:nvSpPr>
-          <p:cNvPr id="8" name="TextBox 7">
-            <a:extLst>
-              <a:ext uri="{FF2B5EF4-FFF2-40B4-BE49-F238E27FC236}">
-                <a16:creationId xmlns:a16="http://schemas.microsoft.com/office/drawing/2014/main" id="{F2AACA29-0223-514E-8DE8-B6D04C4EB4CA}"/>
+                <a16:creationId xmlns:a16="http://schemas.microsoft.com/office/drawing/2014/main" id="{A912148B-0EF3-4D4F-BDD4-663F38253FC2}"/>
               </a:ext>
             </a:extLst>
           </p:cNvPr>
@@ -2900,17 +7472,165 @@
         </p:nvSpPr>
         <p:spPr>
           <a:xfrm>
-            <a:off x="838198" y="1019533"/>
-            <a:ext cx="1843710" cy="523220"/>
+            <a:off x="1647731" y="526041"/>
+            <a:ext cx="4079916" cy="307777"/>
+          </a:xfrm>
+          <a:prstGeom prst="homePlate">
+            <a:avLst/>
+          </a:prstGeom>
+          <a:solidFill>
+            <a:schemeClr val="bg1">
+              <a:lumMod val="50000"/>
+            </a:schemeClr>
+          </a:solidFill>
+          <a:ln>
+            <a:noFill/>
+          </a:ln>
+        </p:spPr>
+        <p:txBody>
+          <a:bodyPr wrap="square" rtlCol="0">
+            <a:spAutoFit/>
+          </a:bodyPr>
+          <a:lstStyle/>
+          <a:p>
+            <a:r>
+              <a:rPr lang="en-US" sz="1400">
+                <a:solidFill>
+                  <a:schemeClr val="bg1"/>
+                </a:solidFill>
+              </a:rPr>
+              <a:t>Discovery &amp; Proof of Concept  </a:t>
+            </a:r>
+          </a:p>
+        </p:txBody>
+      </p:sp>
+      <p:sp>
+        <p:nvSpPr>
+          <p:cNvPr id="11" name="TextBox 10">
+            <a:extLst>
+              <a:ext uri="{FF2B5EF4-FFF2-40B4-BE49-F238E27FC236}">
+                <a16:creationId xmlns:a16="http://schemas.microsoft.com/office/drawing/2014/main" id="{3DFE83AD-3456-AB48-9E5C-8AC05E7C8780}"/>
+              </a:ext>
+            </a:extLst>
+          </p:cNvPr>
+          <p:cNvSpPr txBox="1"/>
+          <p:nvPr/>
+        </p:nvSpPr>
+        <p:spPr>
+          <a:xfrm>
+            <a:off x="5718576" y="526041"/>
+            <a:ext cx="3170556" cy="307777"/>
+          </a:xfrm>
+          <a:prstGeom prst="homePlate">
+            <a:avLst/>
+          </a:prstGeom>
+          <a:solidFill>
+            <a:schemeClr val="bg1">
+              <a:lumMod val="50000"/>
+            </a:schemeClr>
+          </a:solidFill>
+          <a:ln>
+            <a:noFill/>
+          </a:ln>
+        </p:spPr>
+        <p:txBody>
+          <a:bodyPr wrap="square" rtlCol="0">
+            <a:spAutoFit/>
+          </a:bodyPr>
+          <a:lstStyle>
+            <a:defPPr>
+              <a:defRPr lang="en-US"/>
+            </a:defPPr>
+            <a:lvl1pPr>
+              <a:defRPr>
+                <a:solidFill>
+                  <a:schemeClr val="bg1"/>
+                </a:solidFill>
+              </a:defRPr>
+            </a:lvl1pPr>
+          </a:lstStyle>
+          <a:p>
+            <a:r>
+              <a:rPr lang="en-US" sz="1400"/>
+              <a:t>Alpha</a:t>
+            </a:r>
+          </a:p>
+        </p:txBody>
+      </p:sp>
+      <p:sp>
+        <p:nvSpPr>
+          <p:cNvPr id="12" name="TextBox 11">
+            <a:extLst>
+              <a:ext uri="{FF2B5EF4-FFF2-40B4-BE49-F238E27FC236}">
+                <a16:creationId xmlns:a16="http://schemas.microsoft.com/office/drawing/2014/main" id="{43E32746-CB53-6B47-9FAF-FD26D72D5E66}"/>
+              </a:ext>
+            </a:extLst>
+          </p:cNvPr>
+          <p:cNvSpPr txBox="1"/>
+          <p:nvPr/>
+        </p:nvSpPr>
+        <p:spPr>
+          <a:xfrm>
+            <a:off x="8890367" y="526041"/>
+            <a:ext cx="3170557" cy="307777"/>
+          </a:xfrm>
+          <a:prstGeom prst="homePlate">
+            <a:avLst/>
+          </a:prstGeom>
+          <a:solidFill>
+            <a:schemeClr val="bg1">
+              <a:lumMod val="50000"/>
+            </a:schemeClr>
+          </a:solidFill>
+          <a:ln>
+            <a:noFill/>
+          </a:ln>
+        </p:spPr>
+        <p:txBody>
+          <a:bodyPr wrap="square" rtlCol="0">
+            <a:spAutoFit/>
+          </a:bodyPr>
+          <a:lstStyle>
+            <a:defPPr>
+              <a:defRPr lang="en-US"/>
+            </a:defPPr>
+            <a:lvl1pPr>
+              <a:defRPr>
+                <a:solidFill>
+                  <a:schemeClr val="bg1"/>
+                </a:solidFill>
+              </a:defRPr>
+            </a:lvl1pPr>
+          </a:lstStyle>
+          <a:p>
+            <a:r>
+              <a:rPr lang="en-US" sz="1400"/>
+              <a:t>Beta</a:t>
+            </a:r>
+          </a:p>
+        </p:txBody>
+      </p:sp>
+      <p:sp>
+        <p:nvSpPr>
+          <p:cNvPr id="15" name="TextBox 14">
+            <a:extLst>
+              <a:ext uri="{FF2B5EF4-FFF2-40B4-BE49-F238E27FC236}">
+                <a16:creationId xmlns:a16="http://schemas.microsoft.com/office/drawing/2014/main" id="{11B9BACF-9346-1649-B8A0-67EAA93D5837}"/>
+              </a:ext>
+            </a:extLst>
+          </p:cNvPr>
+          <p:cNvSpPr txBox="1"/>
+          <p:nvPr/>
+        </p:nvSpPr>
+        <p:spPr>
+          <a:xfrm>
+            <a:off x="73988" y="8553"/>
+            <a:ext cx="2317814" cy="338554"/>
           </a:xfrm>
           <a:prstGeom prst="rect">
             <a:avLst/>
           </a:prstGeom>
-          <a:solidFill>
-            <a:schemeClr val="bg1">
-              <a:lumMod val="85000"/>
-            </a:schemeClr>
-          </a:solidFill>
+          <a:noFill/>
         </p:spPr>
         <p:txBody>
           <a:bodyPr wrap="none" rtlCol="0">
@@ -2919,24 +7639,18 @@
           <a:lstStyle/>
           <a:p>
             <a:r>
-              <a:rPr lang="en-US" sz="1400" dirty="0"/>
-              <a:t>Start Date For Visual</a:t>
-            </a:r>
-          </a:p>
-          <a:p>
-            <a:r>
-              <a:rPr lang="en-US" sz="1400" dirty="0"/>
-              <a:t>1/3/2021</a:t>
+              <a:rPr lang="en-US" sz="1600" dirty="0"/>
+              <a:t>UK View Roadmap</a:t>
             </a:r>
           </a:p>
         </p:txBody>
       </p:sp>
       <p:sp>
         <p:nvSpPr>
-          <p:cNvPr id="9" name="TextBox 8">
+          <p:cNvPr id="16" name="TextBox 15">
             <a:extLst>
               <a:ext uri="{FF2B5EF4-FFF2-40B4-BE49-F238E27FC236}">
-                <a16:creationId xmlns:a16="http://schemas.microsoft.com/office/drawing/2014/main" id="{5887E4B5-2196-B94D-A332-D666762FF9BE}"/>
+                <a16:creationId xmlns:a16="http://schemas.microsoft.com/office/drawing/2014/main" id="{B17A2183-18F8-0B40-9BFE-8F32EAA8202C}"/>
               </a:ext>
             </a:extLst>
           </p:cNvPr>
@@ -2945,17 +7659,13 @@
         </p:nvSpPr>
         <p:spPr>
           <a:xfrm>
-            <a:off x="9569398" y="1019533"/>
-            <a:ext cx="1784399" cy="523220"/>
+            <a:off x="73988" y="257201"/>
+            <a:ext cx="1241045" cy="261610"/>
           </a:xfrm>
           <a:prstGeom prst="rect">
             <a:avLst/>
           </a:prstGeom>
-          <a:solidFill>
-            <a:schemeClr val="bg1">
-              <a:lumMod val="85000"/>
-            </a:schemeClr>
-          </a:solidFill>
+          <a:noFill/>
         </p:spPr>
         <p:txBody>
           <a:bodyPr wrap="none" rtlCol="0">
@@ -2964,15 +7674,47 @@
           <a:lstStyle/>
           <a:p>
             <a:r>
-              <a:rPr lang="en-US" sz="1400" dirty="0"/>
-              <a:t>End Date For Visual</a:t>
+              <a:rPr lang="en-US" sz="1100" b="1" i="1"/>
+              <a:t>Update</a:t>
+            </a:r>
+            <a:r>
+              <a:rPr lang="en-US" sz="1100" i="1"/>
+              <a:t> 25 Mar 21</a:t>
             </a:r>
           </a:p>
+        </p:txBody>
+      </p:sp>
+      <p:sp>
+        <p:nvSpPr>
+          <p:cNvPr id="17" name="TextBox 16">
+            <a:extLst>
+              <a:ext uri="{FF2B5EF4-FFF2-40B4-BE49-F238E27FC236}">
+                <a16:creationId xmlns:a16="http://schemas.microsoft.com/office/drawing/2014/main" id="{E8480D31-12E6-5543-8023-515101985FD7}"/>
+              </a:ext>
+            </a:extLst>
+          </p:cNvPr>
+          <p:cNvSpPr txBox="1"/>
+          <p:nvPr/>
+        </p:nvSpPr>
+        <p:spPr>
+          <a:xfrm>
+            <a:off x="161149" y="528805"/>
+            <a:ext cx="1477157" cy="307777"/>
+          </a:xfrm>
+          <a:prstGeom prst="rect">
+            <a:avLst/>
+          </a:prstGeom>
+          <a:noFill/>
+        </p:spPr>
+        <p:txBody>
+          <a:bodyPr wrap="square" rtlCol="0">
+            <a:spAutoFit/>
+          </a:bodyPr>
+          <a:lstStyle/>
           <a:p>
-            <a:pPr algn="r"/>
             <a:r>
-              <a:rPr lang="en-US" sz="1400" dirty="0"/>
-              <a:t>23/6/2022</a:t>
+              <a:rPr lang="en-US" sz="1200"/>
+              <a:t>2021</a:t>
             </a:r>
           </a:p>
         </p:txBody>
@@ -3513,21 +8255,6 @@
 </file>
 
 <file path=customXml/item1.xml><?xml version="1.0" encoding="utf-8"?>
-<p:properties xmlns:p="http://schemas.microsoft.com/office/2006/metadata/properties" xmlns:xsi="http://www.w3.org/2001/XMLSchema-instance" xmlns:pc="http://schemas.microsoft.com/office/infopath/2007/PartnerControls">
-  <documentManagement/>
-</p:properties>
-</file>
-
-<file path=customXml/item2.xml><?xml version="1.0" encoding="utf-8"?>
-<?mso-contentType ?>
-<FormTemplates xmlns="http://schemas.microsoft.com/sharepoint/v3/contenttype/forms">
-  <Display>DocumentLibraryForm</Display>
-  <Edit>DocumentLibraryForm</Edit>
-  <New>DocumentLibraryForm</New>
-</FormTemplates>
-</file>
-
-<file path=customXml/item3.xml><?xml version="1.0" encoding="utf-8"?>
 <ct:contentTypeSchema xmlns:ct="http://schemas.microsoft.com/office/2006/metadata/contentType" xmlns:ma="http://schemas.microsoft.com/office/2006/metadata/properties/metaAttributes" ct:_="" ma:_="" ma:contentTypeName="Document" ma:contentTypeID="0x010100307F5EDF95E20C4A8474441400C6800D" ma:contentTypeVersion="10" ma:contentTypeDescription="Create a new document." ma:contentTypeScope="" ma:versionID="13f2536b895b9c0b22e13a03320d7fc0">
   <xsd:schema xmlns:xsd="http://www.w3.org/2001/XMLSchema" xmlns:xs="http://www.w3.org/2001/XMLSchema" xmlns:p="http://schemas.microsoft.com/office/2006/metadata/properties" xmlns:ns2="fe10320e-29bf-4aa4-9b4d-c821e75ed8cd" xmlns:ns3="60557b18-19d1-439e-8512-8af0e0e54ca0" targetNamespace="http://schemas.microsoft.com/office/2006/metadata/properties" ma:root="true" ma:fieldsID="b0713c79f9f15f9be8f8cdbb66e93cd7" ns2:_="" ns3:_="">
     <xsd:import namespace="fe10320e-29bf-4aa4-9b4d-c821e75ed8cd"/>
@@ -3730,32 +8457,22 @@
 </ct:contentTypeSchema>
 </file>
 
-<file path=customXml/itemProps1.xml><?xml version="1.0" encoding="utf-8"?>
-<ds:datastoreItem xmlns:ds="http://schemas.openxmlformats.org/officeDocument/2006/customXml" ds:itemID="{4D76EA74-8BC8-4FBE-BB3C-DAC8A826F99E}">
-  <ds:schemaRefs>
-    <ds:schemaRef ds:uri="http://schemas.microsoft.com/office/2006/metadata/properties"/>
-    <ds:schemaRef ds:uri="http://www.w3.org/XML/1998/namespace"/>
-    <ds:schemaRef ds:uri="http://purl.org/dc/elements/1.1/"/>
-    <ds:schemaRef ds:uri="60557b18-19d1-439e-8512-8af0e0e54ca0"/>
-    <ds:schemaRef ds:uri="http://schemas.microsoft.com/office/2006/documentManagement/types"/>
-    <ds:schemaRef ds:uri="http://schemas.microsoft.com/office/infopath/2007/PartnerControls"/>
-    <ds:schemaRef ds:uri="fe10320e-29bf-4aa4-9b4d-c821e75ed8cd"/>
-    <ds:schemaRef ds:uri="http://schemas.openxmlformats.org/package/2006/metadata/core-properties"/>
-    <ds:schemaRef ds:uri="http://purl.org/dc/dcmitype/"/>
-    <ds:schemaRef ds:uri="http://purl.org/dc/terms/"/>
-  </ds:schemaRefs>
-</ds:datastoreItem>
+<file path=customXml/item2.xml><?xml version="1.0" encoding="utf-8"?>
+<?mso-contentType ?>
+<FormTemplates xmlns="http://schemas.microsoft.com/sharepoint/v3/contenttype/forms">
+  <Display>DocumentLibraryForm</Display>
+  <Edit>DocumentLibraryForm</Edit>
+  <New>DocumentLibraryForm</New>
+</FormTemplates>
 </file>
 
-<file path=customXml/itemProps2.xml><?xml version="1.0" encoding="utf-8"?>
-<ds:datastoreItem xmlns:ds="http://schemas.openxmlformats.org/officeDocument/2006/customXml" ds:itemID="{70E4FDB5-5CFF-42FE-AB2D-5066B0033554}">
-  <ds:schemaRefs>
-    <ds:schemaRef ds:uri="http://schemas.microsoft.com/sharepoint/v3/contenttype/forms"/>
-  </ds:schemaRefs>
-</ds:datastoreItem>
+<file path=customXml/item3.xml><?xml version="1.0" encoding="utf-8"?>
+<p:properties xmlns:p="http://schemas.microsoft.com/office/2006/metadata/properties" xmlns:xsi="http://www.w3.org/2001/XMLSchema-instance" xmlns:pc="http://schemas.microsoft.com/office/infopath/2007/PartnerControls">
+  <documentManagement/>
+</p:properties>
 </file>
 
-<file path=customXml/itemProps3.xml><?xml version="1.0" encoding="utf-8"?>
+<file path=customXml/itemProps1.xml><?xml version="1.0" encoding="utf-8"?>
 <ds:datastoreItem xmlns:ds="http://schemas.openxmlformats.org/officeDocument/2006/customXml" ds:itemID="{BB64C370-AFB8-4C43-91D9-0F1B21861D26}">
   <ds:schemaRefs>
     <ds:schemaRef ds:uri="http://schemas.microsoft.com/office/2006/metadata/contentType"/>
@@ -3772,4 +8489,29 @@
     <ds:schemaRef ds:uri="http://schemas.microsoft.com/internal/obd"/>
   </ds:schemaRefs>
 </ds:datastoreItem>
+</file>
+
+<file path=customXml/itemProps2.xml><?xml version="1.0" encoding="utf-8"?>
+<ds:datastoreItem xmlns:ds="http://schemas.openxmlformats.org/officeDocument/2006/customXml" ds:itemID="{70E4FDB5-5CFF-42FE-AB2D-5066B0033554}">
+  <ds:schemaRefs>
+    <ds:schemaRef ds:uri="http://schemas.microsoft.com/sharepoint/v3/contenttype/forms"/>
+  </ds:schemaRefs>
+</ds:datastoreItem>
+</file>
+
+<file path=customXml/itemProps3.xml><?xml version="1.0" encoding="utf-8"?>
+<ds:datastoreItem xmlns:ds="http://schemas.openxmlformats.org/officeDocument/2006/customXml" ds:itemID="{4D76EA74-8BC8-4FBE-BB3C-DAC8A826F99E}">
+  <ds:schemaRefs>
+    <ds:schemaRef ds:uri="http://schemas.microsoft.com/office/2006/metadata/properties"/>
+    <ds:schemaRef ds:uri="http://www.w3.org/XML/1998/namespace"/>
+    <ds:schemaRef ds:uri="http://purl.org/dc/elements/1.1/"/>
+    <ds:schemaRef ds:uri="60557b18-19d1-439e-8512-8af0e0e54ca0"/>
+    <ds:schemaRef ds:uri="http://schemas.microsoft.com/office/2006/documentManagement/types"/>
+    <ds:schemaRef ds:uri="http://schemas.microsoft.com/office/infopath/2007/PartnerControls"/>
+    <ds:schemaRef ds:uri="fe10320e-29bf-4aa4-9b4d-c821e75ed8cd"/>
+    <ds:schemaRef ds:uri="http://schemas.openxmlformats.org/package/2006/metadata/core-properties"/>
+    <ds:schemaRef ds:uri="http://purl.org/dc/dcmitype/"/>
+    <ds:schemaRef ds:uri="http://purl.org/dc/terms/"/>
+  </ds:schemaRefs>
+</ds:datastoreItem>
 </file>